--- a/haxe.pptx
+++ b/haxe.pptx
@@ -14,16 +14,27 @@
     <p:sldId id="262" r:id="rId8"/>
     <p:sldId id="263" r:id="rId9"/>
     <p:sldId id="264" r:id="rId10"/>
-    <p:sldId id="265" r:id="rId11"/>
-    <p:sldId id="266" r:id="rId12"/>
-    <p:sldId id="267" r:id="rId13"/>
-    <p:sldId id="268" r:id="rId14"/>
-    <p:sldId id="269" r:id="rId15"/>
-    <p:sldId id="270" r:id="rId16"/>
-    <p:sldId id="271" r:id="rId17"/>
-    <p:sldId id="272" r:id="rId18"/>
-    <p:sldId id="273" r:id="rId19"/>
-    <p:sldId id="274" r:id="rId20"/>
+    <p:sldId id="275" r:id="rId11"/>
+    <p:sldId id="276" r:id="rId12"/>
+    <p:sldId id="265" r:id="rId13"/>
+    <p:sldId id="266" r:id="rId14"/>
+    <p:sldId id="267" r:id="rId15"/>
+    <p:sldId id="268" r:id="rId16"/>
+    <p:sldId id="269" r:id="rId17"/>
+    <p:sldId id="270" r:id="rId18"/>
+    <p:sldId id="277" r:id="rId19"/>
+    <p:sldId id="278" r:id="rId20"/>
+    <p:sldId id="271" r:id="rId21"/>
+    <p:sldId id="272" r:id="rId22"/>
+    <p:sldId id="273" r:id="rId23"/>
+    <p:sldId id="279" r:id="rId24"/>
+    <p:sldId id="274" r:id="rId25"/>
+    <p:sldId id="280" r:id="rId26"/>
+    <p:sldId id="283" r:id="rId27"/>
+    <p:sldId id="281" r:id="rId28"/>
+    <p:sldId id="282" r:id="rId29"/>
+    <p:sldId id="285" r:id="rId30"/>
+    <p:sldId id="284" r:id="rId31"/>
   </p:sldIdLst>
   <p:sldSz cx="9144000" cy="6858000" type="screen4x3"/>
   <p:notesSz cx="6858000" cy="9144000"/>
@@ -122,6 +133,22 @@
       </a:defRPr>
     </a:lvl9pPr>
   </p:defaultTextStyle>
+  <p:extLst>
+    <p:ext uri="{EFAFB233-063F-42B5-8137-9DF3F51BA10A}">
+      <p15:sldGuideLst xmlns:p15="http://schemas.microsoft.com/office/powerpoint/2012/main">
+        <p15:guide id="1" orient="horz" pos="2160">
+          <p15:clr>
+            <a:srgbClr val="A4A3A4"/>
+          </p15:clr>
+        </p15:guide>
+        <p15:guide id="2" pos="2880">
+          <p15:clr>
+            <a:srgbClr val="A4A3A4"/>
+          </p15:clr>
+        </p15:guide>
+      </p15:sldGuideLst>
+    </p:ext>
+  </p:extLst>
 </p:presentation>
 </file>
 
@@ -306,7 +333,7 @@
           <a:p>
             <a:fld id="{5B4C7684-2746-410F-B95D-C3D613FAC7BE}" type="datetimeFigureOut">
               <a:rPr lang="ru-RU" smtClean="0"/>
-              <a:t>10.09.2013</a:t>
+              <a:t>23.09.2014</a:t>
             </a:fld>
             <a:endParaRPr lang="ru-RU"/>
           </a:p>
@@ -476,7 +503,7 @@
           <a:p>
             <a:fld id="{5B4C7684-2746-410F-B95D-C3D613FAC7BE}" type="datetimeFigureOut">
               <a:rPr lang="ru-RU" smtClean="0"/>
-              <a:t>10.09.2013</a:t>
+              <a:t>23.09.2014</a:t>
             </a:fld>
             <a:endParaRPr lang="ru-RU"/>
           </a:p>
@@ -656,7 +683,7 @@
           <a:p>
             <a:fld id="{5B4C7684-2746-410F-B95D-C3D613FAC7BE}" type="datetimeFigureOut">
               <a:rPr lang="ru-RU" smtClean="0"/>
-              <a:t>10.09.2013</a:t>
+              <a:t>23.09.2014</a:t>
             </a:fld>
             <a:endParaRPr lang="ru-RU"/>
           </a:p>
@@ -826,7 +853,7 @@
           <a:p>
             <a:fld id="{5B4C7684-2746-410F-B95D-C3D613FAC7BE}" type="datetimeFigureOut">
               <a:rPr lang="ru-RU" smtClean="0"/>
-              <a:t>10.09.2013</a:t>
+              <a:t>23.09.2014</a:t>
             </a:fld>
             <a:endParaRPr lang="ru-RU"/>
           </a:p>
@@ -1072,7 +1099,7 @@
           <a:p>
             <a:fld id="{5B4C7684-2746-410F-B95D-C3D613FAC7BE}" type="datetimeFigureOut">
               <a:rPr lang="ru-RU" smtClean="0"/>
-              <a:t>10.09.2013</a:t>
+              <a:t>23.09.2014</a:t>
             </a:fld>
             <a:endParaRPr lang="ru-RU"/>
           </a:p>
@@ -1360,7 +1387,7 @@
           <a:p>
             <a:fld id="{5B4C7684-2746-410F-B95D-C3D613FAC7BE}" type="datetimeFigureOut">
               <a:rPr lang="ru-RU" smtClean="0"/>
-              <a:t>10.09.2013</a:t>
+              <a:t>23.09.2014</a:t>
             </a:fld>
             <a:endParaRPr lang="ru-RU"/>
           </a:p>
@@ -1782,7 +1809,7 @@
           <a:p>
             <a:fld id="{5B4C7684-2746-410F-B95D-C3D613FAC7BE}" type="datetimeFigureOut">
               <a:rPr lang="ru-RU" smtClean="0"/>
-              <a:t>10.09.2013</a:t>
+              <a:t>23.09.2014</a:t>
             </a:fld>
             <a:endParaRPr lang="ru-RU"/>
           </a:p>
@@ -1900,7 +1927,7 @@
           <a:p>
             <a:fld id="{5B4C7684-2746-410F-B95D-C3D613FAC7BE}" type="datetimeFigureOut">
               <a:rPr lang="ru-RU" smtClean="0"/>
-              <a:t>10.09.2013</a:t>
+              <a:t>23.09.2014</a:t>
             </a:fld>
             <a:endParaRPr lang="ru-RU"/>
           </a:p>
@@ -1995,7 +2022,7 @@
           <a:p>
             <a:fld id="{5B4C7684-2746-410F-B95D-C3D613FAC7BE}" type="datetimeFigureOut">
               <a:rPr lang="ru-RU" smtClean="0"/>
-              <a:t>10.09.2013</a:t>
+              <a:t>23.09.2014</a:t>
             </a:fld>
             <a:endParaRPr lang="ru-RU"/>
           </a:p>
@@ -2272,7 +2299,7 @@
           <a:p>
             <a:fld id="{5B4C7684-2746-410F-B95D-C3D613FAC7BE}" type="datetimeFigureOut">
               <a:rPr lang="ru-RU" smtClean="0"/>
-              <a:t>10.09.2013</a:t>
+              <a:t>23.09.2014</a:t>
             </a:fld>
             <a:endParaRPr lang="ru-RU"/>
           </a:p>
@@ -2525,7 +2552,7 @@
           <a:p>
             <a:fld id="{5B4C7684-2746-410F-B95D-C3D613FAC7BE}" type="datetimeFigureOut">
               <a:rPr lang="ru-RU" smtClean="0"/>
-              <a:t>10.09.2013</a:t>
+              <a:t>23.09.2014</a:t>
             </a:fld>
             <a:endParaRPr lang="ru-RU"/>
           </a:p>
@@ -2738,7 +2765,7 @@
           <a:p>
             <a:fld id="{5B4C7684-2746-410F-B95D-C3D613FAC7BE}" type="datetimeFigureOut">
               <a:rPr lang="ru-RU" smtClean="0"/>
-              <a:t>10.09.2013</a:t>
+              <a:t>23.09.2014</a:t>
             </a:fld>
             <a:endParaRPr lang="ru-RU"/>
           </a:p>
@@ -3262,14 +3289,21 @@
             <p:ph type="title"/>
           </p:nvPr>
         </p:nvSpPr>
-        <p:spPr/>
-        <p:txBody>
-          <a:bodyPr/>
-          <a:lstStyle/>
-          <a:p>
-            <a:r>
-              <a:rPr lang="ru-RU" dirty="0" smtClean="0"/>
-              <a:t>Условная компиляция</a:t>
+        <p:spPr>
+          <a:xfrm>
+            <a:off x="323528" y="-28492"/>
+            <a:ext cx="8229600" cy="634082"/>
+          </a:xfrm>
+        </p:spPr>
+        <p:txBody>
+          <a:bodyPr>
+            <a:normAutofit fontScale="90000"/>
+          </a:bodyPr>
+          <a:lstStyle/>
+          <a:p>
+            <a:r>
+              <a:rPr lang="en-US" dirty="0" smtClean="0"/>
+              <a:t>ADT &amp; pattern matching</a:t>
             </a:r>
             <a:endParaRPr lang="ru-RU" dirty="0"/>
           </a:p>
@@ -3277,62 +3311,494 @@
       </p:sp>
       <p:sp>
         <p:nvSpPr>
-          <p:cNvPr id="3" name="Content Placeholder 2"/>
-          <p:cNvSpPr>
-            <a:spLocks noGrp="1"/>
-          </p:cNvSpPr>
-          <p:nvPr>
-            <p:ph idx="1"/>
-          </p:nvPr>
-        </p:nvSpPr>
-        <p:spPr/>
-        <p:txBody>
-          <a:bodyPr>
-            <a:normAutofit/>
+          <p:cNvPr id="4" name="Rectangle 1"/>
+          <p:cNvSpPr>
+            <a:spLocks noChangeArrowheads="1"/>
+          </p:cNvSpPr>
+          <p:nvPr/>
+        </p:nvSpPr>
+        <p:spPr bwMode="auto">
+          <a:xfrm>
+            <a:off x="899592" y="1947029"/>
+            <a:ext cx="65" cy="276999"/>
+          </a:xfrm>
+          <a:prstGeom prst="rect">
+            <a:avLst/>
+          </a:prstGeom>
+          <a:solidFill>
+            <a:srgbClr val="F3F3F3"/>
+          </a:solidFill>
+          <a:ln>
+            <a:noFill/>
+          </a:ln>
+          <a:effectLst/>
+          <a:extLst>
+            <a:ext uri="{91240B29-F687-4F45-9708-019B960494DF}">
+              <a14:hiddenLine xmlns:a14="http://schemas.microsoft.com/office/drawing/2010/main" w="9525">
+                <a:solidFill>
+                  <a:schemeClr val="tx1"/>
+                </a:solidFill>
+                <a:miter lim="800000"/>
+                <a:headEnd/>
+                <a:tailEnd/>
+              </a14:hiddenLine>
+            </a:ext>
+            <a:ext uri="{AF507438-7753-43E0-B8FC-AC1667EBCBE1}">
+              <a14:hiddenEffects xmlns:a14="http://schemas.microsoft.com/office/drawing/2010/main">
+                <a:effectLst>
+                  <a:outerShdw dist="35921" dir="2700000" algn="ctr" rotWithShape="0">
+                    <a:schemeClr val="bg2"/>
+                  </a:outerShdw>
+                </a:effectLst>
+              </a14:hiddenEffects>
+            </a:ext>
+          </a:extLst>
+        </p:spPr>
+        <p:txBody>
+          <a:bodyPr vert="horz" wrap="none" lIns="0" tIns="0" rIns="0" bIns="0" numCol="1" anchor="ctr" anchorCtr="0" compatLnSpc="1">
+            <a:prstTxWarp prst="textNoShape">
+              <a:avLst/>
+            </a:prstTxWarp>
+            <a:spAutoFit/>
           </a:bodyPr>
           <a:lstStyle/>
           <a:p>
-            <a:pPr marL="0" indent="0">
-              <a:buNone/>
-            </a:pPr>
-            <a:r>
-              <a:rPr lang="en-US" sz="2800" dirty="0" smtClean="0"/>
-              <a:t> #if debug</a:t>
-            </a:r>
-          </a:p>
-          <a:p>
-            <a:pPr marL="0" indent="0">
-              <a:buNone/>
-            </a:pPr>
-            <a:r>
-              <a:rPr lang="en-US" sz="2800" dirty="0" smtClean="0"/>
-              <a:t>    trace("Debug </a:t>
-            </a:r>
-            <a:r>
-              <a:rPr lang="en-US" sz="2800" dirty="0" err="1" smtClean="0"/>
-              <a:t>infos</a:t>
-            </a:r>
-            <a:r>
-              <a:rPr lang="en-US" sz="2800" dirty="0" smtClean="0"/>
-              <a:t> for all debug compiles");</a:t>
-            </a:r>
-          </a:p>
-          <a:p>
-            <a:pPr marL="0" indent="0">
-              <a:buNone/>
-            </a:pPr>
-            <a:r>
-              <a:rPr lang="en-US" sz="2800" dirty="0" smtClean="0"/>
-              <a:t>  #end</a:t>
-            </a:r>
-            <a:endParaRPr lang="ru-RU" sz="2800" dirty="0"/>
+            <a:pPr marL="0" marR="0" lvl="0" indent="0" algn="l" defTabSz="914400" rtl="0" eaLnBrk="0" fontAlgn="base" latinLnBrk="0" hangingPunct="0">
+              <a:lnSpc>
+                <a:spcPct val="100000"/>
+              </a:lnSpc>
+              <a:spcBef>
+                <a:spcPct val="0"/>
+              </a:spcBef>
+              <a:spcAft>
+                <a:spcPct val="0"/>
+              </a:spcAft>
+              <a:buClrTx/>
+              <a:buSzTx/>
+              <a:buFontTx/>
+              <a:buNone/>
+              <a:tabLst/>
+            </a:pPr>
+            <a:endParaRPr kumimoji="0" lang="ru-RU" sz="1800" b="0" i="0" u="none" strike="noStrike" cap="none" normalizeH="0" baseline="0" dirty="0" smtClean="0">
+              <a:ln>
+                <a:noFill/>
+              </a:ln>
+              <a:solidFill>
+                <a:schemeClr val="tx1"/>
+              </a:solidFill>
+              <a:effectLst/>
+              <a:latin typeface="Arial" panose="020B0604020202020204" pitchFamily="34" charset="0"/>
+            </a:endParaRPr>
+          </a:p>
+        </p:txBody>
+      </p:sp>
+      <p:sp>
+        <p:nvSpPr>
+          <p:cNvPr id="6" name="Rectangle 5"/>
+          <p:cNvSpPr/>
+          <p:nvPr/>
+        </p:nvSpPr>
+        <p:spPr>
+          <a:xfrm>
+            <a:off x="179512" y="1412776"/>
+            <a:ext cx="9361040" cy="4093428"/>
+          </a:xfrm>
+          <a:prstGeom prst="rect">
+            <a:avLst/>
+          </a:prstGeom>
+        </p:spPr>
+        <p:txBody>
+          <a:bodyPr wrap="square">
+            <a:spAutoFit/>
+          </a:bodyPr>
+          <a:lstStyle/>
+          <a:p>
+            <a:r>
+              <a:rPr lang="en-US" sz="2000" dirty="0" smtClean="0"/>
+              <a:t>       </a:t>
+            </a:r>
+            <a:r>
+              <a:rPr lang="ru-RU" sz="2000" dirty="0" err="1" smtClean="0"/>
+              <a:t>enum</a:t>
+            </a:r>
+            <a:r>
+              <a:rPr lang="ru-RU" sz="2000" dirty="0" smtClean="0"/>
+              <a:t> </a:t>
+            </a:r>
+            <a:r>
+              <a:rPr lang="ru-RU" sz="2000" dirty="0" err="1"/>
+              <a:t>Result</a:t>
+            </a:r>
+            <a:r>
+              <a:rPr lang="ru-RU" sz="2000" dirty="0"/>
+              <a:t> {</a:t>
+            </a:r>
+          </a:p>
+          <a:p>
+            <a:r>
+              <a:rPr lang="ru-RU" sz="2000" dirty="0"/>
+              <a:t> </a:t>
+            </a:r>
+            <a:r>
+              <a:rPr lang="en-US" sz="2000" dirty="0" smtClean="0"/>
+              <a:t>         </a:t>
+            </a:r>
+            <a:r>
+              <a:rPr lang="ru-RU" sz="2000" dirty="0" err="1" smtClean="0"/>
+              <a:t>Success</a:t>
+            </a:r>
+            <a:r>
+              <a:rPr lang="ru-RU" sz="2000" dirty="0" smtClean="0"/>
+              <a:t>(</a:t>
+            </a:r>
+            <a:r>
+              <a:rPr lang="ru-RU" sz="2000" dirty="0" err="1" smtClean="0"/>
+              <a:t>data:Array</a:t>
+            </a:r>
+            <a:r>
+              <a:rPr lang="ru-RU" sz="2000" dirty="0" smtClean="0"/>
+              <a:t>&lt;</a:t>
+            </a:r>
+            <a:r>
+              <a:rPr lang="ru-RU" sz="2000" dirty="0" err="1" smtClean="0"/>
+              <a:t>Int</a:t>
+            </a:r>
+            <a:r>
+              <a:rPr lang="ru-RU" sz="2000" dirty="0"/>
+              <a:t>&gt;);</a:t>
+            </a:r>
+          </a:p>
+          <a:p>
+            <a:r>
+              <a:rPr lang="ru-RU" sz="2000" dirty="0"/>
+              <a:t> </a:t>
+            </a:r>
+            <a:r>
+              <a:rPr lang="en-US" sz="2000" dirty="0" smtClean="0"/>
+              <a:t>         </a:t>
+            </a:r>
+            <a:r>
+              <a:rPr lang="ru-RU" sz="2000" dirty="0" err="1" smtClean="0"/>
+              <a:t>UserError</a:t>
+            </a:r>
+            <a:r>
+              <a:rPr lang="ru-RU" sz="2000" dirty="0" smtClean="0"/>
+              <a:t>(</a:t>
+            </a:r>
+            <a:r>
+              <a:rPr lang="ru-RU" sz="2000" dirty="0" err="1" smtClean="0"/>
+              <a:t>msg:String</a:t>
+            </a:r>
+            <a:r>
+              <a:rPr lang="ru-RU" sz="2000" dirty="0"/>
+              <a:t>); </a:t>
+            </a:r>
+          </a:p>
+          <a:p>
+            <a:r>
+              <a:rPr lang="ru-RU" sz="2000" dirty="0"/>
+              <a:t> </a:t>
+            </a:r>
+            <a:r>
+              <a:rPr lang="en-US" sz="2000" dirty="0" smtClean="0"/>
+              <a:t>         </a:t>
+            </a:r>
+            <a:r>
+              <a:rPr lang="ru-RU" sz="2000" dirty="0" err="1" smtClean="0"/>
+              <a:t>SystemError</a:t>
+            </a:r>
+            <a:r>
+              <a:rPr lang="ru-RU" sz="2000" dirty="0" smtClean="0"/>
+              <a:t>(</a:t>
+            </a:r>
+            <a:r>
+              <a:rPr lang="ru-RU" sz="2000" dirty="0" err="1" smtClean="0"/>
+              <a:t>msg:String</a:t>
+            </a:r>
+            <a:r>
+              <a:rPr lang="ru-RU" sz="2000" dirty="0"/>
+              <a:t>, </a:t>
+            </a:r>
+            <a:r>
+              <a:rPr lang="ru-RU" sz="2000" dirty="0" err="1"/>
+              <a:t>position:Array</a:t>
+            </a:r>
+            <a:r>
+              <a:rPr lang="ru-RU" sz="2000" dirty="0"/>
+              <a:t>&lt;</a:t>
+            </a:r>
+            <a:r>
+              <a:rPr lang="ru-RU" sz="2000" dirty="0" err="1"/>
+              <a:t>Int</a:t>
+            </a:r>
+            <a:r>
+              <a:rPr lang="ru-RU" sz="2000" dirty="0"/>
+              <a:t>&gt;);</a:t>
+            </a:r>
+          </a:p>
+          <a:p>
+            <a:r>
+              <a:rPr lang="ru-RU" sz="2000" dirty="0"/>
+              <a:t> </a:t>
+            </a:r>
+            <a:r>
+              <a:rPr lang="en-US" sz="2000" dirty="0" smtClean="0"/>
+              <a:t>      </a:t>
+            </a:r>
+            <a:r>
+              <a:rPr lang="ru-RU" sz="2000" dirty="0" smtClean="0"/>
+              <a:t>} </a:t>
+            </a:r>
+            <a:endParaRPr lang="ru-RU" sz="2000" dirty="0"/>
+          </a:p>
+          <a:p>
+            <a:endParaRPr lang="ru-RU" sz="2000" dirty="0"/>
+          </a:p>
+          <a:p>
+            <a:r>
+              <a:rPr lang="en-US" sz="2000" dirty="0" smtClean="0"/>
+              <a:t>       </a:t>
+            </a:r>
+            <a:r>
+              <a:rPr lang="ru-RU" sz="2000" dirty="0" err="1" smtClean="0"/>
+              <a:t>var</a:t>
+            </a:r>
+            <a:r>
+              <a:rPr lang="ru-RU" sz="2000" dirty="0" smtClean="0"/>
+              <a:t> </a:t>
+            </a:r>
+            <a:r>
+              <a:rPr lang="ru-RU" sz="2000" dirty="0"/>
+              <a:t>e:Result = </a:t>
+            </a:r>
+            <a:r>
+              <a:rPr lang="ru-RU" sz="2000" dirty="0" err="1"/>
+              <a:t>Success</a:t>
+            </a:r>
+            <a:r>
+              <a:rPr lang="ru-RU" sz="2000" dirty="0"/>
+              <a:t>([1,2,3]);</a:t>
+            </a:r>
+          </a:p>
+          <a:p>
+            <a:r>
+              <a:rPr lang="ru-RU" sz="2000" dirty="0"/>
+              <a:t>       </a:t>
+            </a:r>
+            <a:r>
+              <a:rPr lang="ru-RU" sz="2000" dirty="0" err="1" smtClean="0"/>
+              <a:t>switch</a:t>
+            </a:r>
+            <a:r>
+              <a:rPr lang="ru-RU" sz="2000" dirty="0" smtClean="0"/>
+              <a:t> </a:t>
+            </a:r>
+            <a:r>
+              <a:rPr lang="ru-RU" sz="2000" dirty="0"/>
+              <a:t>(e){</a:t>
+            </a:r>
+          </a:p>
+          <a:p>
+            <a:r>
+              <a:rPr lang="ru-RU" sz="2000" dirty="0"/>
+              <a:t>            </a:t>
+            </a:r>
+            <a:r>
+              <a:rPr lang="ru-RU" sz="2000" dirty="0" err="1"/>
+              <a:t>case</a:t>
+            </a:r>
+            <a:r>
+              <a:rPr lang="ru-RU" sz="2000" dirty="0"/>
+              <a:t> </a:t>
+            </a:r>
+            <a:r>
+              <a:rPr lang="ru-RU" sz="2000" dirty="0" err="1"/>
+              <a:t>Success</a:t>
+            </a:r>
+            <a:r>
+              <a:rPr lang="ru-RU" sz="2000" dirty="0"/>
+              <a:t>([</a:t>
+            </a:r>
+            <a:r>
+              <a:rPr lang="ru-RU" sz="2000" dirty="0" err="1"/>
+              <a:t>code,value,data</a:t>
+            </a:r>
+            <a:r>
+              <a:rPr lang="ru-RU" sz="2000" dirty="0"/>
+              <a:t>]): </a:t>
+            </a:r>
+            <a:r>
+              <a:rPr lang="ru-RU" sz="2000" dirty="0" err="1"/>
+              <a:t>trace</a:t>
+            </a:r>
+            <a:r>
+              <a:rPr lang="ru-RU" sz="2000" dirty="0"/>
+              <a:t>('SUCCESS ${</a:t>
+            </a:r>
+            <a:r>
+              <a:rPr lang="ru-RU" sz="2000" dirty="0" err="1"/>
+              <a:t>code</a:t>
+            </a:r>
+            <a:r>
+              <a:rPr lang="ru-RU" sz="2000" dirty="0"/>
+              <a:t>} -- $</a:t>
+            </a:r>
+            <a:r>
+              <a:rPr lang="ru-RU" sz="2000" dirty="0" err="1"/>
+              <a:t>value</a:t>
+            </a:r>
+            <a:r>
+              <a:rPr lang="ru-RU" sz="2000" dirty="0"/>
+              <a:t> -- $</a:t>
+            </a:r>
+            <a:r>
+              <a:rPr lang="ru-RU" sz="2000" dirty="0" err="1"/>
+              <a:t>data</a:t>
+            </a:r>
+            <a:r>
+              <a:rPr lang="ru-RU" sz="2000" dirty="0"/>
+              <a:t>');</a:t>
+            </a:r>
+          </a:p>
+          <a:p>
+            <a:r>
+              <a:rPr lang="ru-RU" sz="2000" dirty="0"/>
+              <a:t>            </a:t>
+            </a:r>
+            <a:r>
+              <a:rPr lang="ru-RU" sz="2000" dirty="0" err="1"/>
+              <a:t>case</a:t>
+            </a:r>
+            <a:r>
+              <a:rPr lang="ru-RU" sz="2000" dirty="0"/>
+              <a:t> </a:t>
+            </a:r>
+            <a:r>
+              <a:rPr lang="ru-RU" sz="2000" dirty="0" err="1"/>
+              <a:t>Success</a:t>
+            </a:r>
+            <a:r>
+              <a:rPr lang="ru-RU" sz="2000" dirty="0"/>
+              <a:t>(</a:t>
+            </a:r>
+            <a:r>
+              <a:rPr lang="ru-RU" sz="2000" dirty="0" err="1"/>
+              <a:t>arr</a:t>
+            </a:r>
+            <a:r>
+              <a:rPr lang="ru-RU" sz="2000" dirty="0"/>
+              <a:t>): </a:t>
+            </a:r>
+            <a:r>
+              <a:rPr lang="ru-RU" sz="2000" dirty="0" err="1"/>
+              <a:t>trace</a:t>
+            </a:r>
+            <a:r>
+              <a:rPr lang="ru-RU" sz="2000" dirty="0"/>
+              <a:t>('SUCCESS ${</a:t>
+            </a:r>
+            <a:r>
+              <a:rPr lang="ru-RU" sz="2000" dirty="0" err="1"/>
+              <a:t>arr</a:t>
+            </a:r>
+            <a:r>
+              <a:rPr lang="ru-RU" sz="2000" dirty="0"/>
+              <a:t>}');</a:t>
+            </a:r>
+          </a:p>
+          <a:p>
+            <a:r>
+              <a:rPr lang="ru-RU" sz="2000" dirty="0"/>
+              <a:t>            </a:t>
+            </a:r>
+            <a:r>
+              <a:rPr lang="ru-RU" sz="2000" dirty="0" err="1"/>
+              <a:t>case</a:t>
+            </a:r>
+            <a:r>
+              <a:rPr lang="ru-RU" sz="2000" dirty="0"/>
+              <a:t> </a:t>
+            </a:r>
+            <a:r>
+              <a:rPr lang="ru-RU" sz="2000" dirty="0" err="1"/>
+              <a:t>UserError</a:t>
+            </a:r>
+            <a:r>
+              <a:rPr lang="ru-RU" sz="2000" dirty="0"/>
+              <a:t>(</a:t>
+            </a:r>
+            <a:r>
+              <a:rPr lang="ru-RU" sz="2000" dirty="0" err="1"/>
+              <a:t>msg</a:t>
+            </a:r>
+            <a:r>
+              <a:rPr lang="ru-RU" sz="2000" dirty="0"/>
+              <a:t>): </a:t>
+            </a:r>
+            <a:r>
+              <a:rPr lang="ru-RU" sz="2000" dirty="0" err="1"/>
+              <a:t>trace</a:t>
+            </a:r>
+            <a:r>
+              <a:rPr lang="ru-RU" sz="2000" dirty="0"/>
+              <a:t>('ERRRR ${</a:t>
+            </a:r>
+            <a:r>
+              <a:rPr lang="ru-RU" sz="2000" dirty="0" err="1"/>
+              <a:t>msg</a:t>
+            </a:r>
+            <a:r>
+              <a:rPr lang="ru-RU" sz="2000" dirty="0"/>
+              <a:t>}');</a:t>
+            </a:r>
+          </a:p>
+          <a:p>
+            <a:r>
+              <a:rPr lang="ru-RU" sz="2000" dirty="0"/>
+              <a:t>                </a:t>
+            </a:r>
+            <a:r>
+              <a:rPr lang="ru-RU" sz="2000" dirty="0" err="1"/>
+              <a:t>default</a:t>
+            </a:r>
+            <a:r>
+              <a:rPr lang="ru-RU" sz="2000" dirty="0"/>
+              <a:t>: </a:t>
+            </a:r>
+            <a:r>
+              <a:rPr lang="ru-RU" sz="2000" dirty="0" err="1"/>
+              <a:t>trace</a:t>
+            </a:r>
+            <a:r>
+              <a:rPr lang="ru-RU" sz="2000" dirty="0"/>
+              <a:t>("</a:t>
+            </a:r>
+            <a:r>
+              <a:rPr lang="ru-RU" sz="2000" dirty="0" err="1"/>
+              <a:t>ddd</a:t>
+            </a:r>
+            <a:r>
+              <a:rPr lang="ru-RU" sz="2000" dirty="0"/>
+              <a:t>");</a:t>
+            </a:r>
+          </a:p>
+          <a:p>
+            <a:r>
+              <a:rPr lang="ru-RU" sz="2000" dirty="0"/>
+              <a:t>        </a:t>
+            </a:r>
+            <a:r>
+              <a:rPr lang="ru-RU" sz="2000" dirty="0" smtClean="0"/>
+              <a:t>}</a:t>
+            </a:r>
+            <a:endParaRPr lang="ru-RU" sz="2000" dirty="0"/>
           </a:p>
         </p:txBody>
       </p:sp>
     </p:spTree>
     <p:extLst>
       <p:ext uri="{BB962C8B-B14F-4D97-AF65-F5344CB8AC3E}">
-        <p14:creationId xmlns:p14="http://schemas.microsoft.com/office/powerpoint/2010/main" val="3043363046"/>
+        <p14:creationId xmlns:p14="http://schemas.microsoft.com/office/powerpoint/2010/main" val="3465279436"/>
       </p:ext>
     </p:extLst>
   </p:cSld>
@@ -3369,14 +3835,21 @@
             <p:ph type="title"/>
           </p:nvPr>
         </p:nvSpPr>
-        <p:spPr/>
-        <p:txBody>
-          <a:bodyPr/>
-          <a:lstStyle/>
-          <a:p>
-            <a:r>
-              <a:rPr lang="ru-RU" dirty="0" smtClean="0"/>
-              <a:t>Макросы	</a:t>
+        <p:spPr>
+          <a:xfrm>
+            <a:off x="457200" y="274638"/>
+            <a:ext cx="8229600" cy="346050"/>
+          </a:xfrm>
+        </p:spPr>
+        <p:txBody>
+          <a:bodyPr>
+            <a:normAutofit fontScale="90000"/>
+          </a:bodyPr>
+          <a:lstStyle/>
+          <a:p>
+            <a:r>
+              <a:rPr lang="en-US" dirty="0" smtClean="0"/>
+              <a:t>Properties</a:t>
             </a:r>
             <a:endParaRPr lang="ru-RU" dirty="0"/>
           </a:p>
@@ -3384,180 +3857,226 @@
       </p:sp>
       <p:sp>
         <p:nvSpPr>
-          <p:cNvPr id="3" name="Content Placeholder 2"/>
-          <p:cNvSpPr>
-            <a:spLocks noGrp="1"/>
-          </p:cNvSpPr>
-          <p:nvPr>
-            <p:ph idx="1"/>
-          </p:nvPr>
-        </p:nvSpPr>
-        <p:spPr/>
-        <p:txBody>
-          <a:bodyPr>
-            <a:normAutofit fontScale="70000" lnSpcReduction="20000"/>
+          <p:cNvPr id="5" name="Rectangle 4"/>
+          <p:cNvSpPr/>
+          <p:nvPr/>
+        </p:nvSpPr>
+        <p:spPr>
+          <a:xfrm>
+            <a:off x="251520" y="1268760"/>
+            <a:ext cx="8280920" cy="4401205"/>
+          </a:xfrm>
+          <a:prstGeom prst="rect">
+            <a:avLst/>
+          </a:prstGeom>
+        </p:spPr>
+        <p:txBody>
+          <a:bodyPr wrap="square">
+            <a:spAutoFit/>
           </a:bodyPr>
           <a:lstStyle/>
           <a:p>
             <a:r>
-              <a:rPr lang="ru-RU" dirty="0" smtClean="0"/>
-              <a:t>Позволяют модифицировать код в процессе компиляции</a:t>
-            </a:r>
-          </a:p>
-          <a:p>
-            <a:r>
-              <a:rPr lang="ru-RU" dirty="0" smtClean="0"/>
-              <a:t>В отличие от </a:t>
-            </a:r>
-            <a:r>
-              <a:rPr lang="en-US" dirty="0" smtClean="0"/>
-              <a:t>C++ </a:t>
-            </a:r>
-            <a:r>
-              <a:rPr lang="ru-RU" dirty="0" smtClean="0"/>
-              <a:t>макросы используют тот же язык</a:t>
-            </a:r>
-          </a:p>
-          <a:p>
-            <a:endParaRPr lang="ru-RU" dirty="0" smtClean="0"/>
-          </a:p>
-          <a:p>
-            <a:pPr marL="0" indent="0">
-              <a:buNone/>
-            </a:pPr>
-            <a:r>
-              <a:rPr lang="en-US" dirty="0" smtClean="0"/>
-              <a:t>import </a:t>
-            </a:r>
-            <a:r>
-              <a:rPr lang="en-US" dirty="0" err="1" smtClean="0"/>
-              <a:t>haxe.macro.Expr</a:t>
-            </a:r>
-            <a:r>
-              <a:rPr lang="en-US" dirty="0" smtClean="0"/>
+              <a:rPr lang="ru-RU" sz="2800" dirty="0" err="1"/>
+              <a:t>public</a:t>
+            </a:r>
+            <a:r>
+              <a:rPr lang="ru-RU" sz="2800" dirty="0"/>
+              <a:t> </a:t>
+            </a:r>
+            <a:r>
+              <a:rPr lang="ru-RU" sz="2800" dirty="0" err="1"/>
+              <a:t>var</a:t>
+            </a:r>
+            <a:r>
+              <a:rPr lang="ru-RU" sz="2800" dirty="0"/>
+              <a:t> </a:t>
+            </a:r>
+            <a:r>
+              <a:rPr lang="ru-RU" sz="2800" dirty="0" err="1"/>
+              <a:t>color</a:t>
+            </a:r>
+            <a:r>
+              <a:rPr lang="ru-RU" sz="2800" dirty="0"/>
+              <a:t>(</a:t>
+            </a:r>
+            <a:r>
+              <a:rPr lang="ru-RU" sz="2800" dirty="0" err="1"/>
+              <a:t>get,set</a:t>
+            </a:r>
+            <a:r>
+              <a:rPr lang="ru-RU" sz="2800" dirty="0" smtClean="0"/>
+              <a:t>);</a:t>
+            </a:r>
+            <a:endParaRPr lang="en-US" sz="2800" dirty="0" smtClean="0"/>
+          </a:p>
+          <a:p>
+            <a:endParaRPr lang="ru-RU" sz="2800" dirty="0"/>
+          </a:p>
+          <a:p>
+            <a:r>
+              <a:rPr lang="ru-RU" sz="2800" dirty="0" err="1"/>
+              <a:t>function</a:t>
+            </a:r>
+            <a:r>
+              <a:rPr lang="ru-RU" sz="2800" dirty="0"/>
+              <a:t> </a:t>
+            </a:r>
+            <a:r>
+              <a:rPr lang="ru-RU" sz="2800" dirty="0" err="1"/>
+              <a:t>get_color</a:t>
+            </a:r>
+            <a:r>
+              <a:rPr lang="ru-RU" sz="2800" dirty="0"/>
+              <a:t>() {</a:t>
+            </a:r>
+          </a:p>
+          <a:p>
+            <a:r>
+              <a:rPr lang="ru-RU" sz="2800" dirty="0"/>
+              <a:t>    </a:t>
+            </a:r>
+            <a:r>
+              <a:rPr lang="ru-RU" sz="2800" dirty="0" err="1"/>
+              <a:t>return</a:t>
+            </a:r>
+            <a:r>
+              <a:rPr lang="ru-RU" sz="2800" dirty="0"/>
+              <a:t> </a:t>
+            </a:r>
+            <a:r>
+              <a:rPr lang="ru-RU" sz="2800" dirty="0" err="1"/>
+              <a:t>element.style.backgroundColor</a:t>
+            </a:r>
+            <a:r>
+              <a:rPr lang="ru-RU" sz="2800" dirty="0"/>
               <a:t>;</a:t>
             </a:r>
           </a:p>
           <a:p>
-            <a:pPr marL="0" indent="0">
-              <a:buNone/>
-            </a:pPr>
-            <a:r>
-              <a:rPr lang="en-US" dirty="0" smtClean="0"/>
-              <a:t>class Test {</a:t>
-            </a:r>
-          </a:p>
-          <a:p>
-            <a:pPr marL="0" indent="0">
-              <a:buNone/>
-            </a:pPr>
-            <a:r>
-              <a:rPr lang="en-US" dirty="0" smtClean="0"/>
-              <a:t>    @:macro public static function repeat(</a:t>
-            </a:r>
-            <a:r>
-              <a:rPr lang="en-US" dirty="0" err="1" smtClean="0"/>
-              <a:t>cond:Expr,e:Expr</a:t>
-            </a:r>
-            <a:r>
-              <a:rPr lang="en-US" dirty="0" smtClean="0"/>
-              <a:t>) : </a:t>
-            </a:r>
-            <a:r>
-              <a:rPr lang="en-US" dirty="0" err="1" smtClean="0"/>
-              <a:t>Expr</a:t>
-            </a:r>
-            <a:r>
-              <a:rPr lang="en-US" dirty="0" smtClean="0"/>
-              <a:t> {</a:t>
-            </a:r>
-          </a:p>
-          <a:p>
-            <a:pPr marL="0" indent="0">
-              <a:buNone/>
-            </a:pPr>
-            <a:r>
-              <a:rPr lang="en-US" dirty="0" smtClean="0"/>
-              <a:t>        return macro while( $</a:t>
-            </a:r>
-            <a:r>
-              <a:rPr lang="en-US" dirty="0" err="1" smtClean="0"/>
-              <a:t>cond</a:t>
-            </a:r>
-            <a:r>
-              <a:rPr lang="en-US" dirty="0" smtClean="0"/>
-              <a:t> ) trace($e);</a:t>
-            </a:r>
-          </a:p>
-          <a:p>
-            <a:pPr marL="0" indent="0">
-              <a:buNone/>
-            </a:pPr>
-            <a:r>
-              <a:rPr lang="en-US" dirty="0" smtClean="0"/>
-              <a:t>    }</a:t>
-            </a:r>
-          </a:p>
-          <a:p>
-            <a:pPr marL="0" indent="0">
-              <a:buNone/>
-            </a:pPr>
-            <a:r>
-              <a:rPr lang="en-US" dirty="0" smtClean="0"/>
-              <a:t>    static function main() {</a:t>
-            </a:r>
-          </a:p>
-          <a:p>
-            <a:pPr marL="0" indent="0">
-              <a:buNone/>
-            </a:pPr>
-            <a:r>
-              <a:rPr lang="en-US" dirty="0" smtClean="0"/>
-              <a:t>        </a:t>
-            </a:r>
-            <a:r>
-              <a:rPr lang="en-US" dirty="0" err="1" smtClean="0"/>
-              <a:t>var</a:t>
-            </a:r>
-            <a:r>
-              <a:rPr lang="en-US" dirty="0" smtClean="0"/>
-              <a:t> x = 0;</a:t>
-            </a:r>
-          </a:p>
-          <a:p>
-            <a:pPr marL="0" indent="0">
-              <a:buNone/>
-            </a:pPr>
-            <a:r>
-              <a:rPr lang="en-US" dirty="0" smtClean="0"/>
-              <a:t>        repeat(x &lt; 10, x++);</a:t>
-            </a:r>
-          </a:p>
-          <a:p>
-            <a:pPr marL="0" indent="0">
-              <a:buNone/>
-            </a:pPr>
-            <a:r>
-              <a:rPr lang="en-US" dirty="0" smtClean="0"/>
-              <a:t>    }</a:t>
-            </a:r>
-          </a:p>
-          <a:p>
-            <a:pPr marL="0" indent="0">
-              <a:buNone/>
-            </a:pPr>
-            <a:r>
-              <a:rPr lang="en-US" dirty="0" smtClean="0"/>
+            <a:r>
+              <a:rPr lang="ru-RU" sz="2800" dirty="0" smtClean="0"/>
               <a:t>}</a:t>
             </a:r>
-            <a:endParaRPr lang="ru-RU" dirty="0" smtClean="0"/>
+            <a:endParaRPr lang="en-US" sz="2800" dirty="0" smtClean="0"/>
+          </a:p>
+          <a:p>
+            <a:endParaRPr lang="ru-RU" sz="2800" dirty="0"/>
+          </a:p>
+          <a:p>
+            <a:r>
+              <a:rPr lang="ru-RU" sz="2800" dirty="0" err="1"/>
+              <a:t>function</a:t>
+            </a:r>
+            <a:r>
+              <a:rPr lang="ru-RU" sz="2800" dirty="0"/>
+              <a:t> </a:t>
+            </a:r>
+            <a:r>
+              <a:rPr lang="ru-RU" sz="2800" dirty="0" err="1"/>
+              <a:t>set_color</a:t>
+            </a:r>
+            <a:r>
+              <a:rPr lang="ru-RU" sz="2800" dirty="0"/>
+              <a:t>(</a:t>
+            </a:r>
+            <a:r>
+              <a:rPr lang="ru-RU" sz="2800" dirty="0" err="1"/>
+              <a:t>c:String</a:t>
+            </a:r>
+            <a:r>
+              <a:rPr lang="ru-RU" sz="2800" dirty="0"/>
+              <a:t>) {</a:t>
+            </a:r>
+          </a:p>
+          <a:p>
+            <a:r>
+              <a:rPr lang="ru-RU" sz="2800" dirty="0"/>
+              <a:t>    </a:t>
+            </a:r>
+            <a:r>
+              <a:rPr lang="ru-RU" sz="2800" dirty="0" err="1"/>
+              <a:t>trace</a:t>
+            </a:r>
+            <a:r>
+              <a:rPr lang="ru-RU" sz="2800" dirty="0"/>
+              <a:t>('</a:t>
+            </a:r>
+            <a:r>
+              <a:rPr lang="ru-RU" sz="2800" dirty="0" err="1"/>
+              <a:t>Setting</a:t>
+            </a:r>
+            <a:r>
+              <a:rPr lang="ru-RU" sz="2800" dirty="0"/>
+              <a:t> </a:t>
+            </a:r>
+            <a:r>
+              <a:rPr lang="ru-RU" sz="2800" dirty="0" err="1"/>
+              <a:t>background</a:t>
+            </a:r>
+            <a:r>
+              <a:rPr lang="ru-RU" sz="2800" dirty="0"/>
+              <a:t> </a:t>
+            </a:r>
+            <a:r>
+              <a:rPr lang="ru-RU" sz="2800" dirty="0" err="1"/>
+              <a:t>of</a:t>
+            </a:r>
+            <a:r>
+              <a:rPr lang="ru-RU" sz="2800" dirty="0"/>
+              <a:t> </a:t>
+            </a:r>
+            <a:r>
+              <a:rPr lang="ru-RU" sz="2800" dirty="0" err="1"/>
+              <a:t>element</a:t>
+            </a:r>
+            <a:r>
+              <a:rPr lang="ru-RU" sz="2800" dirty="0"/>
+              <a:t> </a:t>
+            </a:r>
+            <a:r>
+              <a:rPr lang="ru-RU" sz="2800" dirty="0" err="1"/>
+              <a:t>to</a:t>
+            </a:r>
+            <a:r>
+              <a:rPr lang="ru-RU" sz="2800" dirty="0"/>
+              <a:t> $c');</a:t>
+            </a:r>
+          </a:p>
+          <a:p>
+            <a:r>
+              <a:rPr lang="ru-RU" sz="2800" dirty="0"/>
+              <a:t>    </a:t>
+            </a:r>
+            <a:r>
+              <a:rPr lang="ru-RU" sz="2800" dirty="0" err="1"/>
+              <a:t>return</a:t>
+            </a:r>
+            <a:r>
+              <a:rPr lang="ru-RU" sz="2800" dirty="0"/>
+              <a:t> </a:t>
+            </a:r>
+            <a:r>
+              <a:rPr lang="ru-RU" sz="2800" dirty="0" err="1"/>
+              <a:t>element.style.backgroundColor</a:t>
+            </a:r>
+            <a:r>
+              <a:rPr lang="ru-RU" sz="2800" dirty="0"/>
+              <a:t> = c;</a:t>
+            </a:r>
+          </a:p>
+          <a:p>
+            <a:r>
+              <a:rPr lang="ru-RU" sz="2800" dirty="0"/>
+              <a:t>}</a:t>
+            </a:r>
           </a:p>
         </p:txBody>
       </p:sp>
     </p:spTree>
     <p:extLst>
       <p:ext uri="{BB962C8B-B14F-4D97-AF65-F5344CB8AC3E}">
-        <p14:creationId xmlns:p14="http://schemas.microsoft.com/office/powerpoint/2010/main" val="1769389385"/>
+        <p14:creationId xmlns:p14="http://schemas.microsoft.com/office/powerpoint/2010/main" val="3890085732"/>
       </p:ext>
     </p:extLst>
   </p:cSld>
@@ -3594,19 +4113,14 @@
             <p:ph type="title"/>
           </p:nvPr>
         </p:nvSpPr>
-        <p:spPr>
-          <a:xfrm>
-            <a:off x="457200" y="274638"/>
-            <a:ext cx="8229600" cy="850106"/>
-          </a:xfrm>
-        </p:spPr>
+        <p:spPr/>
         <p:txBody>
           <a:bodyPr/>
           <a:lstStyle/>
           <a:p>
             <a:r>
               <a:rPr lang="ru-RU" dirty="0" smtClean="0"/>
-              <a:t>Пример приложения</a:t>
+              <a:t>Условная компиляция</a:t>
             </a:r>
             <a:endParaRPr lang="ru-RU" dirty="0"/>
           </a:p>
@@ -3622,15 +4136,10 @@
             <p:ph idx="1"/>
           </p:nvPr>
         </p:nvSpPr>
-        <p:spPr>
-          <a:xfrm>
-            <a:off x="457200" y="1340768"/>
-            <a:ext cx="8229600" cy="4785395"/>
-          </a:xfrm>
-        </p:spPr>
+        <p:spPr/>
         <p:txBody>
           <a:bodyPr>
-            <a:normAutofit fontScale="92500" lnSpcReduction="10000"/>
+            <a:normAutofit/>
           </a:bodyPr>
           <a:lstStyle/>
           <a:p>
@@ -3638,160 +4147,43 @@
               <a:buNone/>
             </a:pPr>
             <a:r>
-              <a:rPr lang="en-US" dirty="0"/>
-              <a:t>class Tutorial</a:t>
-            </a:r>
-          </a:p>
-          <a:p>
-            <a:pPr marL="0" indent="0">
-              <a:buNone/>
-            </a:pPr>
-            <a:r>
-              <a:rPr lang="en-US" dirty="0"/>
-              <a:t> {</a:t>
-            </a:r>
-          </a:p>
-          <a:p>
-            <a:pPr marL="400050" lvl="1" indent="0">
-              <a:buNone/>
-            </a:pPr>
-            <a:r>
-              <a:rPr lang="en-US" dirty="0"/>
-              <a:t> static function main()</a:t>
-            </a:r>
-          </a:p>
-          <a:p>
-            <a:pPr marL="400050" lvl="1" indent="0">
-              <a:buNone/>
-            </a:pPr>
-            <a:r>
-              <a:rPr lang="en-US" dirty="0"/>
-              <a:t> {</a:t>
-            </a:r>
-          </a:p>
-          <a:p>
-            <a:pPr marL="800100" lvl="2" indent="0">
-              <a:buNone/>
-            </a:pPr>
-            <a:r>
-              <a:rPr lang="en-US" dirty="0"/>
-              <a:t> // creates a </a:t>
-            </a:r>
-            <a:r>
-              <a:rPr lang="en-US" dirty="0" err="1"/>
-              <a:t>TextField</a:t>
-            </a:r>
-            <a:endParaRPr lang="en-US" dirty="0"/>
-          </a:p>
-          <a:p>
-            <a:pPr marL="800100" lvl="2" indent="0">
-              <a:buNone/>
-            </a:pPr>
-            <a:r>
-              <a:rPr lang="en-US" dirty="0"/>
-              <a:t> </a:t>
-            </a:r>
-            <a:r>
-              <a:rPr lang="en-US" dirty="0" err="1"/>
-              <a:t>var</a:t>
-            </a:r>
-            <a:r>
-              <a:rPr lang="en-US" dirty="0"/>
-              <a:t> </a:t>
-            </a:r>
-            <a:r>
-              <a:rPr lang="en-US" dirty="0" err="1"/>
-              <a:t>tf</a:t>
-            </a:r>
-            <a:r>
-              <a:rPr lang="en-US" dirty="0"/>
-              <a:t> = new </a:t>
-            </a:r>
-            <a:r>
-              <a:rPr lang="en-US" dirty="0" err="1"/>
-              <a:t>flash.text.TextField</a:t>
-            </a:r>
-            <a:r>
-              <a:rPr lang="en-US" dirty="0"/>
-              <a:t>();</a:t>
-            </a:r>
-          </a:p>
-          <a:p>
-            <a:pPr marL="800100" lvl="2" indent="0">
-              <a:buNone/>
-            </a:pPr>
-            <a:r>
-              <a:rPr lang="en-US" dirty="0"/>
-              <a:t> </a:t>
-            </a:r>
-            <a:r>
-              <a:rPr lang="en-US" dirty="0" err="1"/>
-              <a:t>tf.text</a:t>
-            </a:r>
-            <a:r>
-              <a:rPr lang="en-US" dirty="0"/>
-              <a:t> = "Hello World !";</a:t>
-            </a:r>
-          </a:p>
-          <a:p>
-            <a:pPr marL="800100" lvl="2" indent="0">
-              <a:buNone/>
-            </a:pPr>
-            <a:r>
-              <a:rPr lang="en-US" dirty="0"/>
-              <a:t> // add it to the display list</a:t>
-            </a:r>
-          </a:p>
-          <a:p>
-            <a:pPr marL="800100" lvl="2" indent="0">
-              <a:buNone/>
-            </a:pPr>
-            <a:r>
-              <a:rPr lang="en-US" dirty="0"/>
-              <a:t> </a:t>
-            </a:r>
-            <a:r>
-              <a:rPr lang="en-US" dirty="0" err="1"/>
-              <a:t>flash.Lib.current.addChild</a:t>
-            </a:r>
-            <a:r>
-              <a:rPr lang="en-US" dirty="0"/>
-              <a:t>(</a:t>
-            </a:r>
-            <a:r>
-              <a:rPr lang="en-US" dirty="0" err="1"/>
-              <a:t>tf</a:t>
-            </a:r>
-            <a:r>
-              <a:rPr lang="en-US" dirty="0"/>
-              <a:t>);</a:t>
-            </a:r>
-          </a:p>
-          <a:p>
-            <a:pPr marL="400050" lvl="1" indent="0">
-              <a:buNone/>
-            </a:pPr>
-            <a:r>
-              <a:rPr lang="en-US" dirty="0"/>
-              <a:t> }</a:t>
-            </a:r>
-          </a:p>
-          <a:p>
-            <a:pPr marL="0" indent="0">
-              <a:buNone/>
-            </a:pPr>
-            <a:r>
-              <a:rPr lang="en-US" dirty="0"/>
-              <a:t> }</a:t>
-            </a:r>
-            <a:endParaRPr lang="ru-RU" dirty="0"/>
+              <a:rPr lang="en-US" sz="2800" dirty="0" smtClean="0"/>
+              <a:t> #if debug</a:t>
+            </a:r>
+          </a:p>
+          <a:p>
+            <a:pPr marL="0" indent="0">
+              <a:buNone/>
+            </a:pPr>
+            <a:r>
+              <a:rPr lang="en-US" sz="2800" dirty="0" smtClean="0"/>
+              <a:t>    trace("Debug </a:t>
+            </a:r>
+            <a:r>
+              <a:rPr lang="en-US" sz="2800" dirty="0" err="1" smtClean="0"/>
+              <a:t>infos</a:t>
+            </a:r>
+            <a:r>
+              <a:rPr lang="en-US" sz="2800" dirty="0" smtClean="0"/>
+              <a:t> for all debug compiles");</a:t>
+            </a:r>
+          </a:p>
+          <a:p>
+            <a:pPr marL="0" indent="0">
+              <a:buNone/>
+            </a:pPr>
+            <a:r>
+              <a:rPr lang="en-US" sz="2800" dirty="0" smtClean="0"/>
+              <a:t>  #end</a:t>
+            </a:r>
+            <a:endParaRPr lang="ru-RU" sz="2800" dirty="0"/>
           </a:p>
         </p:txBody>
       </p:sp>
     </p:spTree>
     <p:extLst>
       <p:ext uri="{BB962C8B-B14F-4D97-AF65-F5344CB8AC3E}">
-        <p14:creationId xmlns:p14="http://schemas.microsoft.com/office/powerpoint/2010/main" val="2837850770"/>
+        <p14:creationId xmlns:p14="http://schemas.microsoft.com/office/powerpoint/2010/main" val="3043363046"/>
       </p:ext>
     </p:extLst>
   </p:cSld>
@@ -3835,7 +4227,7 @@
           <a:p>
             <a:r>
               <a:rPr lang="ru-RU" dirty="0" smtClean="0"/>
-              <a:t>Компиляция	</a:t>
+              <a:t>Макросы	</a:t>
             </a:r>
             <a:endParaRPr lang="ru-RU" dirty="0"/>
           </a:p>
@@ -3854,133 +4246,169 @@
         <p:spPr/>
         <p:txBody>
           <a:bodyPr>
-            <a:normAutofit/>
+            <a:normAutofit fontScale="70000" lnSpcReduction="20000"/>
           </a:bodyPr>
           <a:lstStyle/>
           <a:p>
             <a:r>
+              <a:rPr lang="ru-RU" dirty="0" smtClean="0"/>
+              <a:t>Позволяют модифицировать код в процессе компиляции</a:t>
+            </a:r>
+          </a:p>
+          <a:p>
+            <a:r>
+              <a:rPr lang="ru-RU" dirty="0" smtClean="0"/>
+              <a:t>В отличие от </a:t>
+            </a:r>
+            <a:r>
+              <a:rPr lang="en-US" dirty="0" smtClean="0"/>
+              <a:t>C++ </a:t>
+            </a:r>
+            <a:r>
+              <a:rPr lang="ru-RU" dirty="0" smtClean="0"/>
+              <a:t>макросы используют тот же язык</a:t>
+            </a:r>
+          </a:p>
+          <a:p>
+            <a:endParaRPr lang="ru-RU" dirty="0" smtClean="0"/>
+          </a:p>
+          <a:p>
+            <a:pPr marL="0" indent="0">
+              <a:buNone/>
+            </a:pPr>
+            <a:r>
+              <a:rPr lang="en-US" dirty="0" smtClean="0"/>
+              <a:t>import </a:t>
+            </a:r>
+            <a:r>
               <a:rPr lang="en-US" dirty="0" err="1" smtClean="0"/>
-              <a:t>Haxe</a:t>
-            </a:r>
-            <a:endParaRPr lang="en-US" dirty="0" smtClean="0"/>
-          </a:p>
-          <a:p>
-            <a:r>
-              <a:rPr lang="ru-RU" dirty="0" smtClean="0"/>
-              <a:t>Конфигурация в </a:t>
+              <a:t>haxe.macro.Expr</a:t>
+            </a:r>
+            <a:r>
+              <a:rPr lang="en-US" dirty="0" smtClean="0"/>
+              <a:t>;</a:t>
+            </a:r>
+          </a:p>
+          <a:p>
+            <a:pPr marL="0" indent="0">
+              <a:buNone/>
+            </a:pPr>
+            <a:r>
+              <a:rPr lang="en-US" dirty="0" smtClean="0"/>
+              <a:t>class Test {</a:t>
+            </a:r>
+          </a:p>
+          <a:p>
+            <a:pPr marL="0" indent="0">
+              <a:buNone/>
+            </a:pPr>
+            <a:r>
+              <a:rPr lang="en-US" dirty="0" smtClean="0"/>
+              <a:t>    @:macro public static function repeat(</a:t>
             </a:r>
             <a:r>
               <a:rPr lang="en-US" dirty="0" err="1" smtClean="0"/>
-              <a:t>hxml</a:t>
-            </a:r>
-            <a:r>
-              <a:rPr lang="ru-RU" dirty="0" smtClean="0"/>
-              <a:t>-файле</a:t>
-            </a:r>
-            <a:endParaRPr lang="en-US" dirty="0" smtClean="0"/>
-          </a:p>
-          <a:p>
-            <a:pPr marL="0" indent="0">
-              <a:buNone/>
-            </a:pPr>
+              <a:t>cond:Expr,e:Expr</a:t>
+            </a:r>
+            <a:r>
+              <a:rPr lang="en-US" dirty="0" smtClean="0"/>
+              <a:t>) : </a:t>
+            </a:r>
+            <a:r>
+              <a:rPr lang="en-US" dirty="0" err="1" smtClean="0"/>
+              <a:t>Expr</a:t>
+            </a:r>
+            <a:r>
+              <a:rPr lang="en-US" dirty="0" smtClean="0"/>
+              <a:t> {</a:t>
+            </a:r>
+          </a:p>
+          <a:p>
+            <a:pPr marL="0" indent="0">
+              <a:buNone/>
+            </a:pPr>
+            <a:r>
+              <a:rPr lang="en-US" dirty="0" smtClean="0"/>
+              <a:t>        return macro while( $</a:t>
+            </a:r>
+            <a:r>
+              <a:rPr lang="en-US" dirty="0" err="1" smtClean="0"/>
+              <a:t>cond</a:t>
+            </a:r>
+            <a:r>
+              <a:rPr lang="en-US" dirty="0" smtClean="0"/>
+              <a:t> ) trace($e);</a:t>
+            </a:r>
+          </a:p>
+          <a:p>
+            <a:pPr marL="0" indent="0">
+              <a:buNone/>
+            </a:pPr>
+            <a:r>
+              <a:rPr lang="en-US" dirty="0" smtClean="0"/>
+              <a:t>    }</a:t>
+            </a:r>
+          </a:p>
+          <a:p>
+            <a:pPr marL="0" indent="0">
+              <a:buNone/>
+            </a:pPr>
+            <a:r>
+              <a:rPr lang="en-US" dirty="0" smtClean="0"/>
+              <a:t>    static function main() {</a:t>
+            </a:r>
+          </a:p>
+          <a:p>
+            <a:pPr marL="0" indent="0">
+              <a:buNone/>
+            </a:pPr>
+            <a:r>
+              <a:rPr lang="en-US" dirty="0" smtClean="0"/>
+              <a:t>        </a:t>
+            </a:r>
+            <a:r>
+              <a:rPr lang="en-US" dirty="0" err="1" smtClean="0"/>
+              <a:t>var</a:t>
+            </a:r>
+            <a:r>
+              <a:rPr lang="en-US" dirty="0" smtClean="0"/>
+              <a:t> x = 0;</a:t>
+            </a:r>
+          </a:p>
+          <a:p>
+            <a:pPr marL="0" indent="0">
+              <a:buNone/>
+            </a:pPr>
+            <a:r>
+              <a:rPr lang="en-US" dirty="0" smtClean="0"/>
+              <a:t>        repeat(x &lt; 10, x++);</a:t>
+            </a:r>
+          </a:p>
+          <a:p>
+            <a:pPr marL="0" indent="0">
+              <a:buNone/>
+            </a:pPr>
+            <a:r>
+              <a:rPr lang="en-US" dirty="0" smtClean="0"/>
+              <a:t>    }</a:t>
+            </a:r>
+          </a:p>
+          <a:p>
+            <a:pPr marL="0" indent="0">
+              <a:buNone/>
+            </a:pPr>
+            <a:r>
+              <a:rPr lang="en-US" dirty="0" smtClean="0"/>
+              <a:t>}</a:t>
+            </a:r>
             <a:endParaRPr lang="ru-RU" dirty="0" smtClean="0"/>
-          </a:p>
-          <a:p>
-            <a:pPr marL="0" indent="0">
-              <a:buNone/>
-            </a:pPr>
-            <a:r>
-              <a:rPr lang="en-US" dirty="0" err="1" smtClean="0"/>
-              <a:t>Tutorial.hxml</a:t>
-            </a:r>
-            <a:r>
-              <a:rPr lang="en-US" dirty="0" smtClean="0"/>
-              <a:t>:</a:t>
-            </a:r>
-            <a:endParaRPr lang="ru-RU" dirty="0" smtClean="0"/>
-          </a:p>
-          <a:p>
-            <a:pPr marL="0" indent="0">
-              <a:buNone/>
-            </a:pPr>
-            <a:r>
-              <a:rPr lang="en-US" sz="2800" dirty="0"/>
-              <a:t>-main </a:t>
-            </a:r>
-            <a:r>
-              <a:rPr lang="en-US" sz="2800" dirty="0" smtClean="0"/>
-              <a:t>Tutorial</a:t>
-            </a:r>
-            <a:endParaRPr lang="en-US" sz="2800" dirty="0"/>
-          </a:p>
-          <a:p>
-            <a:pPr marL="0" indent="0">
-              <a:buNone/>
-            </a:pPr>
-            <a:r>
-              <a:rPr lang="en-US" sz="2800" dirty="0"/>
-              <a:t>-</a:t>
-            </a:r>
-            <a:r>
-              <a:rPr lang="en-US" sz="2800" dirty="0" err="1"/>
-              <a:t>swf</a:t>
-            </a:r>
-            <a:r>
-              <a:rPr lang="en-US" sz="2800" dirty="0"/>
-              <a:t>-version </a:t>
-            </a:r>
-            <a:r>
-              <a:rPr lang="ru-RU" sz="2800" dirty="0" smtClean="0"/>
-              <a:t>11</a:t>
-            </a:r>
-            <a:endParaRPr lang="en-US" sz="2800" dirty="0"/>
-          </a:p>
-          <a:p>
-            <a:pPr marL="0" indent="0">
-              <a:buNone/>
-            </a:pPr>
-            <a:r>
-              <a:rPr lang="en-US" sz="2800" dirty="0"/>
-              <a:t>-</a:t>
-            </a:r>
-            <a:r>
-              <a:rPr lang="en-US" sz="2800" dirty="0" err="1"/>
-              <a:t>swf</a:t>
-            </a:r>
-            <a:r>
-              <a:rPr lang="en-US" sz="2800" dirty="0"/>
-              <a:t>-header </a:t>
-            </a:r>
-            <a:r>
-              <a:rPr lang="en-US" sz="2800" dirty="0" smtClean="0"/>
-              <a:t>320:240:30</a:t>
-            </a:r>
-            <a:endParaRPr lang="en-US" sz="2800" dirty="0"/>
-          </a:p>
-          <a:p>
-            <a:pPr marL="0" indent="0">
-              <a:buNone/>
-            </a:pPr>
-            <a:r>
-              <a:rPr lang="en-US" sz="2800" dirty="0"/>
-              <a:t>-</a:t>
-            </a:r>
-            <a:r>
-              <a:rPr lang="en-US" sz="2800" dirty="0" err="1"/>
-              <a:t>swf</a:t>
-            </a:r>
-            <a:r>
-              <a:rPr lang="en-US" sz="2800" dirty="0"/>
-              <a:t> tutorial.swf</a:t>
-            </a:r>
-            <a:endParaRPr lang="ru-RU" sz="2800" dirty="0"/>
           </a:p>
         </p:txBody>
       </p:sp>
     </p:spTree>
     <p:extLst>
       <p:ext uri="{BB962C8B-B14F-4D97-AF65-F5344CB8AC3E}">
-        <p14:creationId xmlns:p14="http://schemas.microsoft.com/office/powerpoint/2010/main" val="3285376084"/>
+        <p14:creationId xmlns:p14="http://schemas.microsoft.com/office/powerpoint/2010/main" val="1769389385"/>
       </p:ext>
     </p:extLst>
   </p:cSld>
@@ -4017,14 +4445,19 @@
             <p:ph type="title"/>
           </p:nvPr>
         </p:nvSpPr>
-        <p:spPr/>
+        <p:spPr>
+          <a:xfrm>
+            <a:off x="457200" y="274638"/>
+            <a:ext cx="8229600" cy="850106"/>
+          </a:xfrm>
+        </p:spPr>
         <p:txBody>
           <a:bodyPr/>
           <a:lstStyle/>
           <a:p>
             <a:r>
               <a:rPr lang="ru-RU" dirty="0" smtClean="0"/>
-              <a:t>Использование	</a:t>
+              <a:t>Пример приложения</a:t>
             </a:r>
             <a:endParaRPr lang="ru-RU" dirty="0"/>
           </a:p>
@@ -4040,68 +4473,167 @@
             <p:ph idx="1"/>
           </p:nvPr>
         </p:nvSpPr>
-        <p:spPr/>
-        <p:txBody>
-          <a:bodyPr/>
-          <a:lstStyle/>
-          <a:p>
-            <a:r>
-              <a:rPr lang="ru-RU" dirty="0" smtClean="0"/>
-              <a:t>Для создания приложения целиком</a:t>
-            </a:r>
-          </a:p>
-          <a:p>
-            <a:r>
-              <a:rPr lang="ru-RU" dirty="0" smtClean="0"/>
-              <a:t>Для создания </a:t>
-            </a:r>
-            <a:r>
-              <a:rPr lang="en-US" dirty="0" err="1" smtClean="0"/>
-              <a:t>swf</a:t>
-            </a:r>
-            <a:r>
-              <a:rPr lang="en-US" dirty="0" smtClean="0"/>
-              <a:t>-</a:t>
-            </a:r>
-            <a:r>
-              <a:rPr lang="ru-RU" dirty="0" smtClean="0"/>
-              <a:t>библиотеки</a:t>
-            </a:r>
-          </a:p>
-          <a:p>
-            <a:r>
-              <a:rPr lang="ru-RU" dirty="0" smtClean="0"/>
-              <a:t>Для создания </a:t>
-            </a:r>
-            <a:r>
-              <a:rPr lang="en-US" dirty="0" err="1" smtClean="0"/>
-              <a:t>swc</a:t>
-            </a:r>
-            <a:r>
-              <a:rPr lang="ru-RU" dirty="0" smtClean="0"/>
-              <a:t>, используемого приложением на </a:t>
-            </a:r>
-            <a:r>
-              <a:rPr lang="en-US" dirty="0" smtClean="0"/>
-              <a:t>as3</a:t>
-            </a:r>
-          </a:p>
-          <a:p>
-            <a:r>
-              <a:rPr lang="ru-RU" dirty="0" smtClean="0"/>
-              <a:t>Для генерации кода на </a:t>
-            </a:r>
-            <a:r>
-              <a:rPr lang="en-US" dirty="0" smtClean="0"/>
-              <a:t>as3 (</a:t>
-            </a:r>
-            <a:r>
-              <a:rPr lang="ru-RU" dirty="0" smtClean="0"/>
-              <a:t>редко</a:t>
-            </a:r>
-            <a:r>
-              <a:rPr lang="en-US" dirty="0" smtClean="0"/>
-              <a:t>)</a:t>
+        <p:spPr>
+          <a:xfrm>
+            <a:off x="457200" y="1340768"/>
+            <a:ext cx="8229600" cy="4785395"/>
+          </a:xfrm>
+        </p:spPr>
+        <p:txBody>
+          <a:bodyPr>
+            <a:normAutofit fontScale="92500" lnSpcReduction="10000"/>
+          </a:bodyPr>
+          <a:lstStyle/>
+          <a:p>
+            <a:pPr marL="0" indent="0">
+              <a:buNone/>
+            </a:pPr>
+            <a:r>
+              <a:rPr lang="en-US" dirty="0"/>
+              <a:t>class Tutorial</a:t>
+            </a:r>
+          </a:p>
+          <a:p>
+            <a:pPr marL="0" indent="0">
+              <a:buNone/>
+            </a:pPr>
+            <a:r>
+              <a:rPr lang="en-US" dirty="0"/>
+              <a:t> {</a:t>
+            </a:r>
+          </a:p>
+          <a:p>
+            <a:pPr marL="400050" lvl="1" indent="0">
+              <a:buNone/>
+            </a:pPr>
+            <a:r>
+              <a:rPr lang="en-US" dirty="0"/>
+              <a:t> static function main()</a:t>
+            </a:r>
+          </a:p>
+          <a:p>
+            <a:pPr marL="400050" lvl="1" indent="0">
+              <a:buNone/>
+            </a:pPr>
+            <a:r>
+              <a:rPr lang="en-US" dirty="0"/>
+              <a:t> {</a:t>
+            </a:r>
+          </a:p>
+          <a:p>
+            <a:pPr marL="800100" lvl="2" indent="0">
+              <a:buNone/>
+            </a:pPr>
+            <a:r>
+              <a:rPr lang="en-US" dirty="0"/>
+              <a:t> // creates a </a:t>
+            </a:r>
+            <a:r>
+              <a:rPr lang="en-US" dirty="0" err="1"/>
+              <a:t>TextField</a:t>
+            </a:r>
+            <a:endParaRPr lang="en-US" dirty="0"/>
+          </a:p>
+          <a:p>
+            <a:pPr marL="800100" lvl="2" indent="0">
+              <a:buNone/>
+            </a:pPr>
+            <a:r>
+              <a:rPr lang="en-US" dirty="0"/>
+              <a:t> </a:t>
+            </a:r>
+            <a:r>
+              <a:rPr lang="en-US" dirty="0" err="1"/>
+              <a:t>var</a:t>
+            </a:r>
+            <a:r>
+              <a:rPr lang="en-US" dirty="0"/>
+              <a:t> </a:t>
+            </a:r>
+            <a:r>
+              <a:rPr lang="en-US" dirty="0" err="1"/>
+              <a:t>tf</a:t>
+            </a:r>
+            <a:r>
+              <a:rPr lang="en-US" dirty="0"/>
+              <a:t> = new </a:t>
+            </a:r>
+            <a:r>
+              <a:rPr lang="en-US" dirty="0" err="1"/>
+              <a:t>flash.text.TextField</a:t>
+            </a:r>
+            <a:r>
+              <a:rPr lang="en-US" dirty="0"/>
+              <a:t>();</a:t>
+            </a:r>
+          </a:p>
+          <a:p>
+            <a:pPr marL="800100" lvl="2" indent="0">
+              <a:buNone/>
+            </a:pPr>
+            <a:r>
+              <a:rPr lang="en-US" dirty="0"/>
+              <a:t> </a:t>
+            </a:r>
+            <a:r>
+              <a:rPr lang="en-US" dirty="0" err="1"/>
+              <a:t>tf.text</a:t>
+            </a:r>
+            <a:r>
+              <a:rPr lang="en-US" dirty="0"/>
+              <a:t> = "Hello World !";</a:t>
+            </a:r>
+          </a:p>
+          <a:p>
+            <a:pPr marL="800100" lvl="2" indent="0">
+              <a:buNone/>
+            </a:pPr>
+            <a:r>
+              <a:rPr lang="en-US" dirty="0"/>
+              <a:t> // add it to the display list</a:t>
+            </a:r>
+          </a:p>
+          <a:p>
+            <a:pPr marL="800100" lvl="2" indent="0">
+              <a:buNone/>
+            </a:pPr>
+            <a:r>
+              <a:rPr lang="en-US" dirty="0"/>
+              <a:t> </a:t>
+            </a:r>
+            <a:r>
+              <a:rPr lang="en-US" dirty="0" err="1"/>
+              <a:t>flash.Lib.current.addChild</a:t>
+            </a:r>
+            <a:r>
+              <a:rPr lang="en-US" dirty="0"/>
+              <a:t>(</a:t>
+            </a:r>
+            <a:r>
+              <a:rPr lang="en-US" dirty="0" err="1"/>
+              <a:t>tf</a:t>
+            </a:r>
+            <a:r>
+              <a:rPr lang="en-US" dirty="0"/>
+              <a:t>);</a:t>
+            </a:r>
+          </a:p>
+          <a:p>
+            <a:pPr marL="400050" lvl="1" indent="0">
+              <a:buNone/>
+            </a:pPr>
+            <a:r>
+              <a:rPr lang="en-US" dirty="0"/>
+              <a:t> }</a:t>
+            </a:r>
+          </a:p>
+          <a:p>
+            <a:pPr marL="0" indent="0">
+              <a:buNone/>
+            </a:pPr>
+            <a:r>
+              <a:rPr lang="en-US" dirty="0"/>
+              <a:t> }</a:t>
             </a:r>
             <a:endParaRPr lang="ru-RU" dirty="0"/>
           </a:p>
@@ -4110,7 +4642,7 @@
     </p:spTree>
     <p:extLst>
       <p:ext uri="{BB962C8B-B14F-4D97-AF65-F5344CB8AC3E}">
-        <p14:creationId xmlns:p14="http://schemas.microsoft.com/office/powerpoint/2010/main" val="1124497888"/>
+        <p14:creationId xmlns:p14="http://schemas.microsoft.com/office/powerpoint/2010/main" val="2837850770"/>
       </p:ext>
     </p:extLst>
   </p:cSld>
@@ -4139,6 +4671,29 @@
       </p:grpSpPr>
       <p:sp>
         <p:nvSpPr>
+          <p:cNvPr id="2" name="Title 1"/>
+          <p:cNvSpPr>
+            <a:spLocks noGrp="1"/>
+          </p:cNvSpPr>
+          <p:nvPr>
+            <p:ph type="title"/>
+          </p:nvPr>
+        </p:nvSpPr>
+        <p:spPr/>
+        <p:txBody>
+          <a:bodyPr/>
+          <a:lstStyle/>
+          <a:p>
+            <a:r>
+              <a:rPr lang="ru-RU" dirty="0" smtClean="0"/>
+              <a:t>Компиляция	</a:t>
+            </a:r>
+            <a:endParaRPr lang="ru-RU" dirty="0"/>
+          </a:p>
+        </p:txBody>
+      </p:sp>
+      <p:sp>
+        <p:nvSpPr>
           <p:cNvPr id="3" name="Content Placeholder 2"/>
           <p:cNvSpPr>
             <a:spLocks noGrp="1"/>
@@ -4147,189 +4702,136 @@
             <p:ph idx="1"/>
           </p:nvPr>
         </p:nvSpPr>
-        <p:spPr>
-          <a:xfrm>
-            <a:off x="457200" y="116632"/>
-            <a:ext cx="8229600" cy="6009531"/>
-          </a:xfrm>
-        </p:spPr>
+        <p:spPr/>
         <p:txBody>
           <a:bodyPr>
-            <a:normAutofit fontScale="85000" lnSpcReduction="20000"/>
+            <a:normAutofit/>
           </a:bodyPr>
           <a:lstStyle/>
           <a:p>
-            <a:pPr marL="0" indent="0">
-              <a:buNone/>
-            </a:pPr>
-            <a:r>
-              <a:rPr lang="en-US" dirty="0" smtClean="0"/>
-              <a:t>package </a:t>
-            </a:r>
             <a:r>
               <a:rPr lang="en-US" dirty="0" err="1" smtClean="0"/>
-              <a:t>utils</a:t>
-            </a:r>
-            <a:r>
-              <a:rPr lang="en-US" dirty="0" smtClean="0"/>
-              <a:t>;</a:t>
-            </a:r>
-          </a:p>
-          <a:p>
-            <a:pPr marL="0" indent="0">
-              <a:buNone/>
-            </a:pPr>
-            <a:r>
-              <a:rPr lang="en-US" dirty="0" smtClean="0"/>
-              <a:t>using haxe.Int64</a:t>
-            </a:r>
-          </a:p>
-          <a:p>
-            <a:pPr marL="0" indent="0">
-              <a:buNone/>
-            </a:pPr>
-            <a:r>
-              <a:rPr lang="en-US" dirty="0" smtClean="0"/>
-              <a:t>class </a:t>
-            </a:r>
-            <a:r>
-              <a:rPr lang="en-US" dirty="0"/>
-              <a:t>Sint64</a:t>
-            </a:r>
-            <a:r>
-              <a:rPr lang="en-US" dirty="0" smtClean="0"/>
-              <a:t>{</a:t>
-            </a:r>
-            <a:r>
-              <a:rPr lang="en-US" dirty="0"/>
-              <a:t/>
-            </a:r>
-            <a:br>
-              <a:rPr lang="en-US" dirty="0"/>
-            </a:br>
-            <a:r>
-              <a:rPr lang="en-US" dirty="0"/>
-              <a:t>   public static function str2int64(</a:t>
-            </a:r>
-            <a:r>
-              <a:rPr lang="en-US" dirty="0" err="1"/>
-              <a:t>s:String</a:t>
-            </a:r>
-            <a:r>
-              <a:rPr lang="en-US" dirty="0"/>
-              <a:t>):Int64{</a:t>
-            </a:r>
-          </a:p>
-          <a:p>
-            <a:pPr marL="0" indent="0">
-              <a:buNone/>
-            </a:pPr>
-            <a:r>
-              <a:rPr lang="en-US" dirty="0"/>
-              <a:t>    </a:t>
-            </a:r>
-            <a:r>
-              <a:rPr lang="en-US" dirty="0" smtClean="0"/>
-              <a:t>…</a:t>
-            </a:r>
-            <a:endParaRPr lang="en-US" dirty="0"/>
-          </a:p>
-          <a:p>
-            <a:pPr marL="0" indent="0">
-              <a:buNone/>
-            </a:pPr>
-            <a:r>
-              <a:rPr lang="en-US" dirty="0"/>
-              <a:t>   </a:t>
-            </a:r>
-            <a:r>
-              <a:rPr lang="en-US" dirty="0" smtClean="0"/>
-              <a:t>}</a:t>
-            </a:r>
-            <a:r>
-              <a:rPr lang="en-US" dirty="0"/>
-              <a:t/>
-            </a:r>
-            <a:br>
-              <a:rPr lang="en-US" dirty="0"/>
-            </a:br>
-            <a:r>
-              <a:rPr lang="en-US" dirty="0"/>
-              <a:t> </a:t>
-            </a:r>
-            <a:r>
-              <a:rPr lang="en-US" dirty="0" smtClean="0"/>
-              <a:t>}</a:t>
-            </a:r>
-          </a:p>
-          <a:p>
-            <a:pPr marL="0" indent="0">
-              <a:buNone/>
-            </a:pPr>
-            <a:endParaRPr lang="en-US" dirty="0"/>
-          </a:p>
-          <a:p>
-            <a:pPr marL="0" indent="0">
-              <a:buNone/>
-            </a:pPr>
-            <a:r>
-              <a:rPr lang="en-US" dirty="0" smtClean="0"/>
-              <a:t>---------------------------------------------------------------------import  utils.Sint64;</a:t>
-            </a:r>
-          </a:p>
-          <a:p>
-            <a:pPr marL="0" indent="0">
-              <a:buNone/>
-            </a:pPr>
+              <a:t>Haxe</a:t>
+            </a:r>
+            <a:endParaRPr lang="en-US" dirty="0" smtClean="0"/>
+          </a:p>
+          <a:p>
+            <a:r>
+              <a:rPr lang="ru-RU" dirty="0" smtClean="0"/>
+              <a:t>Конфигурация в </a:t>
+            </a:r>
             <a:r>
               <a:rPr lang="en-US" dirty="0" err="1" smtClean="0"/>
-              <a:t>var</a:t>
-            </a:r>
-            <a:r>
-              <a:rPr lang="en-US" dirty="0" smtClean="0"/>
-              <a:t> uid_64:* = Sint64.str2int64(</a:t>
-            </a:r>
+              <a:t>hxml</a:t>
+            </a:r>
+            <a:r>
+              <a:rPr lang="ru-RU" dirty="0" smtClean="0"/>
+              <a:t>-файле</a:t>
+            </a:r>
+            <a:endParaRPr lang="en-US" dirty="0" smtClean="0"/>
+          </a:p>
+          <a:p>
+            <a:pPr marL="0" indent="0">
+              <a:buNone/>
+            </a:pPr>
+            <a:endParaRPr lang="ru-RU" dirty="0" smtClean="0"/>
+          </a:p>
+          <a:p>
+            <a:pPr marL="0" indent="0">
+              <a:buNone/>
+            </a:pPr>
             <a:r>
               <a:rPr lang="en-US" dirty="0" err="1" smtClean="0"/>
-              <a:t>Config.real_user_id</a:t>
-            </a:r>
-            <a:r>
-              <a:rPr lang="en-US" dirty="0" smtClean="0"/>
-              <a:t>)</a:t>
-            </a:r>
-          </a:p>
-          <a:p>
-            <a:pPr marL="0" indent="0">
-              <a:buNone/>
-            </a:pPr>
-            <a:endParaRPr lang="en-US" dirty="0"/>
-          </a:p>
-          <a:p>
-            <a:pPr marL="0" indent="0">
-              <a:buNone/>
-            </a:pPr>
-            <a:r>
-              <a:rPr lang="en-US" dirty="0" smtClean="0"/>
-              <a:t>---------------------------------------------------------------------library-path+=</a:t>
-            </a:r>
-            <a:r>
-              <a:rPr lang="en-US" dirty="0" err="1" smtClean="0"/>
-              <a:t>haxe_swc</a:t>
-            </a:r>
-            <a:endParaRPr lang="en-US" dirty="0" smtClean="0"/>
-          </a:p>
-          <a:p>
-            <a:pPr marL="0" indent="0">
-              <a:buNone/>
-            </a:pPr>
-            <a:endParaRPr lang="ru-RU" dirty="0"/>
+              <a:t>Tutorial.hxml</a:t>
+            </a:r>
+            <a:r>
+              <a:rPr lang="en-US" dirty="0" smtClean="0"/>
+              <a:t>:</a:t>
+            </a:r>
+            <a:endParaRPr lang="ru-RU" dirty="0" smtClean="0"/>
+          </a:p>
+          <a:p>
+            <a:pPr marL="0" indent="0">
+              <a:buNone/>
+            </a:pPr>
+            <a:r>
+              <a:rPr lang="en-US" sz="2800" dirty="0"/>
+              <a:t>-main </a:t>
+            </a:r>
+            <a:r>
+              <a:rPr lang="en-US" sz="2800" dirty="0" smtClean="0"/>
+              <a:t>Tutorial</a:t>
+            </a:r>
+            <a:endParaRPr lang="en-US" sz="2800" dirty="0"/>
+          </a:p>
+          <a:p>
+            <a:pPr marL="0" indent="0">
+              <a:buNone/>
+            </a:pPr>
+            <a:r>
+              <a:rPr lang="en-US" sz="2800" dirty="0"/>
+              <a:t>-</a:t>
+            </a:r>
+            <a:r>
+              <a:rPr lang="en-US" sz="2800" dirty="0" err="1"/>
+              <a:t>swf</a:t>
+            </a:r>
+            <a:r>
+              <a:rPr lang="en-US" sz="2800" dirty="0"/>
+              <a:t>-version </a:t>
+            </a:r>
+            <a:r>
+              <a:rPr lang="ru-RU" sz="2800" dirty="0" smtClean="0"/>
+              <a:t>11</a:t>
+            </a:r>
+            <a:endParaRPr lang="en-US" sz="2800" dirty="0"/>
+          </a:p>
+          <a:p>
+            <a:pPr marL="0" indent="0">
+              <a:buNone/>
+            </a:pPr>
+            <a:r>
+              <a:rPr lang="en-US" sz="2800" dirty="0"/>
+              <a:t>-</a:t>
+            </a:r>
+            <a:r>
+              <a:rPr lang="en-US" sz="2800" dirty="0" err="1"/>
+              <a:t>swf</a:t>
+            </a:r>
+            <a:r>
+              <a:rPr lang="en-US" sz="2800" dirty="0"/>
+              <a:t>-header </a:t>
+            </a:r>
+            <a:r>
+              <a:rPr lang="en-US" sz="2800" dirty="0" smtClean="0"/>
+              <a:t>320:240:30</a:t>
+            </a:r>
+            <a:endParaRPr lang="en-US" sz="2800" dirty="0"/>
+          </a:p>
+          <a:p>
+            <a:pPr marL="0" indent="0">
+              <a:buNone/>
+            </a:pPr>
+            <a:r>
+              <a:rPr lang="en-US" sz="2800" dirty="0"/>
+              <a:t>-</a:t>
+            </a:r>
+            <a:r>
+              <a:rPr lang="en-US" sz="2800" dirty="0" err="1"/>
+              <a:t>swf</a:t>
+            </a:r>
+            <a:r>
+              <a:rPr lang="en-US" sz="2800" dirty="0"/>
+              <a:t> tutorial.swf</a:t>
+            </a:r>
+            <a:endParaRPr lang="ru-RU" sz="2800" dirty="0"/>
           </a:p>
         </p:txBody>
       </p:sp>
     </p:spTree>
     <p:extLst>
       <p:ext uri="{BB962C8B-B14F-4D97-AF65-F5344CB8AC3E}">
-        <p14:creationId xmlns:p14="http://schemas.microsoft.com/office/powerpoint/2010/main" val="4016621768"/>
+        <p14:creationId xmlns:p14="http://schemas.microsoft.com/office/powerpoint/2010/main" val="3285376084"/>
       </p:ext>
     </p:extLst>
   </p:cSld>
@@ -4372,12 +4874,8 @@
           <a:lstStyle/>
           <a:p>
             <a:r>
-              <a:rPr lang="en-US" dirty="0" err="1" smtClean="0"/>
-              <a:t>CrossBridge</a:t>
-            </a:r>
-            <a:r>
-              <a:rPr lang="en-US" dirty="0" smtClean="0"/>
-              <a:t>	</a:t>
+              <a:rPr lang="ru-RU" dirty="0" smtClean="0"/>
+              <a:t>Использование	</a:t>
             </a:r>
             <a:endParaRPr lang="ru-RU" dirty="0"/>
           </a:p>
@@ -4399,16 +4897,14 @@
           <a:lstStyle/>
           <a:p>
             <a:r>
-              <a:rPr lang="en-US" dirty="0" smtClean="0"/>
-              <a:t>SDK </a:t>
-            </a:r>
-            <a:r>
               <a:rPr lang="ru-RU" dirty="0" smtClean="0"/>
-              <a:t>дл</a:t>
-            </a:r>
+              <a:t>Для создания приложения целиком</a:t>
+            </a:r>
+          </a:p>
+          <a:p>
             <a:r>
               <a:rPr lang="ru-RU" dirty="0" smtClean="0"/>
-              <a:t>я создания </a:t>
+              <a:t>Для создания </a:t>
             </a:r>
             <a:r>
               <a:rPr lang="en-US" dirty="0" err="1" smtClean="0"/>
@@ -4416,50 +4912,48 @@
             </a:r>
             <a:r>
               <a:rPr lang="en-US" dirty="0" smtClean="0"/>
-              <a:t> </a:t>
+              <a:t>-</a:t>
             </a:r>
             <a:r>
               <a:rPr lang="ru-RU" dirty="0" smtClean="0"/>
-              <a:t>с использованием </a:t>
-            </a:r>
-            <a:r>
-              <a:rPr lang="en-US" dirty="0" smtClean="0"/>
-              <a:t>C/C++</a:t>
+              <a:t>библиотеки</a:t>
             </a:r>
           </a:p>
           <a:p>
             <a:r>
               <a:rPr lang="ru-RU" dirty="0" smtClean="0"/>
-              <a:t>Имеет много имен </a:t>
-            </a:r>
-            <a:r>
-              <a:rPr lang="en-US" dirty="0" smtClean="0"/>
-              <a:t>Alchemy/</a:t>
+              <a:t>Для создания </a:t>
             </a:r>
             <a:r>
               <a:rPr lang="en-US" dirty="0" err="1" smtClean="0"/>
-              <a:t>FlasCC</a:t>
-            </a:r>
-            <a:r>
-              <a:rPr lang="en-US" dirty="0" smtClean="0"/>
-              <a:t>/</a:t>
-            </a:r>
-            <a:r>
-              <a:rPr lang="en-US" dirty="0" err="1" smtClean="0"/>
-              <a:t>Crossbridge</a:t>
-            </a:r>
-            <a:endParaRPr lang="en-US" dirty="0" smtClean="0"/>
-          </a:p>
-          <a:p>
-            <a:r>
-              <a:rPr lang="en-US" dirty="0" smtClean="0"/>
-              <a:t>Open source</a:t>
-            </a:r>
-          </a:p>
-          <a:p>
-            <a:pPr marL="0" indent="0">
-              <a:buNone/>
-            </a:pPr>
+              <a:t>swc</a:t>
+            </a:r>
+            <a:r>
+              <a:rPr lang="ru-RU" dirty="0" smtClean="0"/>
+              <a:t>, используемого приложением на </a:t>
+            </a:r>
+            <a:r>
+              <a:rPr lang="en-US" dirty="0" smtClean="0"/>
+              <a:t>as3</a:t>
+            </a:r>
+          </a:p>
+          <a:p>
+            <a:r>
+              <a:rPr lang="ru-RU" dirty="0" smtClean="0"/>
+              <a:t>Для генерации кода на </a:t>
+            </a:r>
+            <a:r>
+              <a:rPr lang="en-US" dirty="0" smtClean="0"/>
+              <a:t>as3 (</a:t>
+            </a:r>
+            <a:r>
+              <a:rPr lang="ru-RU" dirty="0" smtClean="0"/>
+              <a:t>редко</a:t>
+            </a:r>
+            <a:r>
+              <a:rPr lang="en-US" dirty="0" smtClean="0"/>
+              <a:t>)</a:t>
+            </a:r>
             <a:endParaRPr lang="ru-RU" dirty="0"/>
           </a:p>
         </p:txBody>
@@ -4467,7 +4961,7 @@
     </p:spTree>
     <p:extLst>
       <p:ext uri="{BB962C8B-B14F-4D97-AF65-F5344CB8AC3E}">
-        <p14:creationId xmlns:p14="http://schemas.microsoft.com/office/powerpoint/2010/main" val="3309139004"/>
+        <p14:creationId xmlns:p14="http://schemas.microsoft.com/office/powerpoint/2010/main" val="1124497888"/>
       </p:ext>
     </p:extLst>
   </p:cSld>
@@ -4496,29 +4990,6 @@
       </p:grpSpPr>
       <p:sp>
         <p:nvSpPr>
-          <p:cNvPr id="2" name="Title 1"/>
-          <p:cNvSpPr>
-            <a:spLocks noGrp="1"/>
-          </p:cNvSpPr>
-          <p:nvPr>
-            <p:ph type="title"/>
-          </p:nvPr>
-        </p:nvSpPr>
-        <p:spPr/>
-        <p:txBody>
-          <a:bodyPr/>
-          <a:lstStyle/>
-          <a:p>
-            <a:r>
-              <a:rPr lang="en-US" dirty="0" smtClean="0"/>
-              <a:t>Hello World</a:t>
-            </a:r>
-            <a:endParaRPr lang="ru-RU" dirty="0"/>
-          </a:p>
-        </p:txBody>
-      </p:sp>
-      <p:sp>
-        <p:nvSpPr>
           <p:cNvPr id="3" name="Content Placeholder 2"/>
           <p:cNvSpPr>
             <a:spLocks noGrp="1"/>
@@ -4527,25 +4998,90 @@
             <p:ph idx="1"/>
           </p:nvPr>
         </p:nvSpPr>
-        <p:spPr/>
-        <p:txBody>
-          <a:bodyPr/>
-          <a:lstStyle/>
-          <a:p>
-            <a:pPr marL="0" indent="0">
-              <a:buNone/>
-            </a:pPr>
-            <a:r>
-              <a:rPr lang="en-US" dirty="0" smtClean="0"/>
-              <a:t>#include &lt;</a:t>
+        <p:spPr>
+          <a:xfrm>
+            <a:off x="457200" y="116632"/>
+            <a:ext cx="8229600" cy="6009531"/>
+          </a:xfrm>
+        </p:spPr>
+        <p:txBody>
+          <a:bodyPr>
+            <a:normAutofit fontScale="85000" lnSpcReduction="20000"/>
+          </a:bodyPr>
+          <a:lstStyle/>
+          <a:p>
+            <a:pPr marL="0" indent="0">
+              <a:buNone/>
+            </a:pPr>
+            <a:r>
+              <a:rPr lang="en-US" dirty="0" smtClean="0"/>
+              <a:t>package </a:t>
             </a:r>
             <a:r>
               <a:rPr lang="en-US" dirty="0" err="1" smtClean="0"/>
-              <a:t>iostream</a:t>
-            </a:r>
-            <a:r>
-              <a:rPr lang="en-US" dirty="0" smtClean="0"/>
-              <a:t>&gt;</a:t>
+              <a:t>utils</a:t>
+            </a:r>
+            <a:r>
+              <a:rPr lang="en-US" dirty="0" smtClean="0"/>
+              <a:t>;</a:t>
+            </a:r>
+          </a:p>
+          <a:p>
+            <a:pPr marL="0" indent="0">
+              <a:buNone/>
+            </a:pPr>
+            <a:r>
+              <a:rPr lang="en-US" dirty="0" smtClean="0"/>
+              <a:t>using haxe.Int64</a:t>
+            </a:r>
+          </a:p>
+          <a:p>
+            <a:pPr marL="0" indent="0">
+              <a:buNone/>
+            </a:pPr>
+            <a:r>
+              <a:rPr lang="en-US" dirty="0" smtClean="0"/>
+              <a:t>class </a:t>
+            </a:r>
+            <a:r>
+              <a:rPr lang="en-US" dirty="0"/>
+              <a:t>Sint64</a:t>
+            </a:r>
+            <a:r>
+              <a:rPr lang="en-US" dirty="0" smtClean="0"/>
+              <a:t>{</a:t>
+            </a:r>
+            <a:r>
+              <a:rPr lang="en-US" dirty="0"/>
+              <a:t/>
+            </a:r>
+            <a:br>
+              <a:rPr lang="en-US" dirty="0"/>
+            </a:br>
+            <a:r>
+              <a:rPr lang="en-US" dirty="0"/>
+              <a:t>   public static function str2int64(</a:t>
+            </a:r>
+            <a:r>
+              <a:rPr lang="en-US" dirty="0" err="1"/>
+              <a:t>s:String</a:t>
+            </a:r>
+            <a:r>
+              <a:rPr lang="en-US" dirty="0"/>
+              <a:t>):Int64{</a:t>
+            </a:r>
+          </a:p>
+          <a:p>
+            <a:pPr marL="0" indent="0">
+              <a:buNone/>
+            </a:pPr>
+            <a:r>
+              <a:rPr lang="en-US" dirty="0"/>
+              <a:t>    </a:t>
+            </a:r>
+            <a:r>
+              <a:rPr lang="en-US" dirty="0" smtClean="0"/>
+              <a:t>…</a:t>
             </a:r>
             <a:endParaRPr lang="en-US" dirty="0"/>
           </a:p>
@@ -4554,118 +5090,89 @@
               <a:buNone/>
             </a:pPr>
             <a:r>
+              <a:rPr lang="en-US" dirty="0"/>
+              <a:t>   </a:t>
+            </a:r>
+            <a:r>
+              <a:rPr lang="en-US" dirty="0" smtClean="0"/>
+              <a:t>}</a:t>
+            </a:r>
+            <a:r>
+              <a:rPr lang="en-US" dirty="0"/>
+              <a:t/>
+            </a:r>
+            <a:br>
+              <a:rPr lang="en-US" dirty="0"/>
+            </a:br>
+            <a:r>
+              <a:rPr lang="en-US" dirty="0"/>
+              <a:t> </a:t>
+            </a:r>
+            <a:r>
+              <a:rPr lang="en-US" dirty="0" smtClean="0"/>
+              <a:t>}</a:t>
+            </a:r>
+          </a:p>
+          <a:p>
+            <a:pPr marL="0" indent="0">
+              <a:buNone/>
+            </a:pPr>
+            <a:endParaRPr lang="en-US" dirty="0"/>
+          </a:p>
+          <a:p>
+            <a:pPr marL="0" indent="0">
+              <a:buNone/>
+            </a:pPr>
+            <a:r>
+              <a:rPr lang="en-US" dirty="0" smtClean="0"/>
+              <a:t>---------------------------------------------------------------------import  utils.Sint64;</a:t>
+            </a:r>
+          </a:p>
+          <a:p>
+            <a:pPr marL="0" indent="0">
+              <a:buNone/>
+            </a:pPr>
+            <a:r>
               <a:rPr lang="en-US" dirty="0" err="1" smtClean="0"/>
-              <a:t>int</a:t>
-            </a:r>
-            <a:r>
-              <a:rPr lang="en-US" dirty="0" smtClean="0"/>
-              <a:t> main(){</a:t>
-            </a:r>
-          </a:p>
-          <a:p>
-            <a:pPr marL="0" indent="0">
-              <a:buNone/>
-            </a:pPr>
-            <a:r>
-              <a:rPr lang="en-US" dirty="0"/>
-              <a:t>	</a:t>
+              <a:t>var</a:t>
+            </a:r>
+            <a:r>
+              <a:rPr lang="en-US" dirty="0" smtClean="0"/>
+              <a:t> uid_64:* = Sint64.str2int64(</a:t>
             </a:r>
             <a:r>
               <a:rPr lang="en-US" dirty="0" err="1" smtClean="0"/>
-              <a:t>std</a:t>
-            </a:r>
-            <a:r>
-              <a:rPr lang="en-US" dirty="0" smtClean="0"/>
-              <a:t>::</a:t>
+              <a:t>Config.real_user_id</a:t>
+            </a:r>
+            <a:r>
+              <a:rPr lang="en-US" dirty="0" smtClean="0"/>
+              <a:t>)</a:t>
+            </a:r>
+          </a:p>
+          <a:p>
+            <a:pPr marL="0" indent="0">
+              <a:buNone/>
+            </a:pPr>
+            <a:endParaRPr lang="en-US" dirty="0"/>
+          </a:p>
+          <a:p>
+            <a:pPr marL="0" indent="0">
+              <a:buNone/>
+            </a:pPr>
+            <a:r>
+              <a:rPr lang="en-US" dirty="0" smtClean="0"/>
+              <a:t>---------------------------------------------------------------------library-path+=</a:t>
             </a:r>
             <a:r>
               <a:rPr lang="en-US" dirty="0" err="1" smtClean="0"/>
-              <a:t>cout</a:t>
-            </a:r>
-            <a:r>
-              <a:rPr lang="en-US" dirty="0" smtClean="0"/>
-              <a:t> &lt;&lt; “Hello World” &lt;&lt; </a:t>
-            </a:r>
-            <a:r>
-              <a:rPr lang="en-US" dirty="0" err="1" smtClean="0"/>
-              <a:t>std</a:t>
-            </a:r>
-            <a:r>
-              <a:rPr lang="en-US" dirty="0" smtClean="0"/>
-              <a:t>::</a:t>
-            </a:r>
-            <a:r>
-              <a:rPr lang="en-US" dirty="0" err="1" smtClean="0"/>
-              <a:t>endl</a:t>
-            </a:r>
-            <a:r>
-              <a:rPr lang="en-US" dirty="0" smtClean="0"/>
-              <a:t>;</a:t>
-            </a:r>
-          </a:p>
-          <a:p>
-            <a:pPr marL="0" indent="0">
-              <a:buNone/>
-            </a:pPr>
-            <a:r>
-              <a:rPr lang="en-US" dirty="0" smtClean="0"/>
-              <a:t>}</a:t>
-            </a:r>
-          </a:p>
-          <a:p>
-            <a:pPr marL="0" indent="0">
-              <a:buNone/>
-            </a:pPr>
-            <a:endParaRPr lang="en-US" dirty="0"/>
-          </a:p>
-          <a:p>
-            <a:pPr marL="0" indent="0">
-              <a:buNone/>
-            </a:pPr>
-            <a:r>
-              <a:rPr lang="en-US" dirty="0"/>
-              <a:t>~/</a:t>
-            </a:r>
-            <a:r>
-              <a:rPr lang="en-US" dirty="0" err="1"/>
-              <a:t>Crossbridge</a:t>
-            </a:r>
-            <a:r>
-              <a:rPr lang="en-US" dirty="0"/>
-              <a:t>/</a:t>
-            </a:r>
-            <a:r>
-              <a:rPr lang="en-US" dirty="0" err="1"/>
-              <a:t>sdk</a:t>
-            </a:r>
-            <a:r>
-              <a:rPr lang="en-US" dirty="0"/>
-              <a:t>/</a:t>
-            </a:r>
-            <a:r>
-              <a:rPr lang="en-US" dirty="0" err="1"/>
-              <a:t>usr</a:t>
-            </a:r>
-            <a:r>
-              <a:rPr lang="en-US" dirty="0"/>
-              <a:t>/bin/g++ alchemy_test.cpp -emit-</a:t>
-            </a:r>
-            <a:r>
-              <a:rPr lang="en-US" dirty="0" err="1"/>
-              <a:t>swf</a:t>
-            </a:r>
-            <a:r>
-              <a:rPr lang="en-US" dirty="0"/>
-              <a:t> -</a:t>
-            </a:r>
-            <a:r>
-              <a:rPr lang="en-US" dirty="0" err="1"/>
-              <a:t>lFlash</a:t>
-            </a:r>
-            <a:r>
-              <a:rPr lang="en-US" dirty="0"/>
-              <a:t>++ -lAS3++ -o alchemy.swf</a:t>
-            </a:r>
+              <a:t>haxe_swc</a:t>
+            </a:r>
+            <a:endParaRPr lang="en-US" dirty="0" smtClean="0"/>
+          </a:p>
+          <a:p>
+            <a:pPr marL="0" indent="0">
+              <a:buNone/>
+            </a:pPr>
             <a:endParaRPr lang="ru-RU" dirty="0"/>
           </a:p>
         </p:txBody>
@@ -4673,7 +5180,7 @@
     </p:spTree>
     <p:extLst>
       <p:ext uri="{BB962C8B-B14F-4D97-AF65-F5344CB8AC3E}">
-        <p14:creationId xmlns:p14="http://schemas.microsoft.com/office/powerpoint/2010/main" val="1855365334"/>
+        <p14:creationId xmlns:p14="http://schemas.microsoft.com/office/powerpoint/2010/main" val="4016621768"/>
       </p:ext>
     </p:extLst>
   </p:cSld>
@@ -4710,343 +5217,255 @@
             <p:ph type="title"/>
           </p:nvPr>
         </p:nvSpPr>
-        <p:spPr/>
-        <p:txBody>
-          <a:bodyPr/>
+        <p:spPr>
+          <a:xfrm>
+            <a:off x="457200" y="116632"/>
+            <a:ext cx="8229600" cy="634082"/>
+          </a:xfrm>
+        </p:spPr>
+        <p:txBody>
+          <a:bodyPr>
+            <a:normAutofit fontScale="90000"/>
+          </a:bodyPr>
+          <a:lstStyle/>
+          <a:p>
+            <a:r>
+              <a:rPr lang="en-US" dirty="0" err="1" smtClean="0"/>
+              <a:t>Haxelib</a:t>
+            </a:r>
+            <a:endParaRPr lang="ru-RU" dirty="0"/>
+          </a:p>
+        </p:txBody>
+      </p:sp>
+      <p:sp>
+        <p:nvSpPr>
+          <p:cNvPr id="3" name="Content Placeholder 2"/>
+          <p:cNvSpPr>
+            <a:spLocks noGrp="1"/>
+          </p:cNvSpPr>
+          <p:nvPr>
+            <p:ph idx="1"/>
+          </p:nvPr>
+        </p:nvSpPr>
+        <p:spPr>
+          <a:xfrm>
+            <a:off x="457200" y="750714"/>
+            <a:ext cx="8229600" cy="5375449"/>
+          </a:xfrm>
+        </p:spPr>
+        <p:txBody>
+          <a:bodyPr>
+            <a:normAutofit fontScale="85000" lnSpcReduction="20000"/>
+          </a:bodyPr>
           <a:lstStyle/>
           <a:p>
             <a:r>
               <a:rPr lang="ru-RU" dirty="0" smtClean="0"/>
-              <a:t>Взаимодействие с </a:t>
-            </a:r>
-            <a:r>
-              <a:rPr lang="en-US" dirty="0" smtClean="0"/>
-              <a:t>flash</a:t>
-            </a:r>
-            <a:endParaRPr lang="ru-RU" dirty="0"/>
-          </a:p>
-        </p:txBody>
-      </p:sp>
-      <p:sp>
-        <p:nvSpPr>
-          <p:cNvPr id="3" name="Content Placeholder 2"/>
-          <p:cNvSpPr>
-            <a:spLocks noGrp="1"/>
-          </p:cNvSpPr>
-          <p:nvPr>
-            <p:ph idx="1"/>
-          </p:nvPr>
-        </p:nvSpPr>
-        <p:spPr/>
-        <p:txBody>
-          <a:bodyPr>
-            <a:normAutofit fontScale="62500" lnSpcReduction="20000"/>
-          </a:bodyPr>
-          <a:lstStyle/>
-          <a:p>
-            <a:pPr marL="0" indent="0">
-              <a:buNone/>
-            </a:pPr>
-            <a:r>
-              <a:rPr lang="en-US" dirty="0"/>
-              <a:t>#include &lt;Flash++.h&gt;</a:t>
-            </a:r>
-          </a:p>
-          <a:p>
-            <a:pPr marL="0" indent="0">
-              <a:buNone/>
-            </a:pPr>
-            <a:r>
-              <a:rPr lang="en-US" dirty="0"/>
-              <a:t> #include &lt;AS3/AS3.h&gt;</a:t>
-            </a:r>
-          </a:p>
-          <a:p>
-            <a:pPr marL="0" indent="0">
-              <a:buNone/>
-            </a:pPr>
-            <a:r>
-              <a:rPr lang="en-US" dirty="0"/>
-              <a:t> using namespace AS3::</a:t>
-            </a:r>
+              <a:t>Менеджер библиотек (аналог </a:t>
+            </a:r>
+            <a:r>
+              <a:rPr lang="en-US" dirty="0" smtClean="0"/>
+              <a:t>gem, </a:t>
+            </a:r>
+            <a:r>
+              <a:rPr lang="en-US" dirty="0" err="1" smtClean="0"/>
+              <a:t>npm</a:t>
+            </a:r>
+            <a:r>
+              <a:rPr lang="en-US" dirty="0" smtClean="0"/>
+              <a:t>, nugget </a:t>
+            </a:r>
+            <a:r>
+              <a:rPr lang="ru-RU" dirty="0" err="1" smtClean="0"/>
+              <a:t>итп</a:t>
+            </a:r>
+            <a:r>
+              <a:rPr lang="ru-RU" dirty="0" smtClean="0"/>
+              <a:t>)</a:t>
+            </a:r>
+          </a:p>
+          <a:p>
+            <a:r>
+              <a:rPr lang="en-US" dirty="0" err="1" smtClean="0"/>
+              <a:t>haxelib</a:t>
+            </a:r>
+            <a:r>
+              <a:rPr lang="en-US" dirty="0" smtClean="0"/>
+              <a:t> install &lt;&gt;</a:t>
+            </a:r>
+          </a:p>
+          <a:p>
             <a:r>
               <a:rPr lang="en-US" dirty="0" err="1"/>
-              <a:t>ui</a:t>
-            </a:r>
-            <a:r>
-              <a:rPr lang="en-US" dirty="0"/>
-              <a:t>;</a:t>
-            </a:r>
-          </a:p>
-          <a:p>
-            <a:pPr marL="0" indent="0">
-              <a:buNone/>
-            </a:pPr>
-            <a:r>
-              <a:rPr lang="en-US" dirty="0"/>
-              <a:t> </a:t>
+              <a:t>h</a:t>
+            </a:r>
+            <a:r>
+              <a:rPr lang="en-US" dirty="0" err="1" smtClean="0"/>
+              <a:t>axe</a:t>
+            </a:r>
+            <a:r>
+              <a:rPr lang="en-US" dirty="0" smtClean="0"/>
+              <a:t> …-lib &lt;name&gt;</a:t>
+            </a:r>
+          </a:p>
+          <a:p>
+            <a:r>
+              <a:rPr lang="en-US" dirty="0" err="1" smtClean="0"/>
+              <a:t>haxelib.json</a:t>
+            </a:r>
+            <a:endParaRPr lang="en-US" dirty="0" smtClean="0"/>
+          </a:p>
+          <a:p>
+            <a:pPr marL="0" indent="0">
+              <a:buNone/>
+            </a:pPr>
+            <a:r>
+              <a:rPr lang="en-US" dirty="0"/>
+              <a:t>{</a:t>
+            </a:r>
+          </a:p>
+          <a:p>
+            <a:pPr marL="0" indent="0">
+              <a:buNone/>
+            </a:pPr>
+            <a:r>
+              <a:rPr lang="en-US" dirty="0"/>
+              <a:t>  "name": "</a:t>
             </a:r>
             <a:r>
               <a:rPr lang="en-US" dirty="0" err="1"/>
-              <a:t>int</a:t>
-            </a:r>
-            <a:r>
-              <a:rPr lang="en-US" dirty="0"/>
-              <a:t> main ()</a:t>
-            </a:r>
-          </a:p>
-          <a:p>
-            <a:pPr marL="0" indent="0">
-              <a:buNone/>
-            </a:pPr>
-            <a:r>
-              <a:rPr lang="en-US" dirty="0"/>
-              <a:t> {</a:t>
-            </a:r>
-          </a:p>
-          <a:p>
-            <a:pPr marL="0" indent="0">
-              <a:buNone/>
-            </a:pPr>
-            <a:r>
-              <a:rPr lang="en-US" dirty="0"/>
-              <a:t> </a:t>
-            </a:r>
-            <a:r>
-              <a:rPr lang="en-US" dirty="0" smtClean="0"/>
-              <a:t> flash</a:t>
-            </a:r>
-            <a:r>
-              <a:rPr lang="en-US" dirty="0"/>
-              <a:t>::display::Stage </a:t>
+              <a:t>useless_lib</a:t>
+            </a:r>
+            <a:r>
+              <a:rPr lang="en-US" dirty="0"/>
+              <a:t>",</a:t>
+            </a:r>
+          </a:p>
+          <a:p>
+            <a:pPr marL="0" indent="0">
+              <a:buNone/>
+            </a:pPr>
+            <a:r>
+              <a:rPr lang="en-US" dirty="0"/>
+              <a:t>  "</a:t>
             </a:r>
             <a:r>
               <a:rPr lang="en-US" dirty="0" err="1"/>
-              <a:t>stage</a:t>
-            </a:r>
-            <a:r>
-              <a:rPr lang="en-US" dirty="0"/>
-              <a:t> = internal::</a:t>
+              <a:t>url</a:t>
+            </a:r>
+            <a:r>
+              <a:rPr lang="en-US" dirty="0"/>
+              <a:t>" </a:t>
+            </a:r>
+            <a:r>
+              <a:rPr lang="en-US" dirty="0" smtClean="0"/>
+              <a:t>:"</a:t>
+            </a:r>
+            <a:r>
+              <a:rPr lang="en-US" dirty="0"/>
+              <a:t>https://github.com/</a:t>
             </a:r>
             <a:r>
               <a:rPr lang="en-US" dirty="0" err="1"/>
-              <a:t>get_Stage</a:t>
-            </a:r>
-            <a:r>
-              <a:rPr lang="en-US" dirty="0"/>
-              <a:t>();</a:t>
-            </a:r>
-          </a:p>
-          <a:p>
-            <a:pPr marL="0" indent="0">
-              <a:buNone/>
-            </a:pPr>
-            <a:r>
-              <a:rPr lang="en-US" dirty="0"/>
-              <a:t>  flash::text::</a:t>
+              <a:t>jasononeil</a:t>
+            </a:r>
+            <a:r>
+              <a:rPr lang="en-US" dirty="0"/>
+              <a:t>/useless/",</a:t>
+            </a:r>
+          </a:p>
+          <a:p>
+            <a:pPr marL="0" indent="0">
+              <a:buNone/>
+            </a:pPr>
+            <a:r>
+              <a:rPr lang="en-US" dirty="0" smtClean="0"/>
+              <a:t>  "</a:t>
+            </a:r>
+            <a:r>
+              <a:rPr lang="en-US" dirty="0"/>
+              <a:t>description</a:t>
+            </a:r>
+            <a:r>
+              <a:rPr lang="en-US" dirty="0" smtClean="0"/>
+              <a:t>": </a:t>
+            </a:r>
+            <a:r>
+              <a:rPr lang="en-US" dirty="0"/>
+              <a:t>"This library is </a:t>
+            </a:r>
+            <a:r>
+              <a:rPr lang="en-US" dirty="0" smtClean="0"/>
+              <a:t>useless",</a:t>
+            </a:r>
+          </a:p>
+          <a:p>
+            <a:pPr marL="0" indent="0">
+              <a:buNone/>
+            </a:pPr>
+            <a:r>
+              <a:rPr lang="en-US" dirty="0" smtClean="0"/>
+              <a:t>"</a:t>
+            </a:r>
+            <a:r>
+              <a:rPr lang="en-US" dirty="0"/>
+              <a:t>dependencies": {</a:t>
+            </a:r>
+          </a:p>
+          <a:p>
+            <a:pPr marL="0" indent="0">
+              <a:buNone/>
+            </a:pPr>
+            <a:r>
+              <a:rPr lang="en-US" dirty="0"/>
+              <a:t>    "</a:t>
             </a:r>
             <a:r>
               <a:rPr lang="en-US" dirty="0" err="1"/>
-              <a:t>TextField</a:t>
-            </a:r>
-            <a:r>
-              <a:rPr lang="en-US" dirty="0"/>
-              <a:t> </a:t>
+              <a:t>tink_macros</a:t>
+            </a:r>
+            <a:r>
+              <a:rPr lang="en-US" dirty="0"/>
+              <a:t>": "",</a:t>
+            </a:r>
+          </a:p>
+          <a:p>
+            <a:pPr marL="0" indent="0">
+              <a:buNone/>
+            </a:pPr>
+            <a:r>
+              <a:rPr lang="en-US" dirty="0"/>
+              <a:t>    "</a:t>
             </a:r>
             <a:r>
               <a:rPr lang="en-US" dirty="0" err="1"/>
-              <a:t>tf</a:t>
-            </a:r>
-            <a:r>
-              <a:rPr lang="en-US" dirty="0"/>
-              <a:t> = flash::text::</a:t>
-            </a:r>
-            <a:r>
-              <a:rPr lang="en-US" dirty="0" err="1"/>
-              <a:t>TextField</a:t>
-            </a:r>
-            <a:r>
-              <a:rPr lang="en-US" dirty="0"/>
-              <a:t>::_new();</a:t>
-            </a:r>
-          </a:p>
-          <a:p>
-            <a:pPr marL="0" indent="0">
-              <a:buNone/>
-            </a:pPr>
-            <a:r>
-              <a:rPr lang="en-US" dirty="0"/>
-              <a:t>  flash::text::</a:t>
-            </a:r>
-            <a:r>
-              <a:rPr lang="en-US" dirty="0" err="1"/>
-              <a:t>TextFormat</a:t>
-            </a:r>
-            <a:r>
-              <a:rPr lang="en-US" dirty="0"/>
-              <a:t> </a:t>
-            </a:r>
-            <a:r>
-              <a:rPr lang="en-US" dirty="0" err="1"/>
-              <a:t>sometextformat</a:t>
-            </a:r>
-            <a:r>
-              <a:rPr lang="en-US" dirty="0"/>
-              <a:t> = flash::text::</a:t>
-            </a:r>
-            <a:r>
-              <a:rPr lang="en-US" dirty="0" err="1"/>
-              <a:t>TextFormat</a:t>
-            </a:r>
-            <a:r>
-              <a:rPr lang="en-US" dirty="0"/>
-              <a:t>::_new();</a:t>
-            </a:r>
-          </a:p>
-          <a:p>
-            <a:pPr marL="0" indent="0">
-              <a:buNone/>
-            </a:pPr>
-            <a:r>
-              <a:rPr lang="en-US" dirty="0"/>
-              <a:t> </a:t>
-            </a:r>
-            <a:r>
-              <a:rPr lang="en-US" dirty="0" smtClean="0"/>
-              <a:t> </a:t>
-            </a:r>
-            <a:r>
-              <a:rPr lang="en-US" dirty="0" err="1" smtClean="0"/>
-              <a:t>sometextformat</a:t>
-            </a:r>
-            <a:r>
-              <a:rPr lang="en-US" dirty="0" smtClean="0"/>
-              <a:t>-</a:t>
-            </a:r>
-            <a:r>
-              <a:rPr lang="en-US" dirty="0"/>
-              <a:t>&gt;size = internal::</a:t>
-            </a:r>
-            <a:r>
-              <a:rPr lang="en-US" dirty="0" err="1"/>
-              <a:t>new_Number</a:t>
-            </a:r>
-            <a:r>
-              <a:rPr lang="en-US" dirty="0"/>
-              <a:t>(24);</a:t>
-            </a:r>
-          </a:p>
-          <a:p>
-            <a:pPr marL="0" indent="0">
-              <a:buNone/>
-            </a:pPr>
-            <a:r>
-              <a:rPr lang="en-US" dirty="0"/>
-              <a:t> </a:t>
-            </a:r>
-            <a:r>
-              <a:rPr lang="en-US" dirty="0" smtClean="0"/>
-              <a:t> </a:t>
-            </a:r>
-            <a:r>
-              <a:rPr lang="en-US" dirty="0" err="1" smtClean="0"/>
-              <a:t>sometextformat</a:t>
-            </a:r>
-            <a:r>
-              <a:rPr lang="en-US" dirty="0" smtClean="0"/>
-              <a:t>-</a:t>
-            </a:r>
-            <a:r>
-              <a:rPr lang="en-US" dirty="0"/>
-              <a:t>&gt;color = internal::</a:t>
-            </a:r>
-            <a:r>
-              <a:rPr lang="en-US" dirty="0" err="1"/>
-              <a:t>new_Number</a:t>
-            </a:r>
-            <a:r>
-              <a:rPr lang="en-US" dirty="0"/>
-              <a:t>(0x0000FF);</a:t>
-            </a:r>
-          </a:p>
-          <a:p>
-            <a:pPr marL="0" indent="0">
-              <a:buNone/>
-            </a:pPr>
-            <a:r>
-              <a:rPr lang="en-US" dirty="0"/>
-              <a:t>  </a:t>
-            </a:r>
-            <a:r>
-              <a:rPr lang="en-US" dirty="0" err="1" smtClean="0"/>
-              <a:t>tf</a:t>
-            </a:r>
-            <a:r>
-              <a:rPr lang="en-US" dirty="0" smtClean="0"/>
-              <a:t>-</a:t>
-            </a:r>
-            <a:r>
-              <a:rPr lang="en-US" dirty="0"/>
-              <a:t>&gt;</a:t>
-            </a:r>
-            <a:r>
-              <a:rPr lang="en-US" dirty="0" err="1"/>
-              <a:t>defaultTextFormat</a:t>
-            </a:r>
-            <a:r>
-              <a:rPr lang="en-US" dirty="0"/>
-              <a:t> = </a:t>
-            </a:r>
-            <a:r>
-              <a:rPr lang="en-US" dirty="0" err="1"/>
-              <a:t>sometextformat</a:t>
-            </a:r>
-            <a:r>
-              <a:rPr lang="en-US" dirty="0"/>
-              <a:t>;  </a:t>
-            </a:r>
-            <a:r>
-              <a:rPr lang="en-US" dirty="0" err="1"/>
-              <a:t>tf</a:t>
-            </a:r>
-            <a:r>
-              <a:rPr lang="en-US" dirty="0"/>
-              <a:t>-&gt;text = "Hello World!";</a:t>
-            </a:r>
-          </a:p>
-          <a:p>
-            <a:pPr marL="0" indent="0">
-              <a:buNone/>
-            </a:pPr>
-            <a:r>
-              <a:rPr lang="en-US" dirty="0"/>
-              <a:t>  stage-&gt;</a:t>
-            </a:r>
-            <a:r>
-              <a:rPr lang="en-US" dirty="0" err="1"/>
-              <a:t>addChild</a:t>
-            </a:r>
-            <a:r>
-              <a:rPr lang="en-US" dirty="0"/>
-              <a:t>(</a:t>
-            </a:r>
-            <a:r>
-              <a:rPr lang="en-US" dirty="0" err="1"/>
-              <a:t>tf</a:t>
-            </a:r>
-            <a:r>
-              <a:rPr lang="en-US" dirty="0"/>
-              <a:t>);</a:t>
-            </a:r>
-          </a:p>
-          <a:p>
-            <a:pPr marL="0" indent="0">
-              <a:buNone/>
-            </a:pPr>
-            <a:r>
-              <a:rPr lang="en-US" dirty="0"/>
-              <a:t> }</a:t>
-            </a:r>
+              <a:t>nme</a:t>
+            </a:r>
+            <a:r>
+              <a:rPr lang="en-US" dirty="0"/>
+              <a:t>": "3.5.5"</a:t>
+            </a:r>
+          </a:p>
+          <a:p>
+            <a:pPr marL="0" indent="0">
+              <a:buNone/>
+            </a:pPr>
+            <a:r>
+              <a:rPr lang="en-US" dirty="0"/>
+              <a:t>  }</a:t>
+            </a:r>
+          </a:p>
+          <a:p>
+            <a:pPr marL="0" indent="0">
+              <a:buNone/>
+            </a:pPr>
+            <a:r>
+              <a:rPr lang="en-US" dirty="0"/>
+              <a:t>}</a:t>
+            </a:r>
+            <a:endParaRPr lang="en-US" dirty="0" smtClean="0"/>
+          </a:p>
+          <a:p>
             <a:endParaRPr lang="ru-RU" dirty="0"/>
           </a:p>
         </p:txBody>
@@ -5054,7 +5473,7 @@
     </p:spTree>
     <p:extLst>
       <p:ext uri="{BB962C8B-B14F-4D97-AF65-F5344CB8AC3E}">
-        <p14:creationId xmlns:p14="http://schemas.microsoft.com/office/powerpoint/2010/main" val="3411521022"/>
+        <p14:creationId xmlns:p14="http://schemas.microsoft.com/office/powerpoint/2010/main" val="1450482737"/>
       </p:ext>
     </p:extLst>
   </p:cSld>
@@ -5091,18 +5510,21 @@
             <p:ph type="title"/>
           </p:nvPr>
         </p:nvSpPr>
-        <p:spPr/>
-        <p:txBody>
-          <a:bodyPr/>
-          <a:lstStyle/>
-          <a:p>
-            <a:r>
-              <a:rPr lang="ru-RU" dirty="0"/>
-              <a:t>Взаимодействие с </a:t>
-            </a:r>
-            <a:r>
-              <a:rPr lang="en-US" dirty="0" smtClean="0"/>
-              <a:t>as3</a:t>
+        <p:spPr>
+          <a:xfrm>
+            <a:off x="457200" y="274638"/>
+            <a:ext cx="8229600" cy="490066"/>
+          </a:xfrm>
+        </p:spPr>
+        <p:txBody>
+          <a:bodyPr>
+            <a:normAutofit fontScale="90000"/>
+          </a:bodyPr>
+          <a:lstStyle/>
+          <a:p>
+            <a:r>
+              <a:rPr lang="en-US" dirty="0" err="1" smtClean="0"/>
+              <a:t>OpenFL</a:t>
             </a:r>
             <a:endParaRPr lang="ru-RU" dirty="0"/>
           </a:p>
@@ -5118,173 +5540,93 @@
             <p:ph idx="1"/>
           </p:nvPr>
         </p:nvSpPr>
-        <p:spPr/>
+        <p:spPr>
+          <a:xfrm>
+            <a:off x="457200" y="908721"/>
+            <a:ext cx="8229600" cy="2808312"/>
+          </a:xfrm>
+        </p:spPr>
         <p:txBody>
           <a:bodyPr>
-            <a:normAutofit fontScale="70000" lnSpcReduction="20000"/>
+            <a:normAutofit lnSpcReduction="10000"/>
           </a:bodyPr>
           <a:lstStyle/>
           <a:p>
-            <a:pPr marL="0" indent="0">
-              <a:buNone/>
-            </a:pPr>
-            <a:r>
-              <a:rPr lang="en-US" dirty="0"/>
-              <a:t>#include &lt;AS3/AS3.h&gt;</a:t>
-            </a:r>
-          </a:p>
-          <a:p>
-            <a:pPr marL="0" indent="0">
-              <a:buNone/>
-            </a:pPr>
-            <a:endParaRPr lang="en-US" dirty="0"/>
-          </a:p>
-          <a:p>
-            <a:pPr marL="0" indent="0">
-              <a:buNone/>
-            </a:pPr>
-            <a:r>
-              <a:rPr lang="en-US" dirty="0"/>
-              <a:t>// Use AS3 to </a:t>
-            </a:r>
-            <a:r>
-              <a:rPr lang="en-US" dirty="0" err="1"/>
-              <a:t>sqrt</a:t>
-            </a:r>
-            <a:r>
-              <a:rPr lang="en-US" dirty="0"/>
-              <a:t> a double!</a:t>
-            </a:r>
-          </a:p>
-          <a:p>
-            <a:pPr marL="0" indent="0">
-              <a:buNone/>
-            </a:pPr>
-            <a:r>
-              <a:rPr lang="en-US" dirty="0"/>
-              <a:t>double </a:t>
-            </a:r>
-            <a:r>
-              <a:rPr lang="en-US" dirty="0" err="1"/>
-              <a:t>somenumber</a:t>
-            </a:r>
-            <a:r>
-              <a:rPr lang="en-US" dirty="0"/>
-              <a:t> = 45.0;</a:t>
-            </a:r>
-          </a:p>
-          <a:p>
-            <a:pPr marL="0" indent="0">
-              <a:buNone/>
-            </a:pPr>
-            <a:r>
-              <a:rPr lang="en-US" dirty="0"/>
-              <a:t>double result = 0.0;</a:t>
-            </a:r>
-          </a:p>
-          <a:p>
-            <a:pPr marL="0" indent="0">
-              <a:buNone/>
-            </a:pPr>
-            <a:r>
-              <a:rPr lang="en-US" dirty="0"/>
-              <a:t>inline_as3(</a:t>
-            </a:r>
-          </a:p>
-          <a:p>
-            <a:pPr marL="0" indent="0">
-              <a:buNone/>
-            </a:pPr>
-            <a:r>
-              <a:rPr lang="en-US" dirty="0"/>
-              <a:t>    "%0 = </a:t>
-            </a:r>
-            <a:r>
-              <a:rPr lang="en-US" dirty="0" err="1"/>
-              <a:t>Math.sqrt</a:t>
-            </a:r>
-            <a:r>
-              <a:rPr lang="en-US" dirty="0"/>
-              <a:t>(%1);\n"</a:t>
-            </a:r>
-          </a:p>
-          <a:p>
-            <a:pPr marL="0" indent="0">
-              <a:buNone/>
-            </a:pPr>
-            <a:r>
-              <a:rPr lang="en-US" dirty="0"/>
-              <a:t>    : "=r"(result) : "r"(</a:t>
-            </a:r>
-            <a:r>
-              <a:rPr lang="en-US" dirty="0" err="1"/>
-              <a:t>somenumber</a:t>
-            </a:r>
-            <a:r>
-              <a:rPr lang="en-US" dirty="0"/>
+            <a:r>
+              <a:rPr lang="ru-RU" sz="2800" dirty="0" smtClean="0"/>
+              <a:t>Открытая реализация </a:t>
+            </a:r>
+            <a:r>
+              <a:rPr lang="en-US" sz="2800" dirty="0" smtClean="0"/>
+              <a:t>Flash-API </a:t>
+            </a:r>
+            <a:r>
+              <a:rPr lang="ru-RU" sz="2800" dirty="0" smtClean="0"/>
+              <a:t>на основе </a:t>
+            </a:r>
+            <a:r>
+              <a:rPr lang="en-US" sz="2800" dirty="0" err="1" smtClean="0"/>
+              <a:t>haxe</a:t>
+            </a:r>
+            <a:endParaRPr lang="en-US" sz="2800" dirty="0" smtClean="0"/>
+          </a:p>
+          <a:p>
+            <a:r>
+              <a:rPr lang="ru-RU" sz="2800" dirty="0" smtClean="0"/>
+              <a:t>Позволяет использовать один код для разных платформ</a:t>
+            </a:r>
+          </a:p>
+          <a:p>
+            <a:r>
+              <a:rPr lang="ru-RU" sz="2800" dirty="0" smtClean="0"/>
+              <a:t>В теории – высокая производительность (реализовано под конкретную платформу, без виртуальной машины </a:t>
+            </a:r>
+            <a:r>
+              <a:rPr lang="en-US" sz="2800" dirty="0" smtClean="0"/>
+              <a:t>flash</a:t>
+            </a:r>
+            <a:r>
+              <a:rPr lang="ru-RU" sz="2800" dirty="0" smtClean="0"/>
               <a:t>)</a:t>
             </a:r>
-          </a:p>
-          <a:p>
-            <a:pPr marL="0" indent="0">
-              <a:buNone/>
-            </a:pPr>
-            <a:r>
-              <a:rPr lang="en-US" dirty="0"/>
-              <a:t>);</a:t>
-            </a:r>
-          </a:p>
-          <a:p>
-            <a:pPr marL="0" indent="0">
-              <a:buNone/>
-            </a:pPr>
-            <a:endParaRPr lang="en-US" dirty="0"/>
-          </a:p>
-          <a:p>
-            <a:pPr marL="0" indent="0">
-              <a:buNone/>
-            </a:pPr>
-            <a:r>
-              <a:rPr lang="en-US" dirty="0"/>
-              <a:t>// Back in C we can take the result and print it out:</a:t>
-            </a:r>
-          </a:p>
-          <a:p>
-            <a:pPr marL="0" indent="0">
-              <a:buNone/>
-            </a:pPr>
-            <a:r>
-              <a:rPr lang="en-US" dirty="0" err="1"/>
-              <a:t>printf</a:t>
-            </a:r>
-            <a:r>
-              <a:rPr lang="en-US" dirty="0"/>
-              <a:t>("</a:t>
-            </a:r>
-            <a:r>
-              <a:rPr lang="en-US" dirty="0" err="1"/>
-              <a:t>sqrt</a:t>
-            </a:r>
-            <a:r>
-              <a:rPr lang="en-US" dirty="0"/>
-              <a:t> of %f is %f\n", </a:t>
-            </a:r>
-            <a:r>
-              <a:rPr lang="en-US" dirty="0" err="1"/>
-              <a:t>somenumber</a:t>
-            </a:r>
-            <a:r>
-              <a:rPr lang="en-US" dirty="0"/>
-              <a:t>, result);</a:t>
-            </a:r>
-            <a:endParaRPr lang="ru-RU" dirty="0"/>
-          </a:p>
-        </p:txBody>
-      </p:sp>
+            <a:endParaRPr lang="ru-RU" sz="2800" dirty="0"/>
+          </a:p>
+        </p:txBody>
+      </p:sp>
+      <p:pic>
+        <p:nvPicPr>
+          <p:cNvPr id="4" name="Picture 3"/>
+          <p:cNvPicPr>
+            <a:picLocks noChangeAspect="1"/>
+          </p:cNvPicPr>
+          <p:nvPr/>
+        </p:nvPicPr>
+        <p:blipFill>
+          <a:blip r:embed="rId2">
+            <a:extLst>
+              <a:ext uri="{28A0092B-C50C-407E-A947-70E740481C1C}">
+                <a14:useLocalDpi xmlns:a14="http://schemas.microsoft.com/office/drawing/2010/main" val="0"/>
+              </a:ext>
+            </a:extLst>
+          </a:blip>
+          <a:stretch>
+            <a:fillRect/>
+          </a:stretch>
+        </p:blipFill>
+        <p:spPr>
+          <a:xfrm>
+            <a:off x="2652712" y="3573016"/>
+            <a:ext cx="3838575" cy="2790825"/>
+          </a:xfrm>
+          <a:prstGeom prst="rect">
+            <a:avLst/>
+          </a:prstGeom>
+        </p:spPr>
+      </p:pic>
     </p:spTree>
     <p:extLst>
       <p:ext uri="{BB962C8B-B14F-4D97-AF65-F5344CB8AC3E}">
-        <p14:creationId xmlns:p14="http://schemas.microsoft.com/office/powerpoint/2010/main" val="1412017417"/>
+        <p14:creationId xmlns:p14="http://schemas.microsoft.com/office/powerpoint/2010/main" val="1147684720"/>
       </p:ext>
     </p:extLst>
   </p:cSld>
@@ -5407,6 +5749,2103 @@
 </p:sld>
 </file>
 
+<file path=ppt/slides/slide20.xml><?xml version="1.0" encoding="utf-8"?>
+<p:sld xmlns:a="http://schemas.openxmlformats.org/drawingml/2006/main" xmlns:r="http://schemas.openxmlformats.org/officeDocument/2006/relationships" xmlns:p="http://schemas.openxmlformats.org/presentationml/2006/main">
+  <p:cSld>
+    <p:spTree>
+      <p:nvGrpSpPr>
+        <p:cNvPr id="1" name=""/>
+        <p:cNvGrpSpPr/>
+        <p:nvPr/>
+      </p:nvGrpSpPr>
+      <p:grpSpPr>
+        <a:xfrm>
+          <a:off x="0" y="0"/>
+          <a:ext cx="0" cy="0"/>
+          <a:chOff x="0" y="0"/>
+          <a:chExt cx="0" cy="0"/>
+        </a:xfrm>
+      </p:grpSpPr>
+      <p:sp>
+        <p:nvSpPr>
+          <p:cNvPr id="2" name="Title 1"/>
+          <p:cNvSpPr>
+            <a:spLocks noGrp="1"/>
+          </p:cNvSpPr>
+          <p:nvPr>
+            <p:ph type="title"/>
+          </p:nvPr>
+        </p:nvSpPr>
+        <p:spPr/>
+        <p:txBody>
+          <a:bodyPr/>
+          <a:lstStyle/>
+          <a:p>
+            <a:r>
+              <a:rPr lang="en-US" dirty="0" err="1" smtClean="0"/>
+              <a:t>CrossBridge</a:t>
+            </a:r>
+            <a:r>
+              <a:rPr lang="en-US" dirty="0" smtClean="0"/>
+              <a:t>	</a:t>
+            </a:r>
+            <a:endParaRPr lang="ru-RU" dirty="0"/>
+          </a:p>
+        </p:txBody>
+      </p:sp>
+      <p:sp>
+        <p:nvSpPr>
+          <p:cNvPr id="3" name="Content Placeholder 2"/>
+          <p:cNvSpPr>
+            <a:spLocks noGrp="1"/>
+          </p:cNvSpPr>
+          <p:nvPr>
+            <p:ph idx="1"/>
+          </p:nvPr>
+        </p:nvSpPr>
+        <p:spPr/>
+        <p:txBody>
+          <a:bodyPr/>
+          <a:lstStyle/>
+          <a:p>
+            <a:r>
+              <a:rPr lang="en-US" dirty="0" smtClean="0"/>
+              <a:t>SDK </a:t>
+            </a:r>
+            <a:r>
+              <a:rPr lang="ru-RU" dirty="0" smtClean="0"/>
+              <a:t>для создания </a:t>
+            </a:r>
+            <a:r>
+              <a:rPr lang="en-US" dirty="0" err="1" smtClean="0"/>
+              <a:t>swf</a:t>
+            </a:r>
+            <a:r>
+              <a:rPr lang="en-US" dirty="0" smtClean="0"/>
+              <a:t> </a:t>
+            </a:r>
+            <a:r>
+              <a:rPr lang="ru-RU" dirty="0" smtClean="0"/>
+              <a:t>с использованием </a:t>
+            </a:r>
+            <a:r>
+              <a:rPr lang="en-US" dirty="0" smtClean="0"/>
+              <a:t>C/C++</a:t>
+            </a:r>
+          </a:p>
+          <a:p>
+            <a:r>
+              <a:rPr lang="ru-RU" dirty="0" smtClean="0"/>
+              <a:t>Имеет много имен </a:t>
+            </a:r>
+            <a:r>
+              <a:rPr lang="en-US" dirty="0" smtClean="0"/>
+              <a:t>Alchemy/</a:t>
+            </a:r>
+            <a:r>
+              <a:rPr lang="en-US" dirty="0" err="1" smtClean="0"/>
+              <a:t>FlasCC</a:t>
+            </a:r>
+            <a:r>
+              <a:rPr lang="en-US" dirty="0" smtClean="0"/>
+              <a:t>/</a:t>
+            </a:r>
+            <a:r>
+              <a:rPr lang="en-US" dirty="0" err="1" smtClean="0"/>
+              <a:t>Crossbridge</a:t>
+            </a:r>
+            <a:endParaRPr lang="en-US" dirty="0" smtClean="0"/>
+          </a:p>
+          <a:p>
+            <a:r>
+              <a:rPr lang="en-US" dirty="0" smtClean="0"/>
+              <a:t>Open </a:t>
+            </a:r>
+            <a:r>
+              <a:rPr lang="en-US" dirty="0" smtClean="0"/>
+              <a:t>source (</a:t>
+            </a:r>
+            <a:r>
+              <a:rPr lang="ru-RU" dirty="0" smtClean="0"/>
+              <a:t>в 2012 году было платным</a:t>
+            </a:r>
+            <a:r>
+              <a:rPr lang="en-US" dirty="0" smtClean="0"/>
+              <a:t>)</a:t>
+            </a:r>
+            <a:endParaRPr lang="ru-RU" dirty="0" smtClean="0"/>
+          </a:p>
+          <a:p>
+            <a:r>
+              <a:rPr lang="ru-RU" dirty="0" smtClean="0"/>
+              <a:t>Может создавать </a:t>
+            </a:r>
+            <a:r>
+              <a:rPr lang="en-US" dirty="0" err="1" smtClean="0"/>
+              <a:t>swf</a:t>
+            </a:r>
+            <a:r>
+              <a:rPr lang="ru-RU" dirty="0"/>
+              <a:t> </a:t>
+            </a:r>
+            <a:r>
+              <a:rPr lang="ru-RU" dirty="0" smtClean="0"/>
+              <a:t>или </a:t>
+            </a:r>
+            <a:r>
+              <a:rPr lang="en-US" dirty="0" err="1" smtClean="0"/>
+              <a:t>swc</a:t>
+            </a:r>
+            <a:endParaRPr lang="en-US" dirty="0" smtClean="0"/>
+          </a:p>
+          <a:p>
+            <a:pPr marL="0" indent="0">
+              <a:buNone/>
+            </a:pPr>
+            <a:endParaRPr lang="ru-RU" dirty="0"/>
+          </a:p>
+        </p:txBody>
+      </p:sp>
+    </p:spTree>
+    <p:extLst>
+      <p:ext uri="{BB962C8B-B14F-4D97-AF65-F5344CB8AC3E}">
+        <p14:creationId xmlns:p14="http://schemas.microsoft.com/office/powerpoint/2010/main" val="3309139004"/>
+      </p:ext>
+    </p:extLst>
+  </p:cSld>
+  <p:clrMapOvr>
+    <a:masterClrMapping/>
+  </p:clrMapOvr>
+</p:sld>
+</file>
+
+<file path=ppt/slides/slide21.xml><?xml version="1.0" encoding="utf-8"?>
+<p:sld xmlns:a="http://schemas.openxmlformats.org/drawingml/2006/main" xmlns:r="http://schemas.openxmlformats.org/officeDocument/2006/relationships" xmlns:p="http://schemas.openxmlformats.org/presentationml/2006/main">
+  <p:cSld>
+    <p:spTree>
+      <p:nvGrpSpPr>
+        <p:cNvPr id="1" name=""/>
+        <p:cNvGrpSpPr/>
+        <p:nvPr/>
+      </p:nvGrpSpPr>
+      <p:grpSpPr>
+        <a:xfrm>
+          <a:off x="0" y="0"/>
+          <a:ext cx="0" cy="0"/>
+          <a:chOff x="0" y="0"/>
+          <a:chExt cx="0" cy="0"/>
+        </a:xfrm>
+      </p:grpSpPr>
+      <p:sp>
+        <p:nvSpPr>
+          <p:cNvPr id="2" name="Title 1"/>
+          <p:cNvSpPr>
+            <a:spLocks noGrp="1"/>
+          </p:cNvSpPr>
+          <p:nvPr>
+            <p:ph type="title"/>
+          </p:nvPr>
+        </p:nvSpPr>
+        <p:spPr/>
+        <p:txBody>
+          <a:bodyPr/>
+          <a:lstStyle/>
+          <a:p>
+            <a:r>
+              <a:rPr lang="en-US" dirty="0" smtClean="0"/>
+              <a:t>Hello World</a:t>
+            </a:r>
+            <a:endParaRPr lang="ru-RU" dirty="0"/>
+          </a:p>
+        </p:txBody>
+      </p:sp>
+      <p:sp>
+        <p:nvSpPr>
+          <p:cNvPr id="3" name="Content Placeholder 2"/>
+          <p:cNvSpPr>
+            <a:spLocks noGrp="1"/>
+          </p:cNvSpPr>
+          <p:nvPr>
+            <p:ph idx="1"/>
+          </p:nvPr>
+        </p:nvSpPr>
+        <p:spPr/>
+        <p:txBody>
+          <a:bodyPr/>
+          <a:lstStyle/>
+          <a:p>
+            <a:pPr marL="0" indent="0">
+              <a:buNone/>
+            </a:pPr>
+            <a:r>
+              <a:rPr lang="en-US" dirty="0" smtClean="0"/>
+              <a:t>#include &lt;</a:t>
+            </a:r>
+            <a:r>
+              <a:rPr lang="en-US" dirty="0" err="1" smtClean="0"/>
+              <a:t>iostream</a:t>
+            </a:r>
+            <a:r>
+              <a:rPr lang="en-US" dirty="0" smtClean="0"/>
+              <a:t>&gt;</a:t>
+            </a:r>
+            <a:endParaRPr lang="en-US" dirty="0"/>
+          </a:p>
+          <a:p>
+            <a:pPr marL="0" indent="0">
+              <a:buNone/>
+            </a:pPr>
+            <a:r>
+              <a:rPr lang="en-US" dirty="0" err="1" smtClean="0"/>
+              <a:t>int</a:t>
+            </a:r>
+            <a:r>
+              <a:rPr lang="en-US" dirty="0" smtClean="0"/>
+              <a:t> main(){</a:t>
+            </a:r>
+          </a:p>
+          <a:p>
+            <a:pPr marL="0" indent="0">
+              <a:buNone/>
+            </a:pPr>
+            <a:r>
+              <a:rPr lang="en-US" dirty="0"/>
+              <a:t>	</a:t>
+            </a:r>
+            <a:r>
+              <a:rPr lang="en-US" dirty="0" err="1" smtClean="0"/>
+              <a:t>std</a:t>
+            </a:r>
+            <a:r>
+              <a:rPr lang="en-US" dirty="0" smtClean="0"/>
+              <a:t>::</a:t>
+            </a:r>
+            <a:r>
+              <a:rPr lang="en-US" dirty="0" err="1" smtClean="0"/>
+              <a:t>cout</a:t>
+            </a:r>
+            <a:r>
+              <a:rPr lang="en-US" dirty="0" smtClean="0"/>
+              <a:t> &lt;&lt; “Hello World” &lt;&lt; </a:t>
+            </a:r>
+            <a:r>
+              <a:rPr lang="en-US" dirty="0" err="1" smtClean="0"/>
+              <a:t>std</a:t>
+            </a:r>
+            <a:r>
+              <a:rPr lang="en-US" dirty="0" smtClean="0"/>
+              <a:t>::</a:t>
+            </a:r>
+            <a:r>
+              <a:rPr lang="en-US" dirty="0" err="1" smtClean="0"/>
+              <a:t>endl</a:t>
+            </a:r>
+            <a:r>
+              <a:rPr lang="en-US" dirty="0" smtClean="0"/>
+              <a:t>;</a:t>
+            </a:r>
+          </a:p>
+          <a:p>
+            <a:pPr marL="0" indent="0">
+              <a:buNone/>
+            </a:pPr>
+            <a:r>
+              <a:rPr lang="en-US" dirty="0" smtClean="0"/>
+              <a:t>}</a:t>
+            </a:r>
+          </a:p>
+          <a:p>
+            <a:pPr marL="0" indent="0">
+              <a:buNone/>
+            </a:pPr>
+            <a:endParaRPr lang="en-US" dirty="0"/>
+          </a:p>
+          <a:p>
+            <a:pPr marL="0" indent="0">
+              <a:buNone/>
+            </a:pPr>
+            <a:r>
+              <a:rPr lang="en-US" dirty="0"/>
+              <a:t>~/</a:t>
+            </a:r>
+            <a:r>
+              <a:rPr lang="en-US" dirty="0" err="1"/>
+              <a:t>Crossbridge</a:t>
+            </a:r>
+            <a:r>
+              <a:rPr lang="en-US" dirty="0"/>
+              <a:t>/</a:t>
+            </a:r>
+            <a:r>
+              <a:rPr lang="en-US" dirty="0" err="1"/>
+              <a:t>sdk</a:t>
+            </a:r>
+            <a:r>
+              <a:rPr lang="en-US" dirty="0"/>
+              <a:t>/</a:t>
+            </a:r>
+            <a:r>
+              <a:rPr lang="en-US" dirty="0" err="1"/>
+              <a:t>usr</a:t>
+            </a:r>
+            <a:r>
+              <a:rPr lang="en-US" dirty="0"/>
+              <a:t>/bin/g++ alchemy_test.cpp -emit-</a:t>
+            </a:r>
+            <a:r>
+              <a:rPr lang="en-US" dirty="0" err="1"/>
+              <a:t>swf</a:t>
+            </a:r>
+            <a:r>
+              <a:rPr lang="en-US" dirty="0"/>
+              <a:t> -</a:t>
+            </a:r>
+            <a:r>
+              <a:rPr lang="en-US" dirty="0" err="1"/>
+              <a:t>lFlash</a:t>
+            </a:r>
+            <a:r>
+              <a:rPr lang="en-US" dirty="0"/>
+              <a:t>++ -lAS3++ -o alchemy.swf</a:t>
+            </a:r>
+            <a:endParaRPr lang="ru-RU" dirty="0"/>
+          </a:p>
+        </p:txBody>
+      </p:sp>
+    </p:spTree>
+    <p:extLst>
+      <p:ext uri="{BB962C8B-B14F-4D97-AF65-F5344CB8AC3E}">
+        <p14:creationId xmlns:p14="http://schemas.microsoft.com/office/powerpoint/2010/main" val="1855365334"/>
+      </p:ext>
+    </p:extLst>
+  </p:cSld>
+  <p:clrMapOvr>
+    <a:masterClrMapping/>
+  </p:clrMapOvr>
+</p:sld>
+</file>
+
+<file path=ppt/slides/slide22.xml><?xml version="1.0" encoding="utf-8"?>
+<p:sld xmlns:a="http://schemas.openxmlformats.org/drawingml/2006/main" xmlns:r="http://schemas.openxmlformats.org/officeDocument/2006/relationships" xmlns:p="http://schemas.openxmlformats.org/presentationml/2006/main">
+  <p:cSld>
+    <p:spTree>
+      <p:nvGrpSpPr>
+        <p:cNvPr id="1" name=""/>
+        <p:cNvGrpSpPr/>
+        <p:nvPr/>
+      </p:nvGrpSpPr>
+      <p:grpSpPr>
+        <a:xfrm>
+          <a:off x="0" y="0"/>
+          <a:ext cx="0" cy="0"/>
+          <a:chOff x="0" y="0"/>
+          <a:chExt cx="0" cy="0"/>
+        </a:xfrm>
+      </p:grpSpPr>
+      <p:sp>
+        <p:nvSpPr>
+          <p:cNvPr id="2" name="Title 1"/>
+          <p:cNvSpPr>
+            <a:spLocks noGrp="1"/>
+          </p:cNvSpPr>
+          <p:nvPr>
+            <p:ph type="title"/>
+          </p:nvPr>
+        </p:nvSpPr>
+        <p:spPr/>
+        <p:txBody>
+          <a:bodyPr/>
+          <a:lstStyle/>
+          <a:p>
+            <a:r>
+              <a:rPr lang="ru-RU" dirty="0" smtClean="0"/>
+              <a:t>Взаимодействие с </a:t>
+            </a:r>
+            <a:r>
+              <a:rPr lang="en-US" dirty="0" smtClean="0"/>
+              <a:t>flash</a:t>
+            </a:r>
+            <a:endParaRPr lang="ru-RU" dirty="0"/>
+          </a:p>
+        </p:txBody>
+      </p:sp>
+      <p:sp>
+        <p:nvSpPr>
+          <p:cNvPr id="3" name="Content Placeholder 2"/>
+          <p:cNvSpPr>
+            <a:spLocks noGrp="1"/>
+          </p:cNvSpPr>
+          <p:nvPr>
+            <p:ph idx="1"/>
+          </p:nvPr>
+        </p:nvSpPr>
+        <p:spPr/>
+        <p:txBody>
+          <a:bodyPr>
+            <a:normAutofit fontScale="62500" lnSpcReduction="20000"/>
+          </a:bodyPr>
+          <a:lstStyle/>
+          <a:p>
+            <a:pPr marL="0" indent="0">
+              <a:buNone/>
+            </a:pPr>
+            <a:r>
+              <a:rPr lang="en-US" dirty="0" smtClean="0"/>
+              <a:t> #</a:t>
+            </a:r>
+            <a:r>
+              <a:rPr lang="en-US" dirty="0"/>
+              <a:t>include &lt;Flash++.h&gt;</a:t>
+            </a:r>
+          </a:p>
+          <a:p>
+            <a:pPr marL="0" indent="0">
+              <a:buNone/>
+            </a:pPr>
+            <a:r>
+              <a:rPr lang="en-US" dirty="0"/>
+              <a:t> #include &lt;AS3/AS3.h&gt;</a:t>
+            </a:r>
+          </a:p>
+          <a:p>
+            <a:pPr marL="0" indent="0">
+              <a:buNone/>
+            </a:pPr>
+            <a:r>
+              <a:rPr lang="en-US" dirty="0"/>
+              <a:t> using namespace AS3::</a:t>
+            </a:r>
+            <a:r>
+              <a:rPr lang="en-US" dirty="0" err="1"/>
+              <a:t>ui</a:t>
+            </a:r>
+            <a:r>
+              <a:rPr lang="en-US" dirty="0" smtClean="0"/>
+              <a:t>;</a:t>
+            </a:r>
+          </a:p>
+          <a:p>
+            <a:pPr marL="0" indent="0">
+              <a:buNone/>
+            </a:pPr>
+            <a:endParaRPr lang="en-US" dirty="0"/>
+          </a:p>
+          <a:p>
+            <a:pPr marL="0" indent="0">
+              <a:buNone/>
+            </a:pPr>
+            <a:r>
+              <a:rPr lang="en-US" dirty="0"/>
+              <a:t> </a:t>
+            </a:r>
+            <a:r>
+              <a:rPr lang="en-US" dirty="0" err="1"/>
+              <a:t>int</a:t>
+            </a:r>
+            <a:r>
+              <a:rPr lang="en-US" dirty="0"/>
+              <a:t> main ()</a:t>
+            </a:r>
+          </a:p>
+          <a:p>
+            <a:pPr marL="0" indent="0">
+              <a:buNone/>
+            </a:pPr>
+            <a:r>
+              <a:rPr lang="en-US" dirty="0"/>
+              <a:t> {</a:t>
+            </a:r>
+          </a:p>
+          <a:p>
+            <a:pPr marL="0" indent="0">
+              <a:buNone/>
+            </a:pPr>
+            <a:r>
+              <a:rPr lang="en-US" dirty="0"/>
+              <a:t> </a:t>
+            </a:r>
+            <a:r>
+              <a:rPr lang="en-US" dirty="0" smtClean="0"/>
+              <a:t> flash</a:t>
+            </a:r>
+            <a:r>
+              <a:rPr lang="en-US" dirty="0"/>
+              <a:t>::display::Stage </a:t>
+            </a:r>
+            <a:r>
+              <a:rPr lang="en-US" dirty="0" err="1"/>
+              <a:t>stage</a:t>
+            </a:r>
+            <a:r>
+              <a:rPr lang="en-US" dirty="0"/>
+              <a:t> = internal::</a:t>
+            </a:r>
+            <a:r>
+              <a:rPr lang="en-US" dirty="0" err="1"/>
+              <a:t>get_Stage</a:t>
+            </a:r>
+            <a:r>
+              <a:rPr lang="en-US" dirty="0"/>
+              <a:t>();</a:t>
+            </a:r>
+          </a:p>
+          <a:p>
+            <a:pPr marL="0" indent="0">
+              <a:buNone/>
+            </a:pPr>
+            <a:r>
+              <a:rPr lang="en-US" dirty="0"/>
+              <a:t>  flash::text::</a:t>
+            </a:r>
+            <a:r>
+              <a:rPr lang="en-US" dirty="0" err="1"/>
+              <a:t>TextField</a:t>
+            </a:r>
+            <a:r>
+              <a:rPr lang="en-US" dirty="0"/>
+              <a:t> </a:t>
+            </a:r>
+            <a:r>
+              <a:rPr lang="en-US" dirty="0" err="1"/>
+              <a:t>tf</a:t>
+            </a:r>
+            <a:r>
+              <a:rPr lang="en-US" dirty="0"/>
+              <a:t> = flash::text::</a:t>
+            </a:r>
+            <a:r>
+              <a:rPr lang="en-US" dirty="0" err="1"/>
+              <a:t>TextField</a:t>
+            </a:r>
+            <a:r>
+              <a:rPr lang="en-US" dirty="0"/>
+              <a:t>::_new();</a:t>
+            </a:r>
+          </a:p>
+          <a:p>
+            <a:pPr marL="0" indent="0">
+              <a:buNone/>
+            </a:pPr>
+            <a:r>
+              <a:rPr lang="en-US" dirty="0"/>
+              <a:t>  flash::text::</a:t>
+            </a:r>
+            <a:r>
+              <a:rPr lang="en-US" dirty="0" err="1"/>
+              <a:t>TextFormat</a:t>
+            </a:r>
+            <a:r>
+              <a:rPr lang="en-US" dirty="0"/>
+              <a:t> </a:t>
+            </a:r>
+            <a:r>
+              <a:rPr lang="en-US" dirty="0" err="1"/>
+              <a:t>sometextformat</a:t>
+            </a:r>
+            <a:r>
+              <a:rPr lang="en-US" dirty="0"/>
+              <a:t> = flash::text::</a:t>
+            </a:r>
+            <a:r>
+              <a:rPr lang="en-US" dirty="0" err="1"/>
+              <a:t>TextFormat</a:t>
+            </a:r>
+            <a:r>
+              <a:rPr lang="en-US" dirty="0"/>
+              <a:t>::_new();</a:t>
+            </a:r>
+          </a:p>
+          <a:p>
+            <a:pPr marL="0" indent="0">
+              <a:buNone/>
+            </a:pPr>
+            <a:r>
+              <a:rPr lang="en-US" dirty="0"/>
+              <a:t> </a:t>
+            </a:r>
+            <a:r>
+              <a:rPr lang="en-US" dirty="0" smtClean="0"/>
+              <a:t> </a:t>
+            </a:r>
+            <a:r>
+              <a:rPr lang="en-US" dirty="0" err="1" smtClean="0"/>
+              <a:t>sometextformat</a:t>
+            </a:r>
+            <a:r>
+              <a:rPr lang="en-US" dirty="0" smtClean="0"/>
+              <a:t>-</a:t>
+            </a:r>
+            <a:r>
+              <a:rPr lang="en-US" dirty="0"/>
+              <a:t>&gt;size = internal::</a:t>
+            </a:r>
+            <a:r>
+              <a:rPr lang="en-US" dirty="0" err="1"/>
+              <a:t>new_Number</a:t>
+            </a:r>
+            <a:r>
+              <a:rPr lang="en-US" dirty="0"/>
+              <a:t>(24);</a:t>
+            </a:r>
+          </a:p>
+          <a:p>
+            <a:pPr marL="0" indent="0">
+              <a:buNone/>
+            </a:pPr>
+            <a:r>
+              <a:rPr lang="en-US" dirty="0"/>
+              <a:t> </a:t>
+            </a:r>
+            <a:r>
+              <a:rPr lang="en-US" dirty="0" smtClean="0"/>
+              <a:t> </a:t>
+            </a:r>
+            <a:r>
+              <a:rPr lang="en-US" dirty="0" err="1" smtClean="0"/>
+              <a:t>sometextformat</a:t>
+            </a:r>
+            <a:r>
+              <a:rPr lang="en-US" dirty="0" smtClean="0"/>
+              <a:t>-</a:t>
+            </a:r>
+            <a:r>
+              <a:rPr lang="en-US" dirty="0"/>
+              <a:t>&gt;color = internal::</a:t>
+            </a:r>
+            <a:r>
+              <a:rPr lang="en-US" dirty="0" err="1"/>
+              <a:t>new_Number</a:t>
+            </a:r>
+            <a:r>
+              <a:rPr lang="en-US" dirty="0"/>
+              <a:t>(0x0000FF);</a:t>
+            </a:r>
+          </a:p>
+          <a:p>
+            <a:pPr marL="0" indent="0">
+              <a:buNone/>
+            </a:pPr>
+            <a:r>
+              <a:rPr lang="en-US" dirty="0"/>
+              <a:t>  </a:t>
+            </a:r>
+            <a:r>
+              <a:rPr lang="en-US" dirty="0" err="1" smtClean="0"/>
+              <a:t>tf</a:t>
+            </a:r>
+            <a:r>
+              <a:rPr lang="en-US" dirty="0" smtClean="0"/>
+              <a:t>-</a:t>
+            </a:r>
+            <a:r>
+              <a:rPr lang="en-US" dirty="0"/>
+              <a:t>&gt;</a:t>
+            </a:r>
+            <a:r>
+              <a:rPr lang="en-US" dirty="0" err="1"/>
+              <a:t>defaultTextFormat</a:t>
+            </a:r>
+            <a:r>
+              <a:rPr lang="en-US" dirty="0"/>
+              <a:t> = </a:t>
+            </a:r>
+            <a:r>
+              <a:rPr lang="en-US" dirty="0" err="1"/>
+              <a:t>sometextformat</a:t>
+            </a:r>
+            <a:r>
+              <a:rPr lang="en-US" dirty="0"/>
+              <a:t>;  </a:t>
+            </a:r>
+            <a:r>
+              <a:rPr lang="en-US" dirty="0" err="1"/>
+              <a:t>tf</a:t>
+            </a:r>
+            <a:r>
+              <a:rPr lang="en-US" dirty="0"/>
+              <a:t>-&gt;text = "Hello World!";</a:t>
+            </a:r>
+          </a:p>
+          <a:p>
+            <a:pPr marL="0" indent="0">
+              <a:buNone/>
+            </a:pPr>
+            <a:r>
+              <a:rPr lang="en-US" dirty="0"/>
+              <a:t>  stage-&gt;</a:t>
+            </a:r>
+            <a:r>
+              <a:rPr lang="en-US" dirty="0" err="1"/>
+              <a:t>addChild</a:t>
+            </a:r>
+            <a:r>
+              <a:rPr lang="en-US" dirty="0"/>
+              <a:t>(</a:t>
+            </a:r>
+            <a:r>
+              <a:rPr lang="en-US" dirty="0" err="1"/>
+              <a:t>tf</a:t>
+            </a:r>
+            <a:r>
+              <a:rPr lang="en-US" dirty="0"/>
+              <a:t>);</a:t>
+            </a:r>
+          </a:p>
+          <a:p>
+            <a:pPr marL="0" indent="0">
+              <a:buNone/>
+            </a:pPr>
+            <a:r>
+              <a:rPr lang="en-US" dirty="0"/>
+              <a:t> }</a:t>
+            </a:r>
+            <a:endParaRPr lang="ru-RU" dirty="0"/>
+          </a:p>
+        </p:txBody>
+      </p:sp>
+    </p:spTree>
+    <p:extLst>
+      <p:ext uri="{BB962C8B-B14F-4D97-AF65-F5344CB8AC3E}">
+        <p14:creationId xmlns:p14="http://schemas.microsoft.com/office/powerpoint/2010/main" val="3411521022"/>
+      </p:ext>
+    </p:extLst>
+  </p:cSld>
+  <p:clrMapOvr>
+    <a:masterClrMapping/>
+  </p:clrMapOvr>
+</p:sld>
+</file>
+
+<file path=ppt/slides/slide23.xml><?xml version="1.0" encoding="utf-8"?>
+<p:sld xmlns:a="http://schemas.openxmlformats.org/drawingml/2006/main" xmlns:r="http://schemas.openxmlformats.org/officeDocument/2006/relationships" xmlns:p="http://schemas.openxmlformats.org/presentationml/2006/main">
+  <p:cSld>
+    <p:spTree>
+      <p:nvGrpSpPr>
+        <p:cNvPr id="1" name=""/>
+        <p:cNvGrpSpPr/>
+        <p:nvPr/>
+      </p:nvGrpSpPr>
+      <p:grpSpPr>
+        <a:xfrm>
+          <a:off x="0" y="0"/>
+          <a:ext cx="0" cy="0"/>
+          <a:chOff x="0" y="0"/>
+          <a:chExt cx="0" cy="0"/>
+        </a:xfrm>
+      </p:grpSpPr>
+      <p:sp>
+        <p:nvSpPr>
+          <p:cNvPr id="5" name="Rectangle 4"/>
+          <p:cNvSpPr/>
+          <p:nvPr/>
+        </p:nvSpPr>
+        <p:spPr>
+          <a:xfrm>
+            <a:off x="35590" y="8758"/>
+            <a:ext cx="8784976" cy="6247864"/>
+          </a:xfrm>
+          <a:prstGeom prst="rect">
+            <a:avLst/>
+          </a:prstGeom>
+        </p:spPr>
+        <p:txBody>
+          <a:bodyPr wrap="square">
+            <a:spAutoFit/>
+          </a:bodyPr>
+          <a:lstStyle/>
+          <a:p>
+            <a:endParaRPr lang="ru-RU" sz="2000" dirty="0"/>
+          </a:p>
+          <a:p>
+            <a:r>
+              <a:rPr lang="ru-RU" sz="2000" dirty="0" err="1"/>
+              <a:t>var</a:t>
+            </a:r>
+            <a:r>
+              <a:rPr lang="ru-RU" sz="2000" dirty="0"/>
+              <a:t> </a:t>
+            </a:r>
+            <a:r>
+              <a:rPr lang="ru-RU" sz="2000" dirty="0" err="1"/>
+              <a:t>keyHandler</a:t>
+            </a:r>
+            <a:r>
+              <a:rPr lang="ru-RU" sz="2000" dirty="0"/>
+              <a:t>(</a:t>
+            </a:r>
+            <a:r>
+              <a:rPr lang="ru-RU" sz="2000" dirty="0" err="1"/>
+              <a:t>void</a:t>
+            </a:r>
+            <a:r>
+              <a:rPr lang="ru-RU" sz="2000" dirty="0"/>
+              <a:t> *</a:t>
+            </a:r>
+            <a:r>
+              <a:rPr lang="ru-RU" sz="2000" dirty="0" err="1"/>
+              <a:t>arg</a:t>
+            </a:r>
+            <a:r>
+              <a:rPr lang="ru-RU" sz="2000" dirty="0"/>
+              <a:t>, </a:t>
+            </a:r>
+            <a:r>
+              <a:rPr lang="ru-RU" sz="2000" dirty="0" err="1"/>
+              <a:t>var</a:t>
+            </a:r>
+            <a:r>
+              <a:rPr lang="ru-RU" sz="2000" dirty="0"/>
+              <a:t> as3Args){</a:t>
+            </a:r>
+          </a:p>
+          <a:p>
+            <a:r>
+              <a:rPr lang="ru-RU" sz="2000" dirty="0"/>
+              <a:t>    // </a:t>
+            </a:r>
+            <a:r>
+              <a:rPr lang="ru-RU" sz="2000" dirty="0" err="1"/>
+              <a:t>get</a:t>
+            </a:r>
+            <a:r>
+              <a:rPr lang="ru-RU" sz="2000" dirty="0"/>
+              <a:t> </a:t>
+            </a:r>
+            <a:r>
+              <a:rPr lang="ru-RU" sz="2000" dirty="0" err="1"/>
+              <a:t>the</a:t>
+            </a:r>
+            <a:r>
+              <a:rPr lang="ru-RU" sz="2000" dirty="0"/>
+              <a:t> </a:t>
+            </a:r>
+            <a:r>
+              <a:rPr lang="ru-RU" sz="2000" dirty="0" err="1"/>
+              <a:t>event</a:t>
+            </a:r>
+            <a:r>
+              <a:rPr lang="ru-RU" sz="2000" dirty="0"/>
+              <a:t> </a:t>
+            </a:r>
+            <a:r>
+              <a:rPr lang="ru-RU" sz="2000" dirty="0" err="1"/>
+              <a:t>object</a:t>
+            </a:r>
+            <a:endParaRPr lang="ru-RU" sz="2000" dirty="0"/>
+          </a:p>
+          <a:p>
+            <a:r>
+              <a:rPr lang="ru-RU" sz="2000" dirty="0"/>
+              <a:t>    </a:t>
+            </a:r>
+            <a:r>
+              <a:rPr lang="ru-RU" sz="2000" dirty="0" err="1"/>
+              <a:t>flash</a:t>
+            </a:r>
+            <a:r>
+              <a:rPr lang="ru-RU" sz="2000" dirty="0"/>
+              <a:t>::</a:t>
+            </a:r>
+            <a:r>
+              <a:rPr lang="ru-RU" sz="2000" dirty="0" err="1"/>
+              <a:t>events</a:t>
+            </a:r>
+            <a:r>
+              <a:rPr lang="ru-RU" sz="2000" dirty="0"/>
+              <a:t>::</a:t>
+            </a:r>
+            <a:r>
+              <a:rPr lang="ru-RU" sz="2000" dirty="0" err="1"/>
+              <a:t>KeyboardEvent</a:t>
+            </a:r>
+            <a:r>
+              <a:rPr lang="ru-RU" sz="2000" dirty="0"/>
+              <a:t> </a:t>
+            </a:r>
+            <a:r>
+              <a:rPr lang="ru-RU" sz="2000" dirty="0" err="1"/>
+              <a:t>event</a:t>
+            </a:r>
+            <a:r>
+              <a:rPr lang="ru-RU" sz="2000" dirty="0"/>
+              <a:t> = (</a:t>
+            </a:r>
+            <a:r>
+              <a:rPr lang="ru-RU" sz="2000" dirty="0" err="1"/>
+              <a:t>flash</a:t>
+            </a:r>
+            <a:r>
+              <a:rPr lang="ru-RU" sz="2000" dirty="0"/>
+              <a:t>::</a:t>
+            </a:r>
+            <a:r>
+              <a:rPr lang="ru-RU" sz="2000" dirty="0" err="1"/>
+              <a:t>events</a:t>
+            </a:r>
+            <a:r>
+              <a:rPr lang="ru-RU" sz="2000" dirty="0"/>
+              <a:t>::</a:t>
+            </a:r>
+            <a:r>
+              <a:rPr lang="ru-RU" sz="2000" dirty="0" err="1"/>
+              <a:t>KeyboardEvent</a:t>
+            </a:r>
+            <a:r>
+              <a:rPr lang="ru-RU" sz="2000" dirty="0"/>
+              <a:t>) as3Args[0];</a:t>
+            </a:r>
+          </a:p>
+          <a:p>
+            <a:r>
+              <a:rPr lang="ru-RU" sz="2000" dirty="0"/>
+              <a:t>    </a:t>
+            </a:r>
+            <a:r>
+              <a:rPr lang="ru-RU" sz="2000" dirty="0" smtClean="0"/>
+              <a:t>  </a:t>
+            </a:r>
+            <a:r>
+              <a:rPr lang="en-US" sz="2000" dirty="0" smtClean="0"/>
+              <a:t>…</a:t>
+            </a:r>
+            <a:endParaRPr lang="ru-RU" sz="2000" dirty="0"/>
+          </a:p>
+          <a:p>
+            <a:r>
+              <a:rPr lang="ru-RU" sz="2000" dirty="0" smtClean="0"/>
+              <a:t>    </a:t>
+            </a:r>
+            <a:r>
+              <a:rPr lang="ru-RU" sz="2000" dirty="0" err="1"/>
+              <a:t>printf</a:t>
+            </a:r>
+            <a:r>
+              <a:rPr lang="ru-RU" sz="2000" dirty="0"/>
+              <a:t>("</a:t>
+            </a:r>
+            <a:r>
+              <a:rPr lang="ru-RU" sz="2000" dirty="0" err="1"/>
+              <a:t>Keyboard</a:t>
+            </a:r>
+            <a:r>
+              <a:rPr lang="ru-RU" sz="2000" dirty="0"/>
+              <a:t> </a:t>
+            </a:r>
+            <a:r>
+              <a:rPr lang="ru-RU" sz="2000" dirty="0" err="1"/>
+              <a:t>Event</a:t>
+            </a:r>
+            <a:r>
+              <a:rPr lang="ru-RU" sz="2000" dirty="0"/>
+              <a:t> [%s, %s, %d]\n", </a:t>
+            </a:r>
+            <a:r>
+              <a:rPr lang="ru-RU" sz="2000" dirty="0" err="1"/>
+              <a:t>targetStr.c_str</a:t>
+            </a:r>
+            <a:r>
+              <a:rPr lang="ru-RU" sz="2000" dirty="0"/>
+              <a:t>(), </a:t>
+            </a:r>
+            <a:r>
+              <a:rPr lang="ru-RU" sz="2000" dirty="0" err="1"/>
+              <a:t>typeStr.c_str</a:t>
+            </a:r>
+            <a:r>
+              <a:rPr lang="ru-RU" sz="2000" dirty="0"/>
+              <a:t>(), </a:t>
+            </a:r>
+            <a:r>
+              <a:rPr lang="ru-RU" sz="2000" dirty="0" err="1"/>
+              <a:t>keyCode</a:t>
+            </a:r>
+            <a:r>
+              <a:rPr lang="ru-RU" sz="2000" dirty="0"/>
+              <a:t>);</a:t>
+            </a:r>
+          </a:p>
+          <a:p>
+            <a:r>
+              <a:rPr lang="ru-RU" sz="2000" dirty="0"/>
+              <a:t>    </a:t>
+            </a:r>
+          </a:p>
+          <a:p>
+            <a:r>
+              <a:rPr lang="ru-RU" sz="2000" dirty="0"/>
+              <a:t>    </a:t>
+            </a:r>
+            <a:r>
+              <a:rPr lang="ru-RU" sz="2000" dirty="0" err="1"/>
+              <a:t>return</a:t>
+            </a:r>
+            <a:r>
+              <a:rPr lang="ru-RU" sz="2000" dirty="0"/>
+              <a:t> </a:t>
+            </a:r>
+            <a:r>
+              <a:rPr lang="ru-RU" sz="2000" dirty="0" err="1"/>
+              <a:t>internal</a:t>
+            </a:r>
+            <a:r>
+              <a:rPr lang="ru-RU" sz="2000" dirty="0"/>
+              <a:t>::_</a:t>
+            </a:r>
+            <a:r>
+              <a:rPr lang="ru-RU" sz="2000" dirty="0" err="1"/>
+              <a:t>undefined</a:t>
+            </a:r>
+            <a:r>
+              <a:rPr lang="ru-RU" sz="2000" dirty="0"/>
+              <a:t>;</a:t>
+            </a:r>
+          </a:p>
+          <a:p>
+            <a:r>
+              <a:rPr lang="ru-RU" sz="2000" dirty="0"/>
+              <a:t>}</a:t>
+            </a:r>
+          </a:p>
+          <a:p>
+            <a:endParaRPr lang="ru-RU" sz="2000" dirty="0"/>
+          </a:p>
+          <a:p>
+            <a:r>
+              <a:rPr lang="ru-RU" sz="2000" dirty="0" err="1"/>
+              <a:t>int</a:t>
+            </a:r>
+            <a:r>
+              <a:rPr lang="ru-RU" sz="2000" dirty="0"/>
+              <a:t> </a:t>
+            </a:r>
+            <a:r>
+              <a:rPr lang="ru-RU" sz="2000" dirty="0" err="1"/>
+              <a:t>main</a:t>
+            </a:r>
+            <a:r>
+              <a:rPr lang="ru-RU" sz="2000" dirty="0"/>
+              <a:t>()</a:t>
+            </a:r>
+          </a:p>
+          <a:p>
+            <a:r>
+              <a:rPr lang="ru-RU" sz="2000" dirty="0"/>
+              <a:t>{</a:t>
+            </a:r>
+          </a:p>
+          <a:p>
+            <a:r>
+              <a:rPr lang="ru-RU" sz="2000" dirty="0"/>
+              <a:t>    </a:t>
+            </a:r>
+            <a:r>
+              <a:rPr lang="en-US" sz="2000" dirty="0" smtClean="0"/>
+              <a:t>….</a:t>
+            </a:r>
+            <a:endParaRPr lang="ru-RU" sz="2000" dirty="0"/>
+          </a:p>
+          <a:p>
+            <a:r>
+              <a:rPr lang="ru-RU" sz="2000" dirty="0"/>
+              <a:t>    // </a:t>
+            </a:r>
+            <a:r>
+              <a:rPr lang="ru-RU" sz="2000" dirty="0" err="1"/>
+              <a:t>handle</a:t>
+            </a:r>
+            <a:r>
+              <a:rPr lang="ru-RU" sz="2000" dirty="0"/>
+              <a:t> </a:t>
+            </a:r>
+            <a:r>
+              <a:rPr lang="ru-RU" sz="2000" dirty="0" err="1"/>
+              <a:t>keyboard</a:t>
+            </a:r>
+            <a:r>
+              <a:rPr lang="ru-RU" sz="2000" dirty="0"/>
+              <a:t> </a:t>
+            </a:r>
+            <a:r>
+              <a:rPr lang="ru-RU" sz="2000" dirty="0" err="1"/>
+              <a:t>events</a:t>
+            </a:r>
+            <a:endParaRPr lang="ru-RU" sz="2000" dirty="0"/>
+          </a:p>
+          <a:p>
+            <a:r>
+              <a:rPr lang="ru-RU" sz="2000" dirty="0"/>
+              <a:t>    </a:t>
+            </a:r>
+            <a:r>
+              <a:rPr lang="ru-RU" sz="2000" dirty="0" err="1"/>
+              <a:t>stage</a:t>
+            </a:r>
+            <a:r>
+              <a:rPr lang="ru-RU" sz="2000" dirty="0"/>
+              <a:t>-&gt;</a:t>
+            </a:r>
+            <a:r>
+              <a:rPr lang="ru-RU" sz="2000" dirty="0" err="1"/>
+              <a:t>addEventListener</a:t>
+            </a:r>
+            <a:r>
+              <a:rPr lang="ru-RU" sz="2000" dirty="0"/>
+              <a:t>(</a:t>
+            </a:r>
+            <a:r>
+              <a:rPr lang="ru-RU" sz="2000" dirty="0" err="1"/>
+              <a:t>flash</a:t>
+            </a:r>
+            <a:r>
+              <a:rPr lang="ru-RU" sz="2000" dirty="0"/>
+              <a:t>::</a:t>
+            </a:r>
+            <a:r>
+              <a:rPr lang="ru-RU" sz="2000" dirty="0" err="1"/>
+              <a:t>events</a:t>
+            </a:r>
+            <a:r>
+              <a:rPr lang="ru-RU" sz="2000" dirty="0"/>
+              <a:t>::</a:t>
+            </a:r>
+            <a:r>
+              <a:rPr lang="ru-RU" sz="2000" dirty="0" err="1"/>
+              <a:t>KeyboardEvent</a:t>
+            </a:r>
+            <a:r>
+              <a:rPr lang="ru-RU" sz="2000" dirty="0"/>
+              <a:t>::KEY_DOWN, </a:t>
+            </a:r>
+          </a:p>
+          <a:p>
+            <a:r>
+              <a:rPr lang="ru-RU" sz="2000" dirty="0"/>
+              <a:t>                            </a:t>
+            </a:r>
+            <a:r>
+              <a:rPr lang="ru-RU" sz="2000" dirty="0" err="1"/>
+              <a:t>Function</a:t>
+            </a:r>
+            <a:r>
+              <a:rPr lang="ru-RU" sz="2000" dirty="0"/>
+              <a:t>::_</a:t>
+            </a:r>
+            <a:r>
+              <a:rPr lang="ru-RU" sz="2000" dirty="0" err="1"/>
+              <a:t>new</a:t>
+            </a:r>
+            <a:r>
+              <a:rPr lang="ru-RU" sz="2000" dirty="0"/>
+              <a:t>(</a:t>
+            </a:r>
+            <a:r>
+              <a:rPr lang="ru-RU" sz="2000" dirty="0" err="1"/>
+              <a:t>keyHandler</a:t>
+            </a:r>
+            <a:r>
+              <a:rPr lang="ru-RU" sz="2000" dirty="0"/>
+              <a:t>, NULL));</a:t>
+            </a:r>
+          </a:p>
+          <a:p>
+            <a:r>
+              <a:rPr lang="ru-RU" sz="2000" dirty="0"/>
+              <a:t>    </a:t>
+            </a:r>
+          </a:p>
+          <a:p>
+            <a:r>
+              <a:rPr lang="en-US" sz="2000" dirty="0" smtClean="0"/>
+              <a:t>     </a:t>
+            </a:r>
+            <a:r>
+              <a:rPr lang="ru-RU" sz="2000" dirty="0" smtClean="0"/>
+              <a:t>AS3_GoAsync</a:t>
+            </a:r>
+            <a:r>
+              <a:rPr lang="ru-RU" sz="2000" dirty="0"/>
+              <a:t>();</a:t>
+            </a:r>
+          </a:p>
+          <a:p>
+            <a:r>
+              <a:rPr lang="ru-RU" sz="2000" dirty="0"/>
+              <a:t>}</a:t>
+            </a:r>
+          </a:p>
+        </p:txBody>
+      </p:sp>
+    </p:spTree>
+    <p:extLst>
+      <p:ext uri="{BB962C8B-B14F-4D97-AF65-F5344CB8AC3E}">
+        <p14:creationId xmlns:p14="http://schemas.microsoft.com/office/powerpoint/2010/main" val="1111124267"/>
+      </p:ext>
+    </p:extLst>
+  </p:cSld>
+  <p:clrMapOvr>
+    <a:masterClrMapping/>
+  </p:clrMapOvr>
+</p:sld>
+</file>
+
+<file path=ppt/slides/slide24.xml><?xml version="1.0" encoding="utf-8"?>
+<p:sld xmlns:a="http://schemas.openxmlformats.org/drawingml/2006/main" xmlns:r="http://schemas.openxmlformats.org/officeDocument/2006/relationships" xmlns:p="http://schemas.openxmlformats.org/presentationml/2006/main">
+  <p:cSld>
+    <p:spTree>
+      <p:nvGrpSpPr>
+        <p:cNvPr id="1" name=""/>
+        <p:cNvGrpSpPr/>
+        <p:nvPr/>
+      </p:nvGrpSpPr>
+      <p:grpSpPr>
+        <a:xfrm>
+          <a:off x="0" y="0"/>
+          <a:ext cx="0" cy="0"/>
+          <a:chOff x="0" y="0"/>
+          <a:chExt cx="0" cy="0"/>
+        </a:xfrm>
+      </p:grpSpPr>
+      <p:sp>
+        <p:nvSpPr>
+          <p:cNvPr id="2" name="Title 1"/>
+          <p:cNvSpPr>
+            <a:spLocks noGrp="1"/>
+          </p:cNvSpPr>
+          <p:nvPr>
+            <p:ph type="title"/>
+          </p:nvPr>
+        </p:nvSpPr>
+        <p:spPr/>
+        <p:txBody>
+          <a:bodyPr/>
+          <a:lstStyle/>
+          <a:p>
+            <a:r>
+              <a:rPr lang="ru-RU" dirty="0"/>
+              <a:t>Взаимодействие с </a:t>
+            </a:r>
+            <a:r>
+              <a:rPr lang="en-US" dirty="0" smtClean="0"/>
+              <a:t>as3</a:t>
+            </a:r>
+            <a:endParaRPr lang="ru-RU" dirty="0"/>
+          </a:p>
+        </p:txBody>
+      </p:sp>
+      <p:sp>
+        <p:nvSpPr>
+          <p:cNvPr id="3" name="Content Placeholder 2"/>
+          <p:cNvSpPr>
+            <a:spLocks noGrp="1"/>
+          </p:cNvSpPr>
+          <p:nvPr>
+            <p:ph idx="1"/>
+          </p:nvPr>
+        </p:nvSpPr>
+        <p:spPr/>
+        <p:txBody>
+          <a:bodyPr>
+            <a:normAutofit fontScale="70000" lnSpcReduction="20000"/>
+          </a:bodyPr>
+          <a:lstStyle/>
+          <a:p>
+            <a:pPr marL="0" indent="0">
+              <a:buNone/>
+            </a:pPr>
+            <a:r>
+              <a:rPr lang="en-US" dirty="0"/>
+              <a:t>#include &lt;AS3/AS3.h&gt;</a:t>
+            </a:r>
+          </a:p>
+          <a:p>
+            <a:pPr marL="0" indent="0">
+              <a:buNone/>
+            </a:pPr>
+            <a:endParaRPr lang="en-US" dirty="0"/>
+          </a:p>
+          <a:p>
+            <a:pPr marL="0" indent="0">
+              <a:buNone/>
+            </a:pPr>
+            <a:r>
+              <a:rPr lang="en-US" dirty="0"/>
+              <a:t>// Use AS3 to </a:t>
+            </a:r>
+            <a:r>
+              <a:rPr lang="en-US" dirty="0" err="1"/>
+              <a:t>sqrt</a:t>
+            </a:r>
+            <a:r>
+              <a:rPr lang="en-US" dirty="0"/>
+              <a:t> a double!</a:t>
+            </a:r>
+          </a:p>
+          <a:p>
+            <a:pPr marL="0" indent="0">
+              <a:buNone/>
+            </a:pPr>
+            <a:r>
+              <a:rPr lang="en-US" dirty="0"/>
+              <a:t>double </a:t>
+            </a:r>
+            <a:r>
+              <a:rPr lang="en-US" dirty="0" err="1"/>
+              <a:t>somenumber</a:t>
+            </a:r>
+            <a:r>
+              <a:rPr lang="en-US" dirty="0"/>
+              <a:t> = 45.0;</a:t>
+            </a:r>
+          </a:p>
+          <a:p>
+            <a:pPr marL="0" indent="0">
+              <a:buNone/>
+            </a:pPr>
+            <a:r>
+              <a:rPr lang="en-US" dirty="0"/>
+              <a:t>double result = 0.0;</a:t>
+            </a:r>
+          </a:p>
+          <a:p>
+            <a:pPr marL="0" indent="0">
+              <a:buNone/>
+            </a:pPr>
+            <a:r>
+              <a:rPr lang="en-US" dirty="0"/>
+              <a:t>inline_as3(</a:t>
+            </a:r>
+          </a:p>
+          <a:p>
+            <a:pPr marL="0" indent="0">
+              <a:buNone/>
+            </a:pPr>
+            <a:r>
+              <a:rPr lang="en-US" dirty="0"/>
+              <a:t>    "%0 = </a:t>
+            </a:r>
+            <a:r>
+              <a:rPr lang="en-US" dirty="0" err="1"/>
+              <a:t>Math.sqrt</a:t>
+            </a:r>
+            <a:r>
+              <a:rPr lang="en-US" dirty="0"/>
+              <a:t>(%1);\n"</a:t>
+            </a:r>
+          </a:p>
+          <a:p>
+            <a:pPr marL="0" indent="0">
+              <a:buNone/>
+            </a:pPr>
+            <a:r>
+              <a:rPr lang="en-US" dirty="0"/>
+              <a:t>    : "=r"(result) : "r"(</a:t>
+            </a:r>
+            <a:r>
+              <a:rPr lang="en-US" dirty="0" err="1"/>
+              <a:t>somenumber</a:t>
+            </a:r>
+            <a:r>
+              <a:rPr lang="en-US" dirty="0"/>
+              <a:t>)</a:t>
+            </a:r>
+          </a:p>
+          <a:p>
+            <a:pPr marL="0" indent="0">
+              <a:buNone/>
+            </a:pPr>
+            <a:r>
+              <a:rPr lang="en-US" dirty="0"/>
+              <a:t>);</a:t>
+            </a:r>
+          </a:p>
+          <a:p>
+            <a:pPr marL="0" indent="0">
+              <a:buNone/>
+            </a:pPr>
+            <a:endParaRPr lang="en-US" dirty="0"/>
+          </a:p>
+          <a:p>
+            <a:pPr marL="0" indent="0">
+              <a:buNone/>
+            </a:pPr>
+            <a:r>
+              <a:rPr lang="en-US" dirty="0"/>
+              <a:t>// Back in C we can take the result and print it out:</a:t>
+            </a:r>
+          </a:p>
+          <a:p>
+            <a:pPr marL="0" indent="0">
+              <a:buNone/>
+            </a:pPr>
+            <a:r>
+              <a:rPr lang="en-US" dirty="0" err="1"/>
+              <a:t>printf</a:t>
+            </a:r>
+            <a:r>
+              <a:rPr lang="en-US" dirty="0"/>
+              <a:t>("</a:t>
+            </a:r>
+            <a:r>
+              <a:rPr lang="en-US" dirty="0" err="1"/>
+              <a:t>sqrt</a:t>
+            </a:r>
+            <a:r>
+              <a:rPr lang="en-US" dirty="0"/>
+              <a:t> of %f is %f\n", </a:t>
+            </a:r>
+            <a:r>
+              <a:rPr lang="en-US" dirty="0" err="1"/>
+              <a:t>somenumber</a:t>
+            </a:r>
+            <a:r>
+              <a:rPr lang="en-US" dirty="0"/>
+              <a:t>, result);</a:t>
+            </a:r>
+            <a:endParaRPr lang="ru-RU" dirty="0"/>
+          </a:p>
+        </p:txBody>
+      </p:sp>
+    </p:spTree>
+    <p:extLst>
+      <p:ext uri="{BB962C8B-B14F-4D97-AF65-F5344CB8AC3E}">
+        <p14:creationId xmlns:p14="http://schemas.microsoft.com/office/powerpoint/2010/main" val="1412017417"/>
+      </p:ext>
+    </p:extLst>
+  </p:cSld>
+  <p:clrMapOvr>
+    <a:masterClrMapping/>
+  </p:clrMapOvr>
+</p:sld>
+</file>
+
+<file path=ppt/slides/slide25.xml><?xml version="1.0" encoding="utf-8"?>
+<p:sld xmlns:a="http://schemas.openxmlformats.org/drawingml/2006/main" xmlns:r="http://schemas.openxmlformats.org/officeDocument/2006/relationships" xmlns:p="http://schemas.openxmlformats.org/presentationml/2006/main">
+  <p:cSld>
+    <p:spTree>
+      <p:nvGrpSpPr>
+        <p:cNvPr id="1" name=""/>
+        <p:cNvGrpSpPr/>
+        <p:nvPr/>
+      </p:nvGrpSpPr>
+      <p:grpSpPr>
+        <a:xfrm>
+          <a:off x="0" y="0"/>
+          <a:ext cx="0" cy="0"/>
+          <a:chOff x="0" y="0"/>
+          <a:chExt cx="0" cy="0"/>
+        </a:xfrm>
+      </p:grpSpPr>
+      <p:sp>
+        <p:nvSpPr>
+          <p:cNvPr id="2" name="Title 1"/>
+          <p:cNvSpPr>
+            <a:spLocks noGrp="1"/>
+          </p:cNvSpPr>
+          <p:nvPr>
+            <p:ph type="title"/>
+          </p:nvPr>
+        </p:nvSpPr>
+        <p:spPr>
+          <a:xfrm>
+            <a:off x="457200" y="274638"/>
+            <a:ext cx="8229600" cy="490066"/>
+          </a:xfrm>
+        </p:spPr>
+        <p:txBody>
+          <a:bodyPr>
+            <a:normAutofit fontScale="90000"/>
+          </a:bodyPr>
+          <a:lstStyle/>
+          <a:p>
+            <a:r>
+              <a:rPr lang="ru-RU" dirty="0" smtClean="0"/>
+              <a:t>Пример оптимизации</a:t>
+            </a:r>
+            <a:endParaRPr lang="ru-RU" dirty="0"/>
+          </a:p>
+        </p:txBody>
+      </p:sp>
+      <p:sp>
+        <p:nvSpPr>
+          <p:cNvPr id="3" name="Content Placeholder 2"/>
+          <p:cNvSpPr>
+            <a:spLocks noGrp="1"/>
+          </p:cNvSpPr>
+          <p:nvPr>
+            <p:ph idx="1"/>
+          </p:nvPr>
+        </p:nvSpPr>
+        <p:spPr>
+          <a:xfrm>
+            <a:off x="457200" y="1052737"/>
+            <a:ext cx="8229600" cy="720080"/>
+          </a:xfrm>
+        </p:spPr>
+        <p:txBody>
+          <a:bodyPr/>
+          <a:lstStyle/>
+          <a:p>
+            <a:r>
+              <a:rPr lang="ru-RU" dirty="0" smtClean="0"/>
+              <a:t>Фильтр </a:t>
+            </a:r>
+            <a:r>
+              <a:rPr lang="ru-RU" dirty="0" err="1" smtClean="0"/>
+              <a:t>Собеля</a:t>
+            </a:r>
+            <a:endParaRPr lang="ru-RU" dirty="0"/>
+          </a:p>
+        </p:txBody>
+      </p:sp>
+      <p:pic>
+        <p:nvPicPr>
+          <p:cNvPr id="4" name="Picture 3"/>
+          <p:cNvPicPr>
+            <a:picLocks noChangeAspect="1"/>
+          </p:cNvPicPr>
+          <p:nvPr/>
+        </p:nvPicPr>
+        <p:blipFill>
+          <a:blip r:embed="rId2">
+            <a:extLst>
+              <a:ext uri="{28A0092B-C50C-407E-A947-70E740481C1C}">
+                <a14:useLocalDpi xmlns:a14="http://schemas.microsoft.com/office/drawing/2010/main" val="0"/>
+              </a:ext>
+            </a:extLst>
+          </a:blip>
+          <a:stretch>
+            <a:fillRect/>
+          </a:stretch>
+        </p:blipFill>
+        <p:spPr>
+          <a:xfrm>
+            <a:off x="468924" y="1769216"/>
+            <a:ext cx="2952328" cy="2925033"/>
+          </a:xfrm>
+          <a:prstGeom prst="rect">
+            <a:avLst/>
+          </a:prstGeom>
+        </p:spPr>
+      </p:pic>
+      <p:pic>
+        <p:nvPicPr>
+          <p:cNvPr id="5" name="Picture 4"/>
+          <p:cNvPicPr>
+            <a:picLocks noChangeAspect="1"/>
+          </p:cNvPicPr>
+          <p:nvPr/>
+        </p:nvPicPr>
+        <p:blipFill>
+          <a:blip r:embed="rId3">
+            <a:extLst>
+              <a:ext uri="{28A0092B-C50C-407E-A947-70E740481C1C}">
+                <a14:useLocalDpi xmlns:a14="http://schemas.microsoft.com/office/drawing/2010/main" val="0"/>
+              </a:ext>
+            </a:extLst>
+          </a:blip>
+          <a:stretch>
+            <a:fillRect/>
+          </a:stretch>
+        </p:blipFill>
+        <p:spPr>
+          <a:xfrm>
+            <a:off x="5364088" y="1807020"/>
+            <a:ext cx="3100902" cy="2853025"/>
+          </a:xfrm>
+          <a:prstGeom prst="rect">
+            <a:avLst/>
+          </a:prstGeom>
+        </p:spPr>
+      </p:pic>
+      <p:sp>
+        <p:nvSpPr>
+          <p:cNvPr id="6" name="Right Arrow 5"/>
+          <p:cNvSpPr/>
+          <p:nvPr/>
+        </p:nvSpPr>
+        <p:spPr>
+          <a:xfrm>
+            <a:off x="4013929" y="3017509"/>
+            <a:ext cx="757481" cy="432048"/>
+          </a:xfrm>
+          <a:prstGeom prst="rightArrow">
+            <a:avLst/>
+          </a:prstGeom>
+        </p:spPr>
+        <p:style>
+          <a:lnRef idx="2">
+            <a:schemeClr val="accent1">
+              <a:shade val="50000"/>
+            </a:schemeClr>
+          </a:lnRef>
+          <a:fillRef idx="1">
+            <a:schemeClr val="accent1"/>
+          </a:fillRef>
+          <a:effectRef idx="0">
+            <a:schemeClr val="accent1"/>
+          </a:effectRef>
+          <a:fontRef idx="minor">
+            <a:schemeClr val="lt1"/>
+          </a:fontRef>
+        </p:style>
+        <p:txBody>
+          <a:bodyPr rtlCol="0" anchor="ctr"/>
+          <a:lstStyle/>
+          <a:p>
+            <a:pPr algn="ctr"/>
+            <a:endParaRPr lang="ru-RU"/>
+          </a:p>
+        </p:txBody>
+      </p:sp>
+      <p:pic>
+        <p:nvPicPr>
+          <p:cNvPr id="7" name="Picture 6"/>
+          <p:cNvPicPr>
+            <a:picLocks noChangeAspect="1"/>
+          </p:cNvPicPr>
+          <p:nvPr/>
+        </p:nvPicPr>
+        <p:blipFill>
+          <a:blip r:embed="rId4">
+            <a:extLst>
+              <a:ext uri="{28A0092B-C50C-407E-A947-70E740481C1C}">
+                <a14:useLocalDpi xmlns:a14="http://schemas.microsoft.com/office/drawing/2010/main" val="0"/>
+              </a:ext>
+            </a:extLst>
+          </a:blip>
+          <a:stretch>
+            <a:fillRect/>
+          </a:stretch>
+        </p:blipFill>
+        <p:spPr>
+          <a:xfrm>
+            <a:off x="0" y="5017423"/>
+            <a:ext cx="9144000" cy="1774627"/>
+          </a:xfrm>
+          <a:prstGeom prst="rect">
+            <a:avLst/>
+          </a:prstGeom>
+        </p:spPr>
+      </p:pic>
+    </p:spTree>
+    <p:extLst>
+      <p:ext uri="{BB962C8B-B14F-4D97-AF65-F5344CB8AC3E}">
+        <p14:creationId xmlns:p14="http://schemas.microsoft.com/office/powerpoint/2010/main" val="3076667674"/>
+      </p:ext>
+    </p:extLst>
+  </p:cSld>
+  <p:clrMapOvr>
+    <a:masterClrMapping/>
+  </p:clrMapOvr>
+</p:sld>
+</file>
+
+<file path=ppt/slides/slide26.xml><?xml version="1.0" encoding="utf-8"?>
+<p:sld xmlns:a="http://schemas.openxmlformats.org/drawingml/2006/main" xmlns:r="http://schemas.openxmlformats.org/officeDocument/2006/relationships" xmlns:p="http://schemas.openxmlformats.org/presentationml/2006/main">
+  <p:cSld>
+    <p:spTree>
+      <p:nvGrpSpPr>
+        <p:cNvPr id="1" name=""/>
+        <p:cNvGrpSpPr/>
+        <p:nvPr/>
+      </p:nvGrpSpPr>
+      <p:grpSpPr>
+        <a:xfrm>
+          <a:off x="0" y="0"/>
+          <a:ext cx="0" cy="0"/>
+          <a:chOff x="0" y="0"/>
+          <a:chExt cx="0" cy="0"/>
+        </a:xfrm>
+      </p:grpSpPr>
+      <p:pic>
+        <p:nvPicPr>
+          <p:cNvPr id="4" name="Picture 3"/>
+          <p:cNvPicPr>
+            <a:picLocks noChangeAspect="1"/>
+          </p:cNvPicPr>
+          <p:nvPr/>
+        </p:nvPicPr>
+        <p:blipFill>
+          <a:blip r:embed="rId2" cstate="print">
+            <a:extLst>
+              <a:ext uri="{28A0092B-C50C-407E-A947-70E740481C1C}">
+                <a14:useLocalDpi xmlns:a14="http://schemas.microsoft.com/office/drawing/2010/main" val="0"/>
+              </a:ext>
+            </a:extLst>
+          </a:blip>
+          <a:stretch>
+            <a:fillRect/>
+          </a:stretch>
+        </p:blipFill>
+        <p:spPr>
+          <a:xfrm>
+            <a:off x="-36512" y="0"/>
+            <a:ext cx="9144000" cy="5445224"/>
+          </a:xfrm>
+          <a:prstGeom prst="rect">
+            <a:avLst/>
+          </a:prstGeom>
+        </p:spPr>
+      </p:pic>
+      <p:pic>
+        <p:nvPicPr>
+          <p:cNvPr id="5" name="Picture 4"/>
+          <p:cNvPicPr>
+            <a:picLocks noChangeAspect="1"/>
+          </p:cNvPicPr>
+          <p:nvPr/>
+        </p:nvPicPr>
+        <p:blipFill>
+          <a:blip r:embed="rId3">
+            <a:extLst>
+              <a:ext uri="{28A0092B-C50C-407E-A947-70E740481C1C}">
+                <a14:useLocalDpi xmlns:a14="http://schemas.microsoft.com/office/drawing/2010/main" val="0"/>
+              </a:ext>
+            </a:extLst>
+          </a:blip>
+          <a:stretch>
+            <a:fillRect/>
+          </a:stretch>
+        </p:blipFill>
+        <p:spPr>
+          <a:xfrm>
+            <a:off x="2843808" y="4941168"/>
+            <a:ext cx="6135436" cy="1916832"/>
+          </a:xfrm>
+          <a:prstGeom prst="rect">
+            <a:avLst/>
+          </a:prstGeom>
+        </p:spPr>
+      </p:pic>
+    </p:spTree>
+    <p:extLst>
+      <p:ext uri="{BB962C8B-B14F-4D97-AF65-F5344CB8AC3E}">
+        <p14:creationId xmlns:p14="http://schemas.microsoft.com/office/powerpoint/2010/main" val="2121680524"/>
+      </p:ext>
+    </p:extLst>
+  </p:cSld>
+  <p:clrMapOvr>
+    <a:masterClrMapping/>
+  </p:clrMapOvr>
+</p:sld>
+</file>
+
+<file path=ppt/slides/slide27.xml><?xml version="1.0" encoding="utf-8"?>
+<p:sld xmlns:a="http://schemas.openxmlformats.org/drawingml/2006/main" xmlns:r="http://schemas.openxmlformats.org/officeDocument/2006/relationships" xmlns:p="http://schemas.openxmlformats.org/presentationml/2006/main">
+  <p:cSld>
+    <p:spTree>
+      <p:nvGrpSpPr>
+        <p:cNvPr id="1" name=""/>
+        <p:cNvGrpSpPr/>
+        <p:nvPr/>
+      </p:nvGrpSpPr>
+      <p:grpSpPr>
+        <a:xfrm>
+          <a:off x="0" y="0"/>
+          <a:ext cx="0" cy="0"/>
+          <a:chOff x="0" y="0"/>
+          <a:chExt cx="0" cy="0"/>
+        </a:xfrm>
+      </p:grpSpPr>
+      <p:sp>
+        <p:nvSpPr>
+          <p:cNvPr id="2" name="Title 1"/>
+          <p:cNvSpPr>
+            <a:spLocks noGrp="1"/>
+          </p:cNvSpPr>
+          <p:nvPr>
+            <p:ph type="title"/>
+          </p:nvPr>
+        </p:nvSpPr>
+        <p:spPr>
+          <a:xfrm>
+            <a:off x="457200" y="274638"/>
+            <a:ext cx="8229600" cy="778098"/>
+          </a:xfrm>
+        </p:spPr>
+        <p:txBody>
+          <a:bodyPr/>
+          <a:lstStyle/>
+          <a:p>
+            <a:r>
+              <a:rPr lang="ru-RU" dirty="0" smtClean="0"/>
+              <a:t>Нет оптимизаций</a:t>
+            </a:r>
+            <a:endParaRPr lang="ru-RU" dirty="0"/>
+          </a:p>
+        </p:txBody>
+      </p:sp>
+      <p:sp>
+        <p:nvSpPr>
+          <p:cNvPr id="3" name="Content Placeholder 2"/>
+          <p:cNvSpPr>
+            <a:spLocks noGrp="1"/>
+          </p:cNvSpPr>
+          <p:nvPr>
+            <p:ph idx="1"/>
+          </p:nvPr>
+        </p:nvSpPr>
+        <p:spPr>
+          <a:xfrm>
+            <a:off x="431496" y="836713"/>
+            <a:ext cx="8229600" cy="504056"/>
+          </a:xfrm>
+        </p:spPr>
+        <p:txBody>
+          <a:bodyPr>
+            <a:normAutofit fontScale="92500" lnSpcReduction="10000"/>
+          </a:bodyPr>
+          <a:lstStyle/>
+          <a:p>
+            <a:r>
+              <a:rPr lang="en-US" dirty="0" smtClean="0"/>
+              <a:t>~1.5 </a:t>
+            </a:r>
+            <a:r>
+              <a:rPr lang="en-US" dirty="0" err="1" smtClean="0"/>
+              <a:t>spf</a:t>
+            </a:r>
+            <a:r>
+              <a:rPr lang="en-US" dirty="0" smtClean="0"/>
+              <a:t> (!!!)</a:t>
+            </a:r>
+          </a:p>
+          <a:p>
+            <a:endParaRPr lang="ru-RU" dirty="0"/>
+          </a:p>
+        </p:txBody>
+      </p:sp>
+      <p:pic>
+        <p:nvPicPr>
+          <p:cNvPr id="5" name="Picture 4"/>
+          <p:cNvPicPr>
+            <a:picLocks noChangeAspect="1"/>
+          </p:cNvPicPr>
+          <p:nvPr/>
+        </p:nvPicPr>
+        <p:blipFill>
+          <a:blip r:embed="rId2" cstate="print">
+            <a:extLst>
+              <a:ext uri="{28A0092B-C50C-407E-A947-70E740481C1C}">
+                <a14:useLocalDpi xmlns:a14="http://schemas.microsoft.com/office/drawing/2010/main" val="0"/>
+              </a:ext>
+            </a:extLst>
+          </a:blip>
+          <a:stretch>
+            <a:fillRect/>
+          </a:stretch>
+        </p:blipFill>
+        <p:spPr>
+          <a:xfrm>
+            <a:off x="325694" y="1412776"/>
+            <a:ext cx="8492611" cy="4968551"/>
+          </a:xfrm>
+          <a:prstGeom prst="rect">
+            <a:avLst/>
+          </a:prstGeom>
+        </p:spPr>
+      </p:pic>
+    </p:spTree>
+    <p:extLst>
+      <p:ext uri="{BB962C8B-B14F-4D97-AF65-F5344CB8AC3E}">
+        <p14:creationId xmlns:p14="http://schemas.microsoft.com/office/powerpoint/2010/main" val="388306144"/>
+      </p:ext>
+    </p:extLst>
+  </p:cSld>
+  <p:clrMapOvr>
+    <a:masterClrMapping/>
+  </p:clrMapOvr>
+</p:sld>
+</file>
+
+<file path=ppt/slides/slide28.xml><?xml version="1.0" encoding="utf-8"?>
+<p:sld xmlns:a="http://schemas.openxmlformats.org/drawingml/2006/main" xmlns:r="http://schemas.openxmlformats.org/officeDocument/2006/relationships" xmlns:p="http://schemas.openxmlformats.org/presentationml/2006/main">
+  <p:cSld>
+    <p:spTree>
+      <p:nvGrpSpPr>
+        <p:cNvPr id="1" name=""/>
+        <p:cNvGrpSpPr/>
+        <p:nvPr/>
+      </p:nvGrpSpPr>
+      <p:grpSpPr>
+        <a:xfrm>
+          <a:off x="0" y="0"/>
+          <a:ext cx="0" cy="0"/>
+          <a:chOff x="0" y="0"/>
+          <a:chExt cx="0" cy="0"/>
+        </a:xfrm>
+      </p:grpSpPr>
+      <p:sp>
+        <p:nvSpPr>
+          <p:cNvPr id="2" name="Title 1"/>
+          <p:cNvSpPr>
+            <a:spLocks noGrp="1"/>
+          </p:cNvSpPr>
+          <p:nvPr>
+            <p:ph type="title"/>
+          </p:nvPr>
+        </p:nvSpPr>
+        <p:spPr>
+          <a:xfrm>
+            <a:off x="457200" y="274638"/>
+            <a:ext cx="8229600" cy="562074"/>
+          </a:xfrm>
+        </p:spPr>
+        <p:txBody>
+          <a:bodyPr>
+            <a:normAutofit fontScale="90000"/>
+          </a:bodyPr>
+          <a:lstStyle/>
+          <a:p>
+            <a:r>
+              <a:rPr lang="en-US" dirty="0" smtClean="0"/>
+              <a:t>inline</a:t>
+            </a:r>
+            <a:endParaRPr lang="ru-RU" dirty="0"/>
+          </a:p>
+        </p:txBody>
+      </p:sp>
+      <p:pic>
+        <p:nvPicPr>
+          <p:cNvPr id="4" name="Picture 3"/>
+          <p:cNvPicPr>
+            <a:picLocks noChangeAspect="1"/>
+          </p:cNvPicPr>
+          <p:nvPr/>
+        </p:nvPicPr>
+        <p:blipFill>
+          <a:blip r:embed="rId2" cstate="print">
+            <a:extLst>
+              <a:ext uri="{28A0092B-C50C-407E-A947-70E740481C1C}">
+                <a14:useLocalDpi xmlns:a14="http://schemas.microsoft.com/office/drawing/2010/main" val="0"/>
+              </a:ext>
+            </a:extLst>
+          </a:blip>
+          <a:stretch>
+            <a:fillRect/>
+          </a:stretch>
+        </p:blipFill>
+        <p:spPr>
+          <a:xfrm>
+            <a:off x="35496" y="1052736"/>
+            <a:ext cx="9144000" cy="3944471"/>
+          </a:xfrm>
+          <a:prstGeom prst="rect">
+            <a:avLst/>
+          </a:prstGeom>
+        </p:spPr>
+      </p:pic>
+      <p:sp>
+        <p:nvSpPr>
+          <p:cNvPr id="5" name="TextBox 4"/>
+          <p:cNvSpPr txBox="1"/>
+          <p:nvPr/>
+        </p:nvSpPr>
+        <p:spPr>
+          <a:xfrm>
+            <a:off x="49335" y="5517232"/>
+            <a:ext cx="4680520" cy="369332"/>
+          </a:xfrm>
+          <a:prstGeom prst="rect">
+            <a:avLst/>
+          </a:prstGeom>
+          <a:noFill/>
+        </p:spPr>
+        <p:txBody>
+          <a:bodyPr wrap="square" rtlCol="0">
+            <a:spAutoFit/>
+          </a:bodyPr>
+          <a:lstStyle/>
+          <a:p>
+            <a:r>
+              <a:rPr lang="en-US" dirty="0" smtClean="0"/>
+              <a:t>1.8 fps (0.55 </a:t>
+            </a:r>
+            <a:r>
+              <a:rPr lang="en-US" dirty="0" err="1" smtClean="0"/>
+              <a:t>spf</a:t>
+            </a:r>
+            <a:r>
+              <a:rPr lang="en-US" dirty="0" smtClean="0"/>
+              <a:t>)</a:t>
+            </a:r>
+            <a:endParaRPr lang="ru-RU" dirty="0"/>
+          </a:p>
+        </p:txBody>
+      </p:sp>
+    </p:spTree>
+    <p:extLst>
+      <p:ext uri="{BB962C8B-B14F-4D97-AF65-F5344CB8AC3E}">
+        <p14:creationId xmlns:p14="http://schemas.microsoft.com/office/powerpoint/2010/main" val="3715834141"/>
+      </p:ext>
+    </p:extLst>
+  </p:cSld>
+  <p:clrMapOvr>
+    <a:masterClrMapping/>
+  </p:clrMapOvr>
+</p:sld>
+</file>
+
+<file path=ppt/slides/slide29.xml><?xml version="1.0" encoding="utf-8"?>
+<p:sld xmlns:a="http://schemas.openxmlformats.org/drawingml/2006/main" xmlns:r="http://schemas.openxmlformats.org/officeDocument/2006/relationships" xmlns:p="http://schemas.openxmlformats.org/presentationml/2006/main">
+  <p:cSld>
+    <p:spTree>
+      <p:nvGrpSpPr>
+        <p:cNvPr id="1" name=""/>
+        <p:cNvGrpSpPr/>
+        <p:nvPr/>
+      </p:nvGrpSpPr>
+      <p:grpSpPr>
+        <a:xfrm>
+          <a:off x="0" y="0"/>
+          <a:ext cx="0" cy="0"/>
+          <a:chOff x="0" y="0"/>
+          <a:chExt cx="0" cy="0"/>
+        </a:xfrm>
+      </p:grpSpPr>
+      <p:pic>
+        <p:nvPicPr>
+          <p:cNvPr id="4" name="Picture 3"/>
+          <p:cNvPicPr>
+            <a:picLocks noChangeAspect="1"/>
+          </p:cNvPicPr>
+          <p:nvPr/>
+        </p:nvPicPr>
+        <p:blipFill>
+          <a:blip r:embed="rId2" cstate="print">
+            <a:extLst>
+              <a:ext uri="{28A0092B-C50C-407E-A947-70E740481C1C}">
+                <a14:useLocalDpi xmlns:a14="http://schemas.microsoft.com/office/drawing/2010/main" val="0"/>
+              </a:ext>
+            </a:extLst>
+          </a:blip>
+          <a:stretch>
+            <a:fillRect/>
+          </a:stretch>
+        </p:blipFill>
+        <p:spPr>
+          <a:xfrm>
+            <a:off x="323528" y="1124744"/>
+            <a:ext cx="8633685" cy="5051085"/>
+          </a:xfrm>
+          <a:prstGeom prst="rect">
+            <a:avLst/>
+          </a:prstGeom>
+        </p:spPr>
+      </p:pic>
+    </p:spTree>
+    <p:extLst>
+      <p:ext uri="{BB962C8B-B14F-4D97-AF65-F5344CB8AC3E}">
+        <p14:creationId xmlns:p14="http://schemas.microsoft.com/office/powerpoint/2010/main" val="1122667371"/>
+      </p:ext>
+    </p:extLst>
+  </p:cSld>
+  <p:clrMapOvr>
+    <a:masterClrMapping/>
+  </p:clrMapOvr>
+</p:sld>
+</file>
+
 <file path=ppt/slides/slide3.xml><?xml version="1.0" encoding="utf-8"?>
 <p:sld xmlns:a="http://schemas.openxmlformats.org/drawingml/2006/main" xmlns:r="http://schemas.openxmlformats.org/officeDocument/2006/relationships" xmlns:p="http://schemas.openxmlformats.org/presentationml/2006/main">
   <p:cSld>
@@ -5499,6 +7938,389 @@
     <p:extLst>
       <p:ext uri="{BB962C8B-B14F-4D97-AF65-F5344CB8AC3E}">
         <p14:creationId xmlns:p14="http://schemas.microsoft.com/office/powerpoint/2010/main" val="3597474307"/>
+      </p:ext>
+    </p:extLst>
+  </p:cSld>
+  <p:clrMapOvr>
+    <a:masterClrMapping/>
+  </p:clrMapOvr>
+</p:sld>
+</file>
+
+<file path=ppt/slides/slide30.xml><?xml version="1.0" encoding="utf-8"?>
+<p:sld xmlns:a="http://schemas.openxmlformats.org/drawingml/2006/main" xmlns:r="http://schemas.openxmlformats.org/officeDocument/2006/relationships" xmlns:p="http://schemas.openxmlformats.org/presentationml/2006/main">
+  <p:cSld>
+    <p:spTree>
+      <p:nvGrpSpPr>
+        <p:cNvPr id="1" name=""/>
+        <p:cNvGrpSpPr/>
+        <p:nvPr/>
+      </p:nvGrpSpPr>
+      <p:grpSpPr>
+        <a:xfrm>
+          <a:off x="0" y="0"/>
+          <a:ext cx="0" cy="0"/>
+          <a:chOff x="0" y="0"/>
+          <a:chExt cx="0" cy="0"/>
+        </a:xfrm>
+      </p:grpSpPr>
+      <p:sp>
+        <p:nvSpPr>
+          <p:cNvPr id="2" name="Title 1"/>
+          <p:cNvSpPr>
+            <a:spLocks noGrp="1"/>
+          </p:cNvSpPr>
+          <p:nvPr>
+            <p:ph type="title"/>
+          </p:nvPr>
+        </p:nvSpPr>
+        <p:spPr>
+          <a:xfrm>
+            <a:off x="457200" y="274638"/>
+            <a:ext cx="8229600" cy="778098"/>
+          </a:xfrm>
+        </p:spPr>
+        <p:txBody>
+          <a:bodyPr/>
+          <a:lstStyle/>
+          <a:p>
+            <a:r>
+              <a:rPr lang="ru-RU" dirty="0" smtClean="0"/>
+              <a:t>Убрать ненужные действия</a:t>
+            </a:r>
+            <a:endParaRPr lang="ru-RU" dirty="0"/>
+          </a:p>
+        </p:txBody>
+      </p:sp>
+      <p:sp>
+        <p:nvSpPr>
+          <p:cNvPr id="4" name="TextBox 3"/>
+          <p:cNvSpPr txBox="1"/>
+          <p:nvPr/>
+        </p:nvSpPr>
+        <p:spPr>
+          <a:xfrm>
+            <a:off x="755576" y="1412776"/>
+            <a:ext cx="7333290" cy="369332"/>
+          </a:xfrm>
+          <a:prstGeom prst="rect">
+            <a:avLst/>
+          </a:prstGeom>
+          <a:noFill/>
+        </p:spPr>
+        <p:txBody>
+          <a:bodyPr wrap="none" rtlCol="0">
+            <a:spAutoFit/>
+          </a:bodyPr>
+          <a:lstStyle/>
+          <a:p>
+            <a:r>
+              <a:rPr lang="en-US" dirty="0" err="1"/>
+              <a:t>m</a:t>
+            </a:r>
+            <a:r>
+              <a:rPr lang="en-US" dirty="0" err="1" smtClean="0"/>
+              <a:t>ake_grayscale</a:t>
+            </a:r>
+            <a:r>
+              <a:rPr lang="en-US" dirty="0" smtClean="0"/>
+              <a:t> </a:t>
+            </a:r>
+            <a:r>
+              <a:rPr lang="ru-RU" dirty="0" smtClean="0"/>
+              <a:t>не нужно делать на каждом кадре, можно </a:t>
+            </a:r>
+            <a:r>
+              <a:rPr lang="ru-RU" dirty="0" err="1" smtClean="0"/>
+              <a:t>закешировать</a:t>
+            </a:r>
+            <a:endParaRPr lang="ru-RU" dirty="0"/>
+          </a:p>
+        </p:txBody>
+      </p:sp>
+      <p:sp>
+        <p:nvSpPr>
+          <p:cNvPr id="5" name="Rectangle 4"/>
+          <p:cNvSpPr/>
+          <p:nvPr/>
+        </p:nvSpPr>
+        <p:spPr>
+          <a:xfrm>
+            <a:off x="899592" y="2080229"/>
+            <a:ext cx="1749518" cy="369332"/>
+          </a:xfrm>
+          <a:prstGeom prst="rect">
+            <a:avLst/>
+          </a:prstGeom>
+        </p:spPr>
+        <p:txBody>
+          <a:bodyPr wrap="none">
+            <a:spAutoFit/>
+          </a:bodyPr>
+          <a:lstStyle/>
+          <a:p>
+            <a:r>
+              <a:rPr lang="ru-RU" dirty="0" smtClean="0"/>
+              <a:t>2.4 </a:t>
+            </a:r>
+            <a:r>
+              <a:rPr lang="en-US" dirty="0" smtClean="0"/>
+              <a:t>fps </a:t>
+            </a:r>
+            <a:r>
+              <a:rPr lang="en-US" dirty="0"/>
+              <a:t>(</a:t>
+            </a:r>
+            <a:r>
+              <a:rPr lang="en-US" dirty="0" smtClean="0"/>
+              <a:t>0.</a:t>
+            </a:r>
+            <a:r>
+              <a:rPr lang="ru-RU" dirty="0" smtClean="0"/>
+              <a:t>35</a:t>
+            </a:r>
+            <a:r>
+              <a:rPr lang="en-US" dirty="0" smtClean="0"/>
+              <a:t> </a:t>
+            </a:r>
+            <a:r>
+              <a:rPr lang="en-US" dirty="0" err="1"/>
+              <a:t>spf</a:t>
+            </a:r>
+            <a:r>
+              <a:rPr lang="en-US" dirty="0"/>
+              <a:t>)</a:t>
+            </a:r>
+            <a:endParaRPr lang="ru-RU" dirty="0"/>
+          </a:p>
+        </p:txBody>
+      </p:sp>
+      <p:sp>
+        <p:nvSpPr>
+          <p:cNvPr id="6" name="Title 1"/>
+          <p:cNvSpPr txBox="1">
+            <a:spLocks/>
+          </p:cNvSpPr>
+          <p:nvPr/>
+        </p:nvSpPr>
+        <p:spPr>
+          <a:xfrm>
+            <a:off x="179512" y="2780928"/>
+            <a:ext cx="8229600" cy="778098"/>
+          </a:xfrm>
+          <a:prstGeom prst="rect">
+            <a:avLst/>
+          </a:prstGeom>
+        </p:spPr>
+        <p:txBody>
+          <a:bodyPr vert="horz" lIns="91440" tIns="45720" rIns="91440" bIns="45720" rtlCol="0" anchor="ctr">
+            <a:normAutofit fontScale="85000" lnSpcReduction="10000"/>
+          </a:bodyPr>
+          <a:lstStyle>
+            <a:lvl1pPr algn="ctr" defTabSz="914400" rtl="0" eaLnBrk="1" latinLnBrk="0" hangingPunct="1">
+              <a:spcBef>
+                <a:spcPct val="0"/>
+              </a:spcBef>
+              <a:buNone/>
+              <a:defRPr sz="4400" kern="1200">
+                <a:solidFill>
+                  <a:schemeClr val="tx1"/>
+                </a:solidFill>
+                <a:latin typeface="+mj-lt"/>
+                <a:ea typeface="+mj-ea"/>
+                <a:cs typeface="+mj-cs"/>
+              </a:defRPr>
+            </a:lvl1pPr>
+          </a:lstStyle>
+          <a:p>
+            <a:r>
+              <a:rPr lang="ru-RU" dirty="0" smtClean="0"/>
+              <a:t>Выключить отладочную информаци</a:t>
+            </a:r>
+            <a:r>
+              <a:rPr lang="ru-RU" dirty="0"/>
+              <a:t>ю</a:t>
+            </a:r>
+          </a:p>
+        </p:txBody>
+      </p:sp>
+      <p:sp>
+        <p:nvSpPr>
+          <p:cNvPr id="7" name="Rectangle 6"/>
+          <p:cNvSpPr/>
+          <p:nvPr/>
+        </p:nvSpPr>
+        <p:spPr>
+          <a:xfrm>
+            <a:off x="899592" y="3808421"/>
+            <a:ext cx="1691810" cy="369332"/>
+          </a:xfrm>
+          <a:prstGeom prst="rect">
+            <a:avLst/>
+          </a:prstGeom>
+        </p:spPr>
+        <p:txBody>
+          <a:bodyPr wrap="none">
+            <a:spAutoFit/>
+          </a:bodyPr>
+          <a:lstStyle/>
+          <a:p>
+            <a:r>
+              <a:rPr lang="ru-RU" dirty="0" smtClean="0"/>
+              <a:t>17 </a:t>
+            </a:r>
+            <a:r>
+              <a:rPr lang="en-US" dirty="0"/>
+              <a:t>fps (</a:t>
+            </a:r>
+            <a:r>
+              <a:rPr lang="en-US" dirty="0" smtClean="0"/>
+              <a:t>0.</a:t>
+            </a:r>
+            <a:r>
+              <a:rPr lang="ru-RU" dirty="0" smtClean="0"/>
+              <a:t>05</a:t>
+            </a:r>
+            <a:r>
+              <a:rPr lang="en-US" dirty="0" smtClean="0"/>
+              <a:t> </a:t>
+            </a:r>
+            <a:r>
+              <a:rPr lang="en-US" dirty="0" err="1"/>
+              <a:t>spf</a:t>
+            </a:r>
+            <a:r>
+              <a:rPr lang="en-US" dirty="0"/>
+              <a:t>)</a:t>
+            </a:r>
+            <a:endParaRPr lang="ru-RU" dirty="0"/>
+          </a:p>
+        </p:txBody>
+      </p:sp>
+      <p:sp>
+        <p:nvSpPr>
+          <p:cNvPr id="8" name="Rectangle 7"/>
+          <p:cNvSpPr/>
+          <p:nvPr/>
+        </p:nvSpPr>
+        <p:spPr>
+          <a:xfrm>
+            <a:off x="3741340" y="4437112"/>
+            <a:ext cx="1105944" cy="646331"/>
+          </a:xfrm>
+          <a:prstGeom prst="rect">
+            <a:avLst/>
+          </a:prstGeom>
+        </p:spPr>
+        <p:txBody>
+          <a:bodyPr wrap="none">
+            <a:spAutoFit/>
+          </a:bodyPr>
+          <a:lstStyle/>
+          <a:p>
+            <a:r>
+              <a:rPr lang="en-US" sz="3600" dirty="0" err="1" smtClean="0"/>
+              <a:t>Haxe</a:t>
+            </a:r>
+            <a:endParaRPr lang="ru-RU" sz="3600" dirty="0"/>
+          </a:p>
+        </p:txBody>
+      </p:sp>
+      <p:sp>
+        <p:nvSpPr>
+          <p:cNvPr id="9" name="Rectangle 8"/>
+          <p:cNvSpPr/>
+          <p:nvPr/>
+        </p:nvSpPr>
+        <p:spPr>
+          <a:xfrm>
+            <a:off x="911960" y="5373216"/>
+            <a:ext cx="1691810" cy="369332"/>
+          </a:xfrm>
+          <a:prstGeom prst="rect">
+            <a:avLst/>
+          </a:prstGeom>
+        </p:spPr>
+        <p:txBody>
+          <a:bodyPr wrap="none">
+            <a:spAutoFit/>
+          </a:bodyPr>
+          <a:lstStyle/>
+          <a:p>
+            <a:r>
+              <a:rPr lang="en-US" dirty="0" smtClean="0"/>
+              <a:t>40</a:t>
+            </a:r>
+            <a:r>
+              <a:rPr lang="ru-RU" dirty="0" smtClean="0"/>
+              <a:t> </a:t>
+            </a:r>
+            <a:r>
+              <a:rPr lang="en-US" dirty="0"/>
+              <a:t>fps (0.</a:t>
+            </a:r>
+            <a:r>
+              <a:rPr lang="ru-RU" dirty="0" smtClean="0"/>
+              <a:t>0</a:t>
+            </a:r>
+            <a:r>
+              <a:rPr lang="en-US" dirty="0" smtClean="0"/>
+              <a:t>2 </a:t>
+            </a:r>
+            <a:r>
+              <a:rPr lang="en-US" dirty="0" err="1"/>
+              <a:t>spf</a:t>
+            </a:r>
+            <a:r>
+              <a:rPr lang="en-US" dirty="0"/>
+              <a:t>)</a:t>
+            </a:r>
+            <a:endParaRPr lang="ru-RU" dirty="0"/>
+          </a:p>
+        </p:txBody>
+      </p:sp>
+      <p:sp>
+        <p:nvSpPr>
+          <p:cNvPr id="10" name="TextBox 9"/>
+          <p:cNvSpPr txBox="1"/>
+          <p:nvPr/>
+        </p:nvSpPr>
+        <p:spPr>
+          <a:xfrm>
+            <a:off x="1043608" y="6237312"/>
+            <a:ext cx="2675861" cy="369332"/>
+          </a:xfrm>
+          <a:prstGeom prst="rect">
+            <a:avLst/>
+          </a:prstGeom>
+          <a:noFill/>
+        </p:spPr>
+        <p:txBody>
+          <a:bodyPr wrap="none" rtlCol="0">
+            <a:spAutoFit/>
+          </a:bodyPr>
+          <a:lstStyle/>
+          <a:p>
+            <a:r>
+              <a:rPr lang="ru-RU" dirty="0" smtClean="0"/>
+              <a:t>Общее ускорение: </a:t>
+            </a:r>
+            <a:r>
+              <a:rPr lang="en-US" dirty="0" smtClean="0"/>
+              <a:t>60 </a:t>
+            </a:r>
+            <a:r>
+              <a:rPr lang="ru-RU" dirty="0" smtClean="0"/>
+              <a:t>раз</a:t>
+            </a:r>
+            <a:endParaRPr lang="ru-RU" dirty="0"/>
+          </a:p>
+        </p:txBody>
+      </p:sp>
+    </p:spTree>
+    <p:extLst>
+      <p:ext uri="{BB962C8B-B14F-4D97-AF65-F5344CB8AC3E}">
+        <p14:creationId xmlns:p14="http://schemas.microsoft.com/office/powerpoint/2010/main" val="1970133231"/>
       </p:ext>
     </p:extLst>
   </p:cSld>
